--- a/presentation2.pptx
+++ b/presentation2.pptx
@@ -5,7 +5,7 @@
     <p:sldMasterId id="2147483724" r:id="rId1"/>
   </p:sldMasterIdLst>
   <p:notesMasterIdLst>
-    <p:notesMasterId r:id="rId21"/>
+    <p:notesMasterId r:id="rId22"/>
   </p:notesMasterIdLst>
   <p:sldIdLst>
     <p:sldId id="258" r:id="rId2"/>
@@ -14,19 +14,20 @@
     <p:sldId id="325" r:id="rId5"/>
     <p:sldId id="376" r:id="rId6"/>
     <p:sldId id="378" r:id="rId7"/>
-    <p:sldId id="332" r:id="rId8"/>
-    <p:sldId id="379" r:id="rId9"/>
-    <p:sldId id="383" r:id="rId10"/>
-    <p:sldId id="384" r:id="rId11"/>
-    <p:sldId id="348" r:id="rId12"/>
-    <p:sldId id="372" r:id="rId13"/>
-    <p:sldId id="365" r:id="rId14"/>
-    <p:sldId id="349" r:id="rId15"/>
-    <p:sldId id="380" r:id="rId16"/>
-    <p:sldId id="381" r:id="rId17"/>
-    <p:sldId id="341" r:id="rId18"/>
-    <p:sldId id="342" r:id="rId19"/>
-    <p:sldId id="336" r:id="rId20"/>
+    <p:sldId id="385" r:id="rId8"/>
+    <p:sldId id="332" r:id="rId9"/>
+    <p:sldId id="379" r:id="rId10"/>
+    <p:sldId id="383" r:id="rId11"/>
+    <p:sldId id="384" r:id="rId12"/>
+    <p:sldId id="348" r:id="rId13"/>
+    <p:sldId id="372" r:id="rId14"/>
+    <p:sldId id="365" r:id="rId15"/>
+    <p:sldId id="349" r:id="rId16"/>
+    <p:sldId id="380" r:id="rId17"/>
+    <p:sldId id="381" r:id="rId18"/>
+    <p:sldId id="341" r:id="rId19"/>
+    <p:sldId id="342" r:id="rId20"/>
+    <p:sldId id="336" r:id="rId21"/>
   </p:sldIdLst>
   <p:sldSz cx="9144000" cy="5143500" type="screen16x9"/>
   <p:notesSz cx="6858000" cy="9144000"/>
@@ -652,7 +653,7 @@
     </p:spTree>
     <p:extLst>
       <p:ext uri="{BB962C8B-B14F-4D97-AF65-F5344CB8AC3E}">
-        <p14:creationId xmlns:p14="http://schemas.microsoft.com/office/powerpoint/2010/main" val="480052148"/>
+        <p14:creationId xmlns:p14="http://schemas.microsoft.com/office/powerpoint/2010/main" val="1344090911"/>
       </p:ext>
     </p:extLst>
   </p:cSld>
@@ -681,7 +682,7 @@
       </p:grpSpPr>
       <p:sp>
         <p:nvSpPr>
-          <p:cNvPr id="2" name="Espace réservé de l’image des diapositives 1"/>
+          <p:cNvPr id="2" name="Slide Image Placeholder 1"/>
           <p:cNvSpPr>
             <a:spLocks noGrp="1" noRot="1" noChangeAspect="1"/>
           </p:cNvSpPr>
@@ -693,7 +694,7 @@
       </p:sp>
       <p:sp>
         <p:nvSpPr>
-          <p:cNvPr id="3" name="Espace réservé des commentaires 2"/>
+          <p:cNvPr id="3" name="Notes Placeholder 2"/>
           <p:cNvSpPr>
             <a:spLocks noGrp="1"/>
           </p:cNvSpPr>
@@ -706,13 +707,13 @@
           <a:bodyPr/>
           <a:lstStyle/>
           <a:p>
-            <a:endParaRPr lang="fr-FR" dirty="0"/>
-          </a:p>
-        </p:txBody>
-      </p:sp>
-      <p:sp>
-        <p:nvSpPr>
-          <p:cNvPr id="4" name="Espace réservé du numéro de diapositive 3"/>
+            <a:endParaRPr lang="en-US" baseline="0" dirty="0" smtClean="0"/>
+          </a:p>
+        </p:txBody>
+      </p:sp>
+      <p:sp>
+        <p:nvSpPr>
+          <p:cNvPr id="4" name="Slide Number Placeholder 3"/>
           <p:cNvSpPr>
             <a:spLocks noGrp="1"/>
           </p:cNvSpPr>
@@ -736,7 +737,7 @@
     </p:spTree>
     <p:extLst>
       <p:ext uri="{BB962C8B-B14F-4D97-AF65-F5344CB8AC3E}">
-        <p14:creationId xmlns:p14="http://schemas.microsoft.com/office/powerpoint/2010/main" val="969245742"/>
+        <p14:creationId xmlns:p14="http://schemas.microsoft.com/office/powerpoint/2010/main" val="480052148"/>
       </p:ext>
     </p:extLst>
   </p:cSld>
@@ -820,7 +821,7 @@
     </p:spTree>
     <p:extLst>
       <p:ext uri="{BB962C8B-B14F-4D97-AF65-F5344CB8AC3E}">
-        <p14:creationId xmlns:p14="http://schemas.microsoft.com/office/powerpoint/2010/main" val="488112482"/>
+        <p14:creationId xmlns:p14="http://schemas.microsoft.com/office/powerpoint/2010/main" val="969245742"/>
       </p:ext>
     </p:extLst>
   </p:cSld>
@@ -874,84 +875,7 @@
           <a:bodyPr/>
           <a:lstStyle/>
           <a:p>
-            <a:r>
-              <a:rPr lang="fr-FR" baseline="0" dirty="0" smtClean="0"/>
-              <a:t>Dispositifs: sortent des laboratoires, se miniaturisent, viennent avec des téléphones mobiles démocratisation des technologies: devient commun.</a:t>
-            </a:r>
-          </a:p>
-          <a:p>
-            <a:r>
-              <a:rPr lang="fr-FR" baseline="0" dirty="0" smtClean="0"/>
-              <a:t>Consoles de jeux*** sphère du divertissement</a:t>
-            </a:r>
-          </a:p>
-          <a:p>
-            <a:r>
-              <a:rPr lang="fr-FR" baseline="0" dirty="0" smtClean="0"/>
-              <a:t>App: jeux, documentaires, films, </a:t>
-            </a:r>
-            <a:r>
-              <a:rPr lang="fr-FR" baseline="0" dirty="0" err="1" smtClean="0"/>
-              <a:t>app</a:t>
-            </a:r>
-            <a:r>
-              <a:rPr lang="fr-FR" baseline="0" dirty="0" smtClean="0"/>
-              <a:t> d’achats, visualisation.</a:t>
-            </a:r>
-          </a:p>
-          <a:p>
-            <a:endParaRPr lang="fr-FR" baseline="0" dirty="0" smtClean="0"/>
-          </a:p>
-          <a:p>
-            <a:r>
-              <a:rPr lang="fr-FR" baseline="0" dirty="0" smtClean="0"/>
-              <a:t>Expériences qui font pas de sens.</a:t>
-            </a:r>
-          </a:p>
-          <a:p>
-            <a:endParaRPr lang="fr-FR" baseline="0" dirty="0" smtClean="0"/>
-          </a:p>
-          <a:p>
-            <a:pPr>
-              <a:lnSpc>
-                <a:spcPct val="150000"/>
-              </a:lnSpc>
-            </a:pPr>
-            <a:r>
-              <a:rPr lang="fr-CA" sz="1200" b="0" u="sng" dirty="0" smtClean="0">
-                <a:solidFill>
-                  <a:schemeClr val="accent2"/>
-                </a:solidFill>
-              </a:rPr>
-              <a:t>Pour</a:t>
-            </a:r>
-            <a:r>
-              <a:rPr lang="fr-CA" sz="1200" b="0" u="sng" baseline="0" dirty="0" smtClean="0">
-                <a:solidFill>
-                  <a:schemeClr val="accent2"/>
-                </a:solidFill>
-              </a:rPr>
-              <a:t> moi:</a:t>
-            </a:r>
-            <a:endParaRPr lang="fr-CA" sz="1200" b="0" u="sng" dirty="0" smtClean="0">
-              <a:solidFill>
-                <a:schemeClr val="accent2"/>
-              </a:solidFill>
-            </a:endParaRPr>
-          </a:p>
-          <a:p>
-            <a:pPr>
-              <a:lnSpc>
-                <a:spcPct val="150000"/>
-              </a:lnSpc>
-            </a:pPr>
-            <a:r>
-              <a:rPr lang="fr-FR" sz="1200" b="0" dirty="0" smtClean="0"/>
-              <a:t>L’utilisation de ces nouvelles technologies devraient remettre en question les utilisations et représentations traditionnelles.</a:t>
-            </a:r>
-          </a:p>
-          <a:p>
-            <a:endParaRPr lang="fr-FR" baseline="0" dirty="0" smtClean="0"/>
+            <a:endParaRPr lang="fr-FR" dirty="0"/>
           </a:p>
         </p:txBody>
       </p:sp>
@@ -981,7 +905,7 @@
     </p:spTree>
     <p:extLst>
       <p:ext uri="{BB962C8B-B14F-4D97-AF65-F5344CB8AC3E}">
-        <p14:creationId xmlns:p14="http://schemas.microsoft.com/office/powerpoint/2010/main" val="1120226220"/>
+        <p14:creationId xmlns:p14="http://schemas.microsoft.com/office/powerpoint/2010/main" val="488112482"/>
       </p:ext>
     </p:extLst>
   </p:cSld>
@@ -1035,7 +959,7 @@
           <a:bodyPr/>
           <a:lstStyle/>
           <a:p>
-            <a:endParaRPr lang="fr-FR" dirty="0"/>
+            <a:endParaRPr lang="fr-FR" baseline="0" dirty="0" smtClean="0"/>
           </a:p>
         </p:txBody>
       </p:sp>
@@ -1065,7 +989,7 @@
     </p:spTree>
     <p:extLst>
       <p:ext uri="{BB962C8B-B14F-4D97-AF65-F5344CB8AC3E}">
-        <p14:creationId xmlns:p14="http://schemas.microsoft.com/office/powerpoint/2010/main" val="1184331936"/>
+        <p14:creationId xmlns:p14="http://schemas.microsoft.com/office/powerpoint/2010/main" val="1120226220"/>
       </p:ext>
     </p:extLst>
   </p:cSld>
@@ -1149,7 +1073,7 @@
     </p:spTree>
     <p:extLst>
       <p:ext uri="{BB962C8B-B14F-4D97-AF65-F5344CB8AC3E}">
-        <p14:creationId xmlns:p14="http://schemas.microsoft.com/office/powerpoint/2010/main" val="976471528"/>
+        <p14:creationId xmlns:p14="http://schemas.microsoft.com/office/powerpoint/2010/main" val="1184331936"/>
       </p:ext>
     </p:extLst>
   </p:cSld>
@@ -1178,7 +1102,7 @@
       </p:grpSpPr>
       <p:sp>
         <p:nvSpPr>
-          <p:cNvPr id="2" name="Slide Image Placeholder 1"/>
+          <p:cNvPr id="2" name="Espace réservé de l’image des diapositives 1"/>
           <p:cNvSpPr>
             <a:spLocks noGrp="1" noRot="1" noChangeAspect="1"/>
           </p:cNvSpPr>
@@ -1190,7 +1114,7 @@
       </p:sp>
       <p:sp>
         <p:nvSpPr>
-          <p:cNvPr id="3" name="Notes Placeholder 2"/>
+          <p:cNvPr id="3" name="Espace réservé des commentaires 2"/>
           <p:cNvSpPr>
             <a:spLocks noGrp="1"/>
           </p:cNvSpPr>
@@ -1203,13 +1127,13 @@
           <a:bodyPr/>
           <a:lstStyle/>
           <a:p>
-            <a:endParaRPr lang="en-US" baseline="0" dirty="0" smtClean="0"/>
-          </a:p>
-        </p:txBody>
-      </p:sp>
-      <p:sp>
-        <p:nvSpPr>
-          <p:cNvPr id="4" name="Slide Number Placeholder 3"/>
+            <a:endParaRPr lang="fr-FR" dirty="0"/>
+          </a:p>
+        </p:txBody>
+      </p:sp>
+      <p:sp>
+        <p:nvSpPr>
+          <p:cNvPr id="4" name="Espace réservé du numéro de diapositive 3"/>
           <p:cNvSpPr>
             <a:spLocks noGrp="1"/>
           </p:cNvSpPr>
@@ -1233,7 +1157,7 @@
     </p:spTree>
     <p:extLst>
       <p:ext uri="{BB962C8B-B14F-4D97-AF65-F5344CB8AC3E}">
-        <p14:creationId xmlns:p14="http://schemas.microsoft.com/office/powerpoint/2010/main" val="1532960881"/>
+        <p14:creationId xmlns:p14="http://schemas.microsoft.com/office/powerpoint/2010/main" val="976471528"/>
       </p:ext>
     </p:extLst>
   </p:cSld>
@@ -1317,7 +1241,7 @@
     </p:spTree>
     <p:extLst>
       <p:ext uri="{BB962C8B-B14F-4D97-AF65-F5344CB8AC3E}">
-        <p14:creationId xmlns:p14="http://schemas.microsoft.com/office/powerpoint/2010/main" val="1855005561"/>
+        <p14:creationId xmlns:p14="http://schemas.microsoft.com/office/powerpoint/2010/main" val="1532960881"/>
       </p:ext>
     </p:extLst>
   </p:cSld>
@@ -1393,6 +1317,90 @@
             <a:fld id="{1A6D72BF-5085-C747-8DC0-69846DE0A0D5}" type="slidenum">
               <a:rPr lang="en-US" smtClean="0"/>
               <a:t>18</a:t>
+            </a:fld>
+            <a:endParaRPr lang="en-US"/>
+          </a:p>
+        </p:txBody>
+      </p:sp>
+    </p:spTree>
+    <p:extLst>
+      <p:ext uri="{BB962C8B-B14F-4D97-AF65-F5344CB8AC3E}">
+        <p14:creationId xmlns:p14="http://schemas.microsoft.com/office/powerpoint/2010/main" val="1855005561"/>
+      </p:ext>
+    </p:extLst>
+  </p:cSld>
+  <p:clrMapOvr>
+    <a:masterClrMapping/>
+  </p:clrMapOvr>
+</p:notes>
+</file>
+
+<file path=ppt/notesSlides/notesSlide19.xml><?xml version="1.0" encoding="utf-8"?>
+<p:notes xmlns:a="http://schemas.openxmlformats.org/drawingml/2006/main" xmlns:r="http://schemas.openxmlformats.org/officeDocument/2006/relationships" xmlns:p="http://schemas.openxmlformats.org/presentationml/2006/main">
+  <p:cSld>
+    <p:spTree>
+      <p:nvGrpSpPr>
+        <p:cNvPr id="1" name=""/>
+        <p:cNvGrpSpPr/>
+        <p:nvPr/>
+      </p:nvGrpSpPr>
+      <p:grpSpPr>
+        <a:xfrm>
+          <a:off x="0" y="0"/>
+          <a:ext cx="0" cy="0"/>
+          <a:chOff x="0" y="0"/>
+          <a:chExt cx="0" cy="0"/>
+        </a:xfrm>
+      </p:grpSpPr>
+      <p:sp>
+        <p:nvSpPr>
+          <p:cNvPr id="2" name="Slide Image Placeholder 1"/>
+          <p:cNvSpPr>
+            <a:spLocks noGrp="1" noRot="1" noChangeAspect="1"/>
+          </p:cNvSpPr>
+          <p:nvPr>
+            <p:ph type="sldImg"/>
+          </p:nvPr>
+        </p:nvSpPr>
+        <p:spPr/>
+      </p:sp>
+      <p:sp>
+        <p:nvSpPr>
+          <p:cNvPr id="3" name="Notes Placeholder 2"/>
+          <p:cNvSpPr>
+            <a:spLocks noGrp="1"/>
+          </p:cNvSpPr>
+          <p:nvPr>
+            <p:ph type="body" idx="1"/>
+          </p:nvPr>
+        </p:nvSpPr>
+        <p:spPr/>
+        <p:txBody>
+          <a:bodyPr/>
+          <a:lstStyle/>
+          <a:p>
+            <a:endParaRPr lang="en-US" baseline="0" dirty="0" smtClean="0"/>
+          </a:p>
+        </p:txBody>
+      </p:sp>
+      <p:sp>
+        <p:nvSpPr>
+          <p:cNvPr id="4" name="Slide Number Placeholder 3"/>
+          <p:cNvSpPr>
+            <a:spLocks noGrp="1"/>
+          </p:cNvSpPr>
+          <p:nvPr>
+            <p:ph type="sldNum" sz="quarter" idx="10"/>
+          </p:nvPr>
+        </p:nvSpPr>
+        <p:spPr/>
+        <p:txBody>
+          <a:bodyPr/>
+          <a:lstStyle/>
+          <a:p>
+            <a:fld id="{1A6D72BF-5085-C747-8DC0-69846DE0A0D5}" type="slidenum">
+              <a:rPr lang="en-US" smtClean="0"/>
+              <a:t>19</a:t>
             </a:fld>
             <a:endParaRPr lang="en-US"/>
           </a:p>
@@ -1455,534 +1463,6 @@
           <a:bodyPr/>
           <a:lstStyle/>
           <a:p>
-            <a:r>
-              <a:rPr lang="fr-FR" baseline="0" dirty="0" smtClean="0"/>
-              <a:t>Comme je suis seul dans mon équipe, tout le travail à été fait par moi, mais je sauvegarde mon projet avec </a:t>
-            </a:r>
-            <a:r>
-              <a:rPr lang="fr-FR" baseline="0" dirty="0" err="1" smtClean="0"/>
-              <a:t>Github</a:t>
-            </a:r>
-            <a:r>
-              <a:rPr lang="fr-FR" baseline="0" dirty="0" smtClean="0"/>
-              <a:t>.</a:t>
-            </a:r>
-          </a:p>
-          <a:p>
-            <a:pPr marL="0" marR="0" indent="0" algn="l" defTabSz="457200" rtl="0" eaLnBrk="1" fontAlgn="auto" latinLnBrk="0" hangingPunct="1">
-              <a:lnSpc>
-                <a:spcPct val="100000"/>
-              </a:lnSpc>
-              <a:spcBef>
-                <a:spcPts val="0"/>
-              </a:spcBef>
-              <a:spcAft>
-                <a:spcPts val="0"/>
-              </a:spcAft>
-              <a:buClrTx/>
-              <a:buSzTx/>
-              <a:buFontTx/>
-              <a:buNone/>
-              <a:tabLst/>
-              <a:defRPr/>
-            </a:pPr>
-            <a:endParaRPr lang="fr-CA" sz="1200" kern="1200" dirty="0" smtClean="0">
-              <a:solidFill>
-                <a:schemeClr val="tx1"/>
-              </a:solidFill>
-              <a:effectLst/>
-              <a:latin typeface="+mn-lt"/>
-              <a:ea typeface="+mn-ea"/>
-              <a:cs typeface="+mn-cs"/>
-            </a:endParaRPr>
-          </a:p>
-          <a:p>
-            <a:pPr marL="0" marR="0" indent="0" algn="l" defTabSz="457200" rtl="0" eaLnBrk="1" fontAlgn="auto" latinLnBrk="0" hangingPunct="1">
-              <a:lnSpc>
-                <a:spcPct val="100000"/>
-              </a:lnSpc>
-              <a:spcBef>
-                <a:spcPts val="0"/>
-              </a:spcBef>
-              <a:spcAft>
-                <a:spcPts val="0"/>
-              </a:spcAft>
-              <a:buClrTx/>
-              <a:buSzTx/>
-              <a:buFontTx/>
-              <a:buNone/>
-              <a:tabLst/>
-              <a:defRPr/>
-            </a:pPr>
-            <a:r>
-              <a:rPr lang="fr-CA" sz="1200" kern="1200" dirty="0" smtClean="0">
-                <a:solidFill>
-                  <a:schemeClr val="tx1"/>
-                </a:solidFill>
-                <a:effectLst/>
-                <a:latin typeface="+mn-lt"/>
-                <a:ea typeface="+mn-ea"/>
-                <a:cs typeface="+mn-cs"/>
-              </a:rPr>
-              <a:t>Modélisation: J'ai fait quelques dessin et j’ai ensuite suivi des tutoriels pour les animations, textures (UV </a:t>
-            </a:r>
-            <a:r>
-              <a:rPr lang="fr-CA" sz="1200" kern="1200" dirty="0" err="1" smtClean="0">
-                <a:solidFill>
-                  <a:schemeClr val="tx1"/>
-                </a:solidFill>
-                <a:effectLst/>
-                <a:latin typeface="+mn-lt"/>
-                <a:ea typeface="+mn-ea"/>
-                <a:cs typeface="+mn-cs"/>
-              </a:rPr>
-              <a:t>Mapping</a:t>
-            </a:r>
-            <a:r>
-              <a:rPr lang="fr-CA" sz="1200" kern="1200" dirty="0" smtClean="0">
-                <a:solidFill>
-                  <a:schemeClr val="tx1"/>
-                </a:solidFill>
-                <a:effectLst/>
-                <a:latin typeface="+mn-lt"/>
-                <a:ea typeface="+mn-ea"/>
-                <a:cs typeface="+mn-cs"/>
-              </a:rPr>
-              <a:t>) et pour la </a:t>
-            </a:r>
-            <a:r>
-              <a:rPr lang="fr-CA" sz="1200" kern="1200" dirty="0" err="1" smtClean="0">
-                <a:solidFill>
-                  <a:schemeClr val="tx1"/>
-                </a:solidFill>
-                <a:effectLst/>
-                <a:latin typeface="+mn-lt"/>
-                <a:ea typeface="+mn-ea"/>
-                <a:cs typeface="+mn-cs"/>
-              </a:rPr>
-              <a:t>modelisation</a:t>
-            </a:r>
-            <a:r>
-              <a:rPr lang="fr-CA" sz="1200" kern="1200" dirty="0" smtClean="0">
-                <a:solidFill>
-                  <a:schemeClr val="tx1"/>
-                </a:solidFill>
-                <a:effectLst/>
-                <a:latin typeface="+mn-lt"/>
-                <a:ea typeface="+mn-ea"/>
-                <a:cs typeface="+mn-cs"/>
-              </a:rPr>
-              <a:t> en soit. </a:t>
-            </a:r>
-            <a:r>
-              <a:rPr lang="fr-CA" sz="1200" kern="1200" dirty="0" err="1" smtClean="0">
-                <a:solidFill>
-                  <a:schemeClr val="tx1"/>
-                </a:solidFill>
-                <a:effectLst/>
-                <a:latin typeface="+mn-lt"/>
-                <a:ea typeface="+mn-ea"/>
-                <a:cs typeface="+mn-cs"/>
-              </a:rPr>
-              <a:t>Rigging</a:t>
-            </a:r>
-            <a:r>
-              <a:rPr lang="fr-CA" sz="1200" kern="1200" dirty="0" smtClean="0">
-                <a:solidFill>
-                  <a:schemeClr val="tx1"/>
-                </a:solidFill>
-                <a:effectLst/>
-                <a:latin typeface="+mn-lt"/>
-                <a:ea typeface="+mn-ea"/>
-                <a:cs typeface="+mn-cs"/>
-              </a:rPr>
-              <a:t> aussi</a:t>
-            </a:r>
-          </a:p>
-          <a:p>
-            <a:pPr marL="0" marR="0" indent="0" algn="l" defTabSz="457200" rtl="0" eaLnBrk="1" fontAlgn="auto" latinLnBrk="0" hangingPunct="1">
-              <a:lnSpc>
-                <a:spcPct val="100000"/>
-              </a:lnSpc>
-              <a:spcBef>
-                <a:spcPts val="0"/>
-              </a:spcBef>
-              <a:spcAft>
-                <a:spcPts val="0"/>
-              </a:spcAft>
-              <a:buClrTx/>
-              <a:buSzTx/>
-              <a:buFontTx/>
-              <a:buNone/>
-              <a:tabLst/>
-              <a:defRPr/>
-            </a:pPr>
-            <a:r>
-              <a:rPr lang="fr-CA" sz="1200" kern="1200" dirty="0" smtClean="0">
-                <a:solidFill>
-                  <a:schemeClr val="tx1"/>
-                </a:solidFill>
-                <a:effectLst/>
-                <a:latin typeface="+mn-lt"/>
-                <a:ea typeface="+mn-ea"/>
-                <a:cs typeface="+mn-cs"/>
-              </a:rPr>
-              <a:t>(Exemple de </a:t>
-            </a:r>
-            <a:r>
-              <a:rPr lang="fr-CA" sz="1200" kern="1200" dirty="0" err="1" smtClean="0">
-                <a:solidFill>
-                  <a:schemeClr val="tx1"/>
-                </a:solidFill>
-                <a:effectLst/>
-                <a:latin typeface="+mn-lt"/>
-                <a:ea typeface="+mn-ea"/>
-                <a:cs typeface="+mn-cs"/>
-              </a:rPr>
-              <a:t>fail</a:t>
-            </a:r>
-            <a:r>
-              <a:rPr lang="fr-CA" sz="1200" kern="1200" baseline="0" dirty="0" smtClean="0">
-                <a:solidFill>
-                  <a:schemeClr val="tx1"/>
-                </a:solidFill>
-                <a:effectLst/>
-                <a:latin typeface="+mn-lt"/>
-                <a:ea typeface="+mn-ea"/>
-                <a:cs typeface="+mn-cs"/>
-              </a:rPr>
-              <a:t> avec le personnage</a:t>
-            </a:r>
-            <a:r>
-              <a:rPr lang="fr-CA" sz="1200" kern="1200" dirty="0" smtClean="0">
-                <a:solidFill>
-                  <a:schemeClr val="tx1"/>
-                </a:solidFill>
-                <a:effectLst/>
-                <a:latin typeface="+mn-lt"/>
-                <a:ea typeface="+mn-ea"/>
-                <a:cs typeface="+mn-cs"/>
-              </a:rPr>
-              <a:t>)</a:t>
-            </a:r>
-          </a:p>
-          <a:p>
-            <a:endParaRPr lang="fr-FR" baseline="0" dirty="0" smtClean="0"/>
-          </a:p>
-          <a:p>
-            <a:endParaRPr lang="fr-FR" baseline="0" dirty="0" smtClean="0"/>
-          </a:p>
-          <a:p>
-            <a:pPr marL="0" marR="0" indent="0" algn="l" defTabSz="457200" rtl="0" eaLnBrk="1" fontAlgn="auto" latinLnBrk="0" hangingPunct="1">
-              <a:lnSpc>
-                <a:spcPct val="100000"/>
-              </a:lnSpc>
-              <a:spcBef>
-                <a:spcPts val="0"/>
-              </a:spcBef>
-              <a:spcAft>
-                <a:spcPts val="0"/>
-              </a:spcAft>
-              <a:buClrTx/>
-              <a:buSzTx/>
-              <a:buFontTx/>
-              <a:buNone/>
-              <a:tabLst/>
-              <a:defRPr/>
-            </a:pPr>
-            <a:r>
-              <a:rPr lang="fr-CA" sz="1200" kern="1200" dirty="0" smtClean="0">
-                <a:solidFill>
-                  <a:schemeClr val="tx1"/>
-                </a:solidFill>
-                <a:effectLst/>
-                <a:latin typeface="+mn-lt"/>
-                <a:ea typeface="+mn-ea"/>
-                <a:cs typeface="+mn-cs"/>
-              </a:rPr>
-              <a:t>Les textures: créer des matériaux que j'ai ensuite appliquer des textures. J'ai ensuite assigner se matériaux sur le modèle et dans le </a:t>
-            </a:r>
-            <a:r>
-              <a:rPr lang="fr-CA" sz="1200" kern="1200" dirty="0" err="1" smtClean="0">
-                <a:solidFill>
-                  <a:schemeClr val="tx1"/>
-                </a:solidFill>
-                <a:effectLst/>
-                <a:latin typeface="+mn-lt"/>
-                <a:ea typeface="+mn-ea"/>
-                <a:cs typeface="+mn-cs"/>
-              </a:rPr>
-              <a:t>uv</a:t>
-            </a:r>
-            <a:r>
-              <a:rPr lang="fr-CA" sz="1200" kern="1200" dirty="0" smtClean="0">
-                <a:solidFill>
-                  <a:schemeClr val="tx1"/>
-                </a:solidFill>
-                <a:effectLst/>
-                <a:latin typeface="+mn-lt"/>
-                <a:ea typeface="+mn-ea"/>
-                <a:cs typeface="+mn-cs"/>
-              </a:rPr>
-              <a:t> </a:t>
-            </a:r>
-            <a:r>
-              <a:rPr lang="fr-CA" sz="1200" kern="1200" dirty="0" err="1" smtClean="0">
-                <a:solidFill>
-                  <a:schemeClr val="tx1"/>
-                </a:solidFill>
-                <a:effectLst/>
-                <a:latin typeface="+mn-lt"/>
-                <a:ea typeface="+mn-ea"/>
-                <a:cs typeface="+mn-cs"/>
-              </a:rPr>
-              <a:t>mapping</a:t>
-            </a:r>
-            <a:r>
-              <a:rPr lang="fr-CA" sz="1200" kern="1200" dirty="0" smtClean="0">
-                <a:solidFill>
-                  <a:schemeClr val="tx1"/>
-                </a:solidFill>
-                <a:effectLst/>
-                <a:latin typeface="+mn-lt"/>
-                <a:ea typeface="+mn-ea"/>
-                <a:cs typeface="+mn-cs"/>
-              </a:rPr>
-              <a:t> j'ai appliquer la textures sur le </a:t>
-            </a:r>
-            <a:r>
-              <a:rPr lang="fr-CA" sz="1200" kern="1200" dirty="0" err="1" smtClean="0">
-                <a:solidFill>
-                  <a:schemeClr val="tx1"/>
-                </a:solidFill>
-                <a:effectLst/>
-                <a:latin typeface="+mn-lt"/>
-                <a:ea typeface="+mn-ea"/>
-                <a:cs typeface="+mn-cs"/>
-              </a:rPr>
-              <a:t>unwrap</a:t>
-            </a:r>
-            <a:r>
-              <a:rPr lang="fr-CA" sz="1200" kern="1200" dirty="0" smtClean="0">
-                <a:solidFill>
-                  <a:schemeClr val="tx1"/>
-                </a:solidFill>
-                <a:effectLst/>
-                <a:latin typeface="+mn-lt"/>
-                <a:ea typeface="+mn-ea"/>
-                <a:cs typeface="+mn-cs"/>
-              </a:rPr>
-              <a:t>. Inspiration </a:t>
-            </a:r>
-            <a:r>
-              <a:rPr lang="fr-CA" sz="1200" kern="1200" dirty="0" err="1" smtClean="0">
-                <a:solidFill>
-                  <a:schemeClr val="tx1"/>
-                </a:solidFill>
-                <a:effectLst/>
-                <a:latin typeface="+mn-lt"/>
-                <a:ea typeface="+mn-ea"/>
-                <a:cs typeface="+mn-cs"/>
-              </a:rPr>
-              <a:t>tye</a:t>
-            </a:r>
-            <a:r>
-              <a:rPr lang="fr-CA" sz="1200" kern="1200" baseline="0" dirty="0" smtClean="0">
-                <a:solidFill>
-                  <a:schemeClr val="tx1"/>
-                </a:solidFill>
-                <a:effectLst/>
-                <a:latin typeface="+mn-lt"/>
-                <a:ea typeface="+mn-ea"/>
-                <a:cs typeface="+mn-cs"/>
-              </a:rPr>
-              <a:t> </a:t>
-            </a:r>
-            <a:r>
-              <a:rPr lang="fr-CA" sz="1200" kern="1200" baseline="0" dirty="0" err="1" smtClean="0">
-                <a:solidFill>
-                  <a:schemeClr val="tx1"/>
-                </a:solidFill>
-                <a:effectLst/>
-                <a:latin typeface="+mn-lt"/>
-                <a:ea typeface="+mn-ea"/>
-                <a:cs typeface="+mn-cs"/>
-              </a:rPr>
-              <a:t>dye</a:t>
-            </a:r>
-            <a:r>
-              <a:rPr lang="fr-CA" sz="1200" kern="1200" baseline="0" dirty="0" smtClean="0">
-                <a:solidFill>
-                  <a:schemeClr val="tx1"/>
-                </a:solidFill>
-                <a:effectLst/>
-                <a:latin typeface="+mn-lt"/>
-                <a:ea typeface="+mn-ea"/>
-                <a:cs typeface="+mn-cs"/>
-              </a:rPr>
-              <a:t>.</a:t>
-            </a:r>
-          </a:p>
-          <a:p>
-            <a:pPr marL="0" marR="0" indent="0" algn="l" defTabSz="457200" rtl="0" eaLnBrk="1" fontAlgn="auto" latinLnBrk="0" hangingPunct="1">
-              <a:lnSpc>
-                <a:spcPct val="100000"/>
-              </a:lnSpc>
-              <a:spcBef>
-                <a:spcPts val="0"/>
-              </a:spcBef>
-              <a:spcAft>
-                <a:spcPts val="0"/>
-              </a:spcAft>
-              <a:buClrTx/>
-              <a:buSzTx/>
-              <a:buFontTx/>
-              <a:buNone/>
-              <a:tabLst/>
-              <a:defRPr/>
-            </a:pPr>
-            <a:endParaRPr lang="fr-CA" sz="1200" kern="1200" baseline="0" dirty="0" smtClean="0">
-              <a:solidFill>
-                <a:schemeClr val="tx1"/>
-              </a:solidFill>
-              <a:effectLst/>
-              <a:latin typeface="+mn-lt"/>
-              <a:ea typeface="+mn-ea"/>
-              <a:cs typeface="+mn-cs"/>
-            </a:endParaRPr>
-          </a:p>
-          <a:p>
-            <a:pPr marL="0" marR="0" indent="0" algn="l" defTabSz="457200" rtl="0" eaLnBrk="1" fontAlgn="auto" latinLnBrk="0" hangingPunct="1">
-              <a:lnSpc>
-                <a:spcPct val="100000"/>
-              </a:lnSpc>
-              <a:spcBef>
-                <a:spcPts val="0"/>
-              </a:spcBef>
-              <a:spcAft>
-                <a:spcPts val="0"/>
-              </a:spcAft>
-              <a:buClrTx/>
-              <a:buSzTx/>
-              <a:buFontTx/>
-              <a:buNone/>
-              <a:tabLst/>
-              <a:defRPr/>
-            </a:pPr>
-            <a:endParaRPr lang="fr-CA" sz="1200" kern="1200" baseline="0" dirty="0" smtClean="0">
-              <a:solidFill>
-                <a:schemeClr val="tx1"/>
-              </a:solidFill>
-              <a:effectLst/>
-              <a:latin typeface="+mn-lt"/>
-              <a:ea typeface="+mn-ea"/>
-              <a:cs typeface="+mn-cs"/>
-            </a:endParaRPr>
-          </a:p>
-          <a:p>
-            <a:pPr marL="0" marR="0" indent="0" algn="l" defTabSz="457200" rtl="0" eaLnBrk="1" fontAlgn="auto" latinLnBrk="0" hangingPunct="1">
-              <a:lnSpc>
-                <a:spcPct val="100000"/>
-              </a:lnSpc>
-              <a:spcBef>
-                <a:spcPts val="0"/>
-              </a:spcBef>
-              <a:spcAft>
-                <a:spcPts val="0"/>
-              </a:spcAft>
-              <a:buClrTx/>
-              <a:buSzTx/>
-              <a:buFontTx/>
-              <a:buNone/>
-              <a:tabLst/>
-              <a:defRPr/>
-            </a:pPr>
-            <a:r>
-              <a:rPr lang="fr-CA" sz="1200" kern="1200" dirty="0" smtClean="0">
-                <a:solidFill>
-                  <a:schemeClr val="tx1"/>
-                </a:solidFill>
-                <a:effectLst/>
-                <a:latin typeface="+mn-lt"/>
-                <a:ea typeface="+mn-ea"/>
-                <a:cs typeface="+mn-cs"/>
-              </a:rPr>
-              <a:t>J'ai suivi un tutoriel de base pour savoir les fonctions de base et j'ai ensuite utiliser la dope </a:t>
-            </a:r>
-            <a:r>
-              <a:rPr lang="fr-CA" sz="1200" kern="1200" dirty="0" err="1" smtClean="0">
-                <a:solidFill>
-                  <a:schemeClr val="tx1"/>
-                </a:solidFill>
-                <a:effectLst/>
-                <a:latin typeface="+mn-lt"/>
-                <a:ea typeface="+mn-ea"/>
-                <a:cs typeface="+mn-cs"/>
-              </a:rPr>
-              <a:t>sheet</a:t>
-            </a:r>
-            <a:r>
-              <a:rPr lang="fr-CA" sz="1200" kern="1200" dirty="0" smtClean="0">
-                <a:solidFill>
-                  <a:schemeClr val="tx1"/>
-                </a:solidFill>
-                <a:effectLst/>
-                <a:latin typeface="+mn-lt"/>
-                <a:ea typeface="+mn-ea"/>
-                <a:cs typeface="+mn-cs"/>
-              </a:rPr>
-              <a:t> de </a:t>
-            </a:r>
-            <a:r>
-              <a:rPr lang="fr-CA" sz="1200" kern="1200" dirty="0" err="1" smtClean="0">
-                <a:solidFill>
-                  <a:schemeClr val="tx1"/>
-                </a:solidFill>
-                <a:effectLst/>
-                <a:latin typeface="+mn-lt"/>
-                <a:ea typeface="+mn-ea"/>
-                <a:cs typeface="+mn-cs"/>
-              </a:rPr>
-              <a:t>blender</a:t>
-            </a:r>
-            <a:r>
-              <a:rPr lang="fr-CA" sz="1200" kern="1200" dirty="0" smtClean="0">
-                <a:solidFill>
-                  <a:schemeClr val="tx1"/>
-                </a:solidFill>
-                <a:effectLst/>
-                <a:latin typeface="+mn-lt"/>
-                <a:ea typeface="+mn-ea"/>
-                <a:cs typeface="+mn-cs"/>
-              </a:rPr>
-              <a:t> pour créer mon animation de la pilules qui flotte. Mon personnage avait une animation, mais elle n'e fonctionnait pas dans </a:t>
-            </a:r>
-            <a:r>
-              <a:rPr lang="fr-CA" sz="1200" kern="1200" dirty="0" err="1" smtClean="0">
-                <a:solidFill>
-                  <a:schemeClr val="tx1"/>
-                </a:solidFill>
-                <a:effectLst/>
-                <a:latin typeface="+mn-lt"/>
-                <a:ea typeface="+mn-ea"/>
-                <a:cs typeface="+mn-cs"/>
-              </a:rPr>
-              <a:t>unity</a:t>
-            </a:r>
-            <a:r>
-              <a:rPr lang="fr-CA" sz="1200" kern="1200" dirty="0" smtClean="0">
-                <a:solidFill>
-                  <a:schemeClr val="tx1"/>
-                </a:solidFill>
-                <a:effectLst/>
-                <a:latin typeface="+mn-lt"/>
-                <a:ea typeface="+mn-ea"/>
-                <a:cs typeface="+mn-cs"/>
-              </a:rPr>
-              <a:t> alors je la repousse à la seconde partie du développement. </a:t>
-            </a:r>
-          </a:p>
-          <a:p>
             <a:pPr marL="0" marR="0" indent="0" algn="l" defTabSz="457200" rtl="0" eaLnBrk="1" fontAlgn="auto" latinLnBrk="0" hangingPunct="1">
               <a:lnSpc>
                 <a:spcPct val="100000"/>
@@ -2095,562 +1575,6 @@
           <a:bodyPr/>
           <a:lstStyle/>
           <a:p>
-            <a:r>
-              <a:rPr lang="fr-FR" baseline="0" dirty="0" smtClean="0"/>
-              <a:t>Comme je suis seul dans mon équipe, tout le travail à été fait par moi, mais je sauvegarde mon projet avec </a:t>
-            </a:r>
-            <a:r>
-              <a:rPr lang="fr-FR" baseline="0" dirty="0" err="1" smtClean="0"/>
-              <a:t>Github</a:t>
-            </a:r>
-            <a:r>
-              <a:rPr lang="fr-FR" baseline="0" dirty="0" smtClean="0"/>
-              <a:t>.</a:t>
-            </a:r>
-          </a:p>
-          <a:p>
-            <a:pPr marL="0" marR="0" indent="0" algn="l" defTabSz="457200" rtl="0" eaLnBrk="1" fontAlgn="auto" latinLnBrk="0" hangingPunct="1">
-              <a:lnSpc>
-                <a:spcPct val="100000"/>
-              </a:lnSpc>
-              <a:spcBef>
-                <a:spcPts val="0"/>
-              </a:spcBef>
-              <a:spcAft>
-                <a:spcPts val="0"/>
-              </a:spcAft>
-              <a:buClrTx/>
-              <a:buSzTx/>
-              <a:buFontTx/>
-              <a:buNone/>
-              <a:tabLst/>
-              <a:defRPr/>
-            </a:pPr>
-            <a:endParaRPr lang="fr-CA" sz="1200" kern="1200" dirty="0" smtClean="0">
-              <a:solidFill>
-                <a:schemeClr val="tx1"/>
-              </a:solidFill>
-              <a:effectLst/>
-              <a:latin typeface="+mn-lt"/>
-              <a:ea typeface="+mn-ea"/>
-              <a:cs typeface="+mn-cs"/>
-            </a:endParaRPr>
-          </a:p>
-          <a:p>
-            <a:pPr marL="0" marR="0" indent="0" algn="l" defTabSz="457200" rtl="0" eaLnBrk="1" fontAlgn="auto" latinLnBrk="0" hangingPunct="1">
-              <a:lnSpc>
-                <a:spcPct val="100000"/>
-              </a:lnSpc>
-              <a:spcBef>
-                <a:spcPts val="0"/>
-              </a:spcBef>
-              <a:spcAft>
-                <a:spcPts val="0"/>
-              </a:spcAft>
-              <a:buClrTx/>
-              <a:buSzTx/>
-              <a:buFontTx/>
-              <a:buNone/>
-              <a:tabLst/>
-              <a:defRPr/>
-            </a:pPr>
-            <a:r>
-              <a:rPr lang="fr-CA" sz="1200" kern="1200" dirty="0" smtClean="0">
-                <a:solidFill>
-                  <a:schemeClr val="tx1"/>
-                </a:solidFill>
-                <a:effectLst/>
-                <a:latin typeface="+mn-lt"/>
-                <a:ea typeface="+mn-ea"/>
-                <a:cs typeface="+mn-cs"/>
-              </a:rPr>
-              <a:t>Modélisation: J'ai fait quelques dessin et j’ai ensuite suivi des tutoriels pour les animations, textures (UV </a:t>
-            </a:r>
-            <a:r>
-              <a:rPr lang="fr-CA" sz="1200" kern="1200" dirty="0" err="1" smtClean="0">
-                <a:solidFill>
-                  <a:schemeClr val="tx1"/>
-                </a:solidFill>
-                <a:effectLst/>
-                <a:latin typeface="+mn-lt"/>
-                <a:ea typeface="+mn-ea"/>
-                <a:cs typeface="+mn-cs"/>
-              </a:rPr>
-              <a:t>Mapping</a:t>
-            </a:r>
-            <a:r>
-              <a:rPr lang="fr-CA" sz="1200" kern="1200" dirty="0" smtClean="0">
-                <a:solidFill>
-                  <a:schemeClr val="tx1"/>
-                </a:solidFill>
-                <a:effectLst/>
-                <a:latin typeface="+mn-lt"/>
-                <a:ea typeface="+mn-ea"/>
-                <a:cs typeface="+mn-cs"/>
-              </a:rPr>
-              <a:t>) et pour la </a:t>
-            </a:r>
-            <a:r>
-              <a:rPr lang="fr-CA" sz="1200" kern="1200" dirty="0" err="1" smtClean="0">
-                <a:solidFill>
-                  <a:schemeClr val="tx1"/>
-                </a:solidFill>
-                <a:effectLst/>
-                <a:latin typeface="+mn-lt"/>
-                <a:ea typeface="+mn-ea"/>
-                <a:cs typeface="+mn-cs"/>
-              </a:rPr>
-              <a:t>modelisation</a:t>
-            </a:r>
-            <a:r>
-              <a:rPr lang="fr-CA" sz="1200" kern="1200" dirty="0" smtClean="0">
-                <a:solidFill>
-                  <a:schemeClr val="tx1"/>
-                </a:solidFill>
-                <a:effectLst/>
-                <a:latin typeface="+mn-lt"/>
-                <a:ea typeface="+mn-ea"/>
-                <a:cs typeface="+mn-cs"/>
-              </a:rPr>
-              <a:t> en soit. </a:t>
-            </a:r>
-            <a:r>
-              <a:rPr lang="fr-CA" sz="1200" kern="1200" dirty="0" err="1" smtClean="0">
-                <a:solidFill>
-                  <a:schemeClr val="tx1"/>
-                </a:solidFill>
-                <a:effectLst/>
-                <a:latin typeface="+mn-lt"/>
-                <a:ea typeface="+mn-ea"/>
-                <a:cs typeface="+mn-cs"/>
-              </a:rPr>
-              <a:t>Rigging</a:t>
-            </a:r>
-            <a:r>
-              <a:rPr lang="fr-CA" sz="1200" kern="1200" dirty="0" smtClean="0">
-                <a:solidFill>
-                  <a:schemeClr val="tx1"/>
-                </a:solidFill>
-                <a:effectLst/>
-                <a:latin typeface="+mn-lt"/>
-                <a:ea typeface="+mn-ea"/>
-                <a:cs typeface="+mn-cs"/>
-              </a:rPr>
-              <a:t> aussi</a:t>
-            </a:r>
-          </a:p>
-          <a:p>
-            <a:pPr marL="0" marR="0" indent="0" algn="l" defTabSz="457200" rtl="0" eaLnBrk="1" fontAlgn="auto" latinLnBrk="0" hangingPunct="1">
-              <a:lnSpc>
-                <a:spcPct val="100000"/>
-              </a:lnSpc>
-              <a:spcBef>
-                <a:spcPts val="0"/>
-              </a:spcBef>
-              <a:spcAft>
-                <a:spcPts val="0"/>
-              </a:spcAft>
-              <a:buClrTx/>
-              <a:buSzTx/>
-              <a:buFontTx/>
-              <a:buNone/>
-              <a:tabLst/>
-              <a:defRPr/>
-            </a:pPr>
-            <a:r>
-              <a:rPr lang="fr-CA" sz="1200" kern="1200" dirty="0" smtClean="0">
-                <a:solidFill>
-                  <a:schemeClr val="tx1"/>
-                </a:solidFill>
-                <a:effectLst/>
-                <a:latin typeface="+mn-lt"/>
-                <a:ea typeface="+mn-ea"/>
-                <a:cs typeface="+mn-cs"/>
-              </a:rPr>
-              <a:t>(Exemple de </a:t>
-            </a:r>
-            <a:r>
-              <a:rPr lang="fr-CA" sz="1200" kern="1200" dirty="0" err="1" smtClean="0">
-                <a:solidFill>
-                  <a:schemeClr val="tx1"/>
-                </a:solidFill>
-                <a:effectLst/>
-                <a:latin typeface="+mn-lt"/>
-                <a:ea typeface="+mn-ea"/>
-                <a:cs typeface="+mn-cs"/>
-              </a:rPr>
-              <a:t>fail</a:t>
-            </a:r>
-            <a:r>
-              <a:rPr lang="fr-CA" sz="1200" kern="1200" baseline="0" dirty="0" smtClean="0">
-                <a:solidFill>
-                  <a:schemeClr val="tx1"/>
-                </a:solidFill>
-                <a:effectLst/>
-                <a:latin typeface="+mn-lt"/>
-                <a:ea typeface="+mn-ea"/>
-                <a:cs typeface="+mn-cs"/>
-              </a:rPr>
-              <a:t> avec le personnage</a:t>
-            </a:r>
-            <a:r>
-              <a:rPr lang="fr-CA" sz="1200" kern="1200" dirty="0" smtClean="0">
-                <a:solidFill>
-                  <a:schemeClr val="tx1"/>
-                </a:solidFill>
-                <a:effectLst/>
-                <a:latin typeface="+mn-lt"/>
-                <a:ea typeface="+mn-ea"/>
-                <a:cs typeface="+mn-cs"/>
-              </a:rPr>
-              <a:t>)</a:t>
-            </a:r>
-          </a:p>
-          <a:p>
-            <a:endParaRPr lang="fr-FR" baseline="0" dirty="0" smtClean="0"/>
-          </a:p>
-          <a:p>
-            <a:endParaRPr lang="fr-FR" baseline="0" dirty="0" smtClean="0"/>
-          </a:p>
-          <a:p>
-            <a:pPr marL="0" marR="0" indent="0" algn="l" defTabSz="457200" rtl="0" eaLnBrk="1" fontAlgn="auto" latinLnBrk="0" hangingPunct="1">
-              <a:lnSpc>
-                <a:spcPct val="100000"/>
-              </a:lnSpc>
-              <a:spcBef>
-                <a:spcPts val="0"/>
-              </a:spcBef>
-              <a:spcAft>
-                <a:spcPts val="0"/>
-              </a:spcAft>
-              <a:buClrTx/>
-              <a:buSzTx/>
-              <a:buFontTx/>
-              <a:buNone/>
-              <a:tabLst/>
-              <a:defRPr/>
-            </a:pPr>
-            <a:r>
-              <a:rPr lang="fr-CA" sz="1200" kern="1200" dirty="0" smtClean="0">
-                <a:solidFill>
-                  <a:schemeClr val="tx1"/>
-                </a:solidFill>
-                <a:effectLst/>
-                <a:latin typeface="+mn-lt"/>
-                <a:ea typeface="+mn-ea"/>
-                <a:cs typeface="+mn-cs"/>
-              </a:rPr>
-              <a:t>Les textures: créer des matériaux que j'ai ensuite appliquer des textures. J'ai ensuite assigner se matériaux sur le modèle et dans le </a:t>
-            </a:r>
-            <a:r>
-              <a:rPr lang="fr-CA" sz="1200" kern="1200" dirty="0" err="1" smtClean="0">
-                <a:solidFill>
-                  <a:schemeClr val="tx1"/>
-                </a:solidFill>
-                <a:effectLst/>
-                <a:latin typeface="+mn-lt"/>
-                <a:ea typeface="+mn-ea"/>
-                <a:cs typeface="+mn-cs"/>
-              </a:rPr>
-              <a:t>uv</a:t>
-            </a:r>
-            <a:r>
-              <a:rPr lang="fr-CA" sz="1200" kern="1200" dirty="0" smtClean="0">
-                <a:solidFill>
-                  <a:schemeClr val="tx1"/>
-                </a:solidFill>
-                <a:effectLst/>
-                <a:latin typeface="+mn-lt"/>
-                <a:ea typeface="+mn-ea"/>
-                <a:cs typeface="+mn-cs"/>
-              </a:rPr>
-              <a:t> </a:t>
-            </a:r>
-            <a:r>
-              <a:rPr lang="fr-CA" sz="1200" kern="1200" dirty="0" err="1" smtClean="0">
-                <a:solidFill>
-                  <a:schemeClr val="tx1"/>
-                </a:solidFill>
-                <a:effectLst/>
-                <a:latin typeface="+mn-lt"/>
-                <a:ea typeface="+mn-ea"/>
-                <a:cs typeface="+mn-cs"/>
-              </a:rPr>
-              <a:t>mapping</a:t>
-            </a:r>
-            <a:r>
-              <a:rPr lang="fr-CA" sz="1200" kern="1200" dirty="0" smtClean="0">
-                <a:solidFill>
-                  <a:schemeClr val="tx1"/>
-                </a:solidFill>
-                <a:effectLst/>
-                <a:latin typeface="+mn-lt"/>
-                <a:ea typeface="+mn-ea"/>
-                <a:cs typeface="+mn-cs"/>
-              </a:rPr>
-              <a:t> j'ai appliquer la textures sur le </a:t>
-            </a:r>
-            <a:r>
-              <a:rPr lang="fr-CA" sz="1200" kern="1200" dirty="0" err="1" smtClean="0">
-                <a:solidFill>
-                  <a:schemeClr val="tx1"/>
-                </a:solidFill>
-                <a:effectLst/>
-                <a:latin typeface="+mn-lt"/>
-                <a:ea typeface="+mn-ea"/>
-                <a:cs typeface="+mn-cs"/>
-              </a:rPr>
-              <a:t>unwrap</a:t>
-            </a:r>
-            <a:r>
-              <a:rPr lang="fr-CA" sz="1200" kern="1200" dirty="0" smtClean="0">
-                <a:solidFill>
-                  <a:schemeClr val="tx1"/>
-                </a:solidFill>
-                <a:effectLst/>
-                <a:latin typeface="+mn-lt"/>
-                <a:ea typeface="+mn-ea"/>
-                <a:cs typeface="+mn-cs"/>
-              </a:rPr>
-              <a:t>. Inspiration </a:t>
-            </a:r>
-            <a:r>
-              <a:rPr lang="fr-CA" sz="1200" kern="1200" dirty="0" err="1" smtClean="0">
-                <a:solidFill>
-                  <a:schemeClr val="tx1"/>
-                </a:solidFill>
-                <a:effectLst/>
-                <a:latin typeface="+mn-lt"/>
-                <a:ea typeface="+mn-ea"/>
-                <a:cs typeface="+mn-cs"/>
-              </a:rPr>
-              <a:t>tye</a:t>
-            </a:r>
-            <a:r>
-              <a:rPr lang="fr-CA" sz="1200" kern="1200" baseline="0" dirty="0" smtClean="0">
-                <a:solidFill>
-                  <a:schemeClr val="tx1"/>
-                </a:solidFill>
-                <a:effectLst/>
-                <a:latin typeface="+mn-lt"/>
-                <a:ea typeface="+mn-ea"/>
-                <a:cs typeface="+mn-cs"/>
-              </a:rPr>
-              <a:t> </a:t>
-            </a:r>
-            <a:r>
-              <a:rPr lang="fr-CA" sz="1200" kern="1200" baseline="0" dirty="0" err="1" smtClean="0">
-                <a:solidFill>
-                  <a:schemeClr val="tx1"/>
-                </a:solidFill>
-                <a:effectLst/>
-                <a:latin typeface="+mn-lt"/>
-                <a:ea typeface="+mn-ea"/>
-                <a:cs typeface="+mn-cs"/>
-              </a:rPr>
-              <a:t>dye</a:t>
-            </a:r>
-            <a:r>
-              <a:rPr lang="fr-CA" sz="1200" kern="1200" baseline="0" dirty="0" smtClean="0">
-                <a:solidFill>
-                  <a:schemeClr val="tx1"/>
-                </a:solidFill>
-                <a:effectLst/>
-                <a:latin typeface="+mn-lt"/>
-                <a:ea typeface="+mn-ea"/>
-                <a:cs typeface="+mn-cs"/>
-              </a:rPr>
-              <a:t>.</a:t>
-            </a:r>
-          </a:p>
-          <a:p>
-            <a:pPr marL="0" marR="0" indent="0" algn="l" defTabSz="457200" rtl="0" eaLnBrk="1" fontAlgn="auto" latinLnBrk="0" hangingPunct="1">
-              <a:lnSpc>
-                <a:spcPct val="100000"/>
-              </a:lnSpc>
-              <a:spcBef>
-                <a:spcPts val="0"/>
-              </a:spcBef>
-              <a:spcAft>
-                <a:spcPts val="0"/>
-              </a:spcAft>
-              <a:buClrTx/>
-              <a:buSzTx/>
-              <a:buFontTx/>
-              <a:buNone/>
-              <a:tabLst/>
-              <a:defRPr/>
-            </a:pPr>
-            <a:endParaRPr lang="fr-CA" sz="1200" kern="1200" baseline="0" dirty="0" smtClean="0">
-              <a:solidFill>
-                <a:schemeClr val="tx1"/>
-              </a:solidFill>
-              <a:effectLst/>
-              <a:latin typeface="+mn-lt"/>
-              <a:ea typeface="+mn-ea"/>
-              <a:cs typeface="+mn-cs"/>
-            </a:endParaRPr>
-          </a:p>
-          <a:p>
-            <a:pPr marL="0" marR="0" indent="0" algn="l" defTabSz="457200" rtl="0" eaLnBrk="1" fontAlgn="auto" latinLnBrk="0" hangingPunct="1">
-              <a:lnSpc>
-                <a:spcPct val="100000"/>
-              </a:lnSpc>
-              <a:spcBef>
-                <a:spcPts val="0"/>
-              </a:spcBef>
-              <a:spcAft>
-                <a:spcPts val="0"/>
-              </a:spcAft>
-              <a:buClrTx/>
-              <a:buSzTx/>
-              <a:buFontTx/>
-              <a:buNone/>
-              <a:tabLst/>
-              <a:defRPr/>
-            </a:pPr>
-            <a:endParaRPr lang="fr-CA" sz="1200" kern="1200" baseline="0" dirty="0" smtClean="0">
-              <a:solidFill>
-                <a:schemeClr val="tx1"/>
-              </a:solidFill>
-              <a:effectLst/>
-              <a:latin typeface="+mn-lt"/>
-              <a:ea typeface="+mn-ea"/>
-              <a:cs typeface="+mn-cs"/>
-            </a:endParaRPr>
-          </a:p>
-          <a:p>
-            <a:pPr marL="0" marR="0" indent="0" algn="l" defTabSz="457200" rtl="0" eaLnBrk="1" fontAlgn="auto" latinLnBrk="0" hangingPunct="1">
-              <a:lnSpc>
-                <a:spcPct val="100000"/>
-              </a:lnSpc>
-              <a:spcBef>
-                <a:spcPts val="0"/>
-              </a:spcBef>
-              <a:spcAft>
-                <a:spcPts val="0"/>
-              </a:spcAft>
-              <a:buClrTx/>
-              <a:buSzTx/>
-              <a:buFontTx/>
-              <a:buNone/>
-              <a:tabLst/>
-              <a:defRPr/>
-            </a:pPr>
-            <a:r>
-              <a:rPr lang="fr-CA" sz="1200" kern="1200" dirty="0" smtClean="0">
-                <a:solidFill>
-                  <a:schemeClr val="tx1"/>
-                </a:solidFill>
-                <a:effectLst/>
-                <a:latin typeface="+mn-lt"/>
-                <a:ea typeface="+mn-ea"/>
-                <a:cs typeface="+mn-cs"/>
-              </a:rPr>
-              <a:t>J'ai suivi un tutoriel de base pour savoir les fonctions de base et j'ai ensuite utiliser la dope </a:t>
-            </a:r>
-            <a:r>
-              <a:rPr lang="fr-CA" sz="1200" kern="1200" dirty="0" err="1" smtClean="0">
-                <a:solidFill>
-                  <a:schemeClr val="tx1"/>
-                </a:solidFill>
-                <a:effectLst/>
-                <a:latin typeface="+mn-lt"/>
-                <a:ea typeface="+mn-ea"/>
-                <a:cs typeface="+mn-cs"/>
-              </a:rPr>
-              <a:t>sheet</a:t>
-            </a:r>
-            <a:r>
-              <a:rPr lang="fr-CA" sz="1200" kern="1200" dirty="0" smtClean="0">
-                <a:solidFill>
-                  <a:schemeClr val="tx1"/>
-                </a:solidFill>
-                <a:effectLst/>
-                <a:latin typeface="+mn-lt"/>
-                <a:ea typeface="+mn-ea"/>
-                <a:cs typeface="+mn-cs"/>
-              </a:rPr>
-              <a:t> de </a:t>
-            </a:r>
-            <a:r>
-              <a:rPr lang="fr-CA" sz="1200" kern="1200" dirty="0" err="1" smtClean="0">
-                <a:solidFill>
-                  <a:schemeClr val="tx1"/>
-                </a:solidFill>
-                <a:effectLst/>
-                <a:latin typeface="+mn-lt"/>
-                <a:ea typeface="+mn-ea"/>
-                <a:cs typeface="+mn-cs"/>
-              </a:rPr>
-              <a:t>blender</a:t>
-            </a:r>
-            <a:r>
-              <a:rPr lang="fr-CA" sz="1200" kern="1200" dirty="0" smtClean="0">
-                <a:solidFill>
-                  <a:schemeClr val="tx1"/>
-                </a:solidFill>
-                <a:effectLst/>
-                <a:latin typeface="+mn-lt"/>
-                <a:ea typeface="+mn-ea"/>
-                <a:cs typeface="+mn-cs"/>
-              </a:rPr>
-              <a:t> pour créer mon animation de la pilules qui flotte. Mon personnage avait une animation, mais elle n'e fonctionnait pas dans </a:t>
-            </a:r>
-            <a:r>
-              <a:rPr lang="fr-CA" sz="1200" kern="1200" dirty="0" err="1" smtClean="0">
-                <a:solidFill>
-                  <a:schemeClr val="tx1"/>
-                </a:solidFill>
-                <a:effectLst/>
-                <a:latin typeface="+mn-lt"/>
-                <a:ea typeface="+mn-ea"/>
-                <a:cs typeface="+mn-cs"/>
-              </a:rPr>
-              <a:t>unity</a:t>
-            </a:r>
-            <a:r>
-              <a:rPr lang="fr-CA" sz="1200" kern="1200" dirty="0" smtClean="0">
-                <a:solidFill>
-                  <a:schemeClr val="tx1"/>
-                </a:solidFill>
-                <a:effectLst/>
-                <a:latin typeface="+mn-lt"/>
-                <a:ea typeface="+mn-ea"/>
-                <a:cs typeface="+mn-cs"/>
-              </a:rPr>
-              <a:t> alors je la repousse à la seconde partie du développement. </a:t>
-            </a:r>
-          </a:p>
-          <a:p>
-            <a:pPr marL="0" marR="0" indent="0" algn="l" defTabSz="457200" rtl="0" eaLnBrk="1" fontAlgn="auto" latinLnBrk="0" hangingPunct="1">
-              <a:lnSpc>
-                <a:spcPct val="100000"/>
-              </a:lnSpc>
-              <a:spcBef>
-                <a:spcPts val="0"/>
-              </a:spcBef>
-              <a:spcAft>
-                <a:spcPts val="0"/>
-              </a:spcAft>
-              <a:buClrTx/>
-              <a:buSzTx/>
-              <a:buFontTx/>
-              <a:buNone/>
-              <a:tabLst/>
-              <a:defRPr/>
-            </a:pPr>
-            <a:endParaRPr lang="fr-CA" sz="1200" kern="1200" dirty="0" smtClean="0">
-              <a:solidFill>
-                <a:schemeClr val="tx1"/>
-              </a:solidFill>
-              <a:effectLst/>
-              <a:latin typeface="+mn-lt"/>
-              <a:ea typeface="+mn-ea"/>
-              <a:cs typeface="+mn-cs"/>
-            </a:endParaRPr>
-          </a:p>
-          <a:p>
             <a:endParaRPr lang="fr-FR" baseline="0" dirty="0" smtClean="0"/>
           </a:p>
         </p:txBody>
@@ -2962,7 +1886,7 @@
       </p:grpSpPr>
       <p:sp>
         <p:nvSpPr>
-          <p:cNvPr id="2" name="Slide Image Placeholder 1"/>
+          <p:cNvPr id="2" name="Espace réservé de l’image des diapositives 1"/>
           <p:cNvSpPr>
             <a:spLocks noGrp="1" noRot="1" noChangeAspect="1"/>
           </p:cNvSpPr>
@@ -2974,7 +1898,7 @@
       </p:sp>
       <p:sp>
         <p:nvSpPr>
-          <p:cNvPr id="3" name="Notes Placeholder 2"/>
+          <p:cNvPr id="3" name="Espace réservé des commentaires 2"/>
           <p:cNvSpPr>
             <a:spLocks noGrp="1"/>
           </p:cNvSpPr>
@@ -2987,13 +1911,13 @@
           <a:bodyPr/>
           <a:lstStyle/>
           <a:p>
-            <a:endParaRPr lang="en-US" baseline="0" dirty="0" smtClean="0"/>
-          </a:p>
-        </p:txBody>
-      </p:sp>
-      <p:sp>
-        <p:nvSpPr>
-          <p:cNvPr id="4" name="Slide Number Placeholder 3"/>
+            <a:endParaRPr lang="fr-FR" dirty="0"/>
+          </a:p>
+        </p:txBody>
+      </p:sp>
+      <p:sp>
+        <p:nvSpPr>
+          <p:cNvPr id="4" name="Espace réservé du numéro de diapositive 3"/>
           <p:cNvSpPr>
             <a:spLocks noGrp="1"/>
           </p:cNvSpPr>
@@ -3017,7 +1941,7 @@
     </p:spTree>
     <p:extLst>
       <p:ext uri="{BB962C8B-B14F-4D97-AF65-F5344CB8AC3E}">
-        <p14:creationId xmlns:p14="http://schemas.microsoft.com/office/powerpoint/2010/main" val="1717321392"/>
+        <p14:creationId xmlns:p14="http://schemas.microsoft.com/office/powerpoint/2010/main" val="682608765"/>
       </p:ext>
     </p:extLst>
   </p:cSld>
@@ -3101,7 +2025,7 @@
     </p:spTree>
     <p:extLst>
       <p:ext uri="{BB962C8B-B14F-4D97-AF65-F5344CB8AC3E}">
-        <p14:creationId xmlns:p14="http://schemas.microsoft.com/office/powerpoint/2010/main" val="2005601460"/>
+        <p14:creationId xmlns:p14="http://schemas.microsoft.com/office/powerpoint/2010/main" val="1717321392"/>
       </p:ext>
     </p:extLst>
   </p:cSld>
@@ -3185,7 +2109,7 @@
     </p:spTree>
     <p:extLst>
       <p:ext uri="{BB962C8B-B14F-4D97-AF65-F5344CB8AC3E}">
-        <p14:creationId xmlns:p14="http://schemas.microsoft.com/office/powerpoint/2010/main" val="1344090911"/>
+        <p14:creationId xmlns:p14="http://schemas.microsoft.com/office/powerpoint/2010/main" val="2005601460"/>
       </p:ext>
     </p:extLst>
   </p:cSld>
@@ -6595,8 +5519,8 @@
         </p:nvSpPr>
         <p:spPr>
           <a:xfrm>
-            <a:off x="2774019" y="1876752"/>
-            <a:ext cx="3582519" cy="1077218"/>
+            <a:off x="2267791" y="1876752"/>
+            <a:ext cx="4594976" cy="1077218"/>
           </a:xfrm>
           <a:prstGeom prst="rect">
             <a:avLst/>
@@ -6623,7 +5547,7 @@
           <a:p>
             <a:pPr algn="ctr"/>
             <a:r>
-              <a:rPr lang="fr-CA" sz="3200" dirty="0" err="1" smtClean="0">
+              <a:rPr lang="fr-CA" sz="3200" cap="all" dirty="0" err="1" smtClean="0">
                 <a:solidFill>
                   <a:schemeClr val="bg1"/>
                 </a:solidFill>
@@ -6632,7 +5556,7 @@
               <a:t>Follow</a:t>
             </a:r>
             <a:r>
-              <a:rPr lang="fr-CA" sz="3200" dirty="0" smtClean="0">
+              <a:rPr lang="fr-CA" sz="3200" cap="all" dirty="0" smtClean="0">
                 <a:solidFill>
                   <a:schemeClr val="bg1"/>
                 </a:solidFill>
@@ -6641,7 +5565,7 @@
               <a:t> the </a:t>
             </a:r>
             <a:r>
-              <a:rPr lang="fr-CA" sz="3200" dirty="0" err="1" smtClean="0">
+              <a:rPr lang="fr-CA" sz="3200" cap="all" dirty="0" err="1" smtClean="0">
                 <a:solidFill>
                   <a:schemeClr val="bg1"/>
                 </a:solidFill>
@@ -6649,7 +5573,7 @@
               </a:rPr>
               <a:t>pills</a:t>
             </a:r>
-            <a:endParaRPr lang="fr-CA" sz="3200" dirty="0">
+            <a:endParaRPr lang="fr-CA" sz="3200" cap="all" dirty="0">
               <a:solidFill>
                 <a:schemeClr val="bg1"/>
               </a:solidFill>
@@ -6767,24 +5691,21 @@
       </p:grpSpPr>
       <p:sp>
         <p:nvSpPr>
-          <p:cNvPr id="14" name="Rectangle 13"/>
+          <p:cNvPr id="6" name="Rectangle 5"/>
           <p:cNvSpPr/>
           <p:nvPr/>
         </p:nvSpPr>
         <p:spPr>
           <a:xfrm>
-            <a:off x="8978613" y="0"/>
-            <a:ext cx="256394" cy="5264085"/>
+            <a:off x="0" y="0"/>
+            <a:ext cx="9235007" cy="5264085"/>
           </a:xfrm>
           <a:prstGeom prst="rect">
             <a:avLst/>
           </a:prstGeom>
           <a:solidFill>
-            <a:schemeClr val="bg1"/>
+            <a:schemeClr val="accent2"/>
           </a:solidFill>
-          <a:ln>
-            <a:noFill/>
-          </a:ln>
         </p:spPr>
         <p:style>
           <a:lnRef idx="2">
@@ -6807,20 +5728,20 @@
           <a:lstStyle/>
           <a:p>
             <a:pPr algn="ctr"/>
-            <a:endParaRPr lang="fr-FR"/>
-          </a:p>
-        </p:txBody>
-      </p:sp>
-      <p:sp>
-        <p:nvSpPr>
-          <p:cNvPr id="4" name="ZoneTexte 3"/>
+            <a:endParaRPr lang="en-US"/>
+          </a:p>
+        </p:txBody>
+      </p:sp>
+      <p:sp>
+        <p:nvSpPr>
+          <p:cNvPr id="7" name="ZoneTexte 3"/>
           <p:cNvSpPr txBox="1"/>
           <p:nvPr/>
         </p:nvSpPr>
         <p:spPr>
           <a:xfrm>
-            <a:off x="5845293" y="368300"/>
-            <a:ext cx="2608406" cy="369332"/>
+            <a:off x="5774167" y="1618612"/>
+            <a:ext cx="3369833" cy="1569660"/>
           </a:xfrm>
           <a:prstGeom prst="rect">
             <a:avLst/>
@@ -6834,56 +5755,81 @@
           <a:lstStyle/>
           <a:p>
             <a:r>
-              <a:rPr lang="fr-FR" b="1" dirty="0" smtClean="0"/>
-              <a:t>Modèle avec armature</a:t>
-            </a:r>
-            <a:endParaRPr lang="fr-FR" sz="1600" dirty="0"/>
-          </a:p>
-        </p:txBody>
-      </p:sp>
-      <p:sp>
-        <p:nvSpPr>
-          <p:cNvPr id="7" name="ZoneTexte 3"/>
-          <p:cNvSpPr txBox="1"/>
-          <p:nvPr/>
-        </p:nvSpPr>
-        <p:spPr>
-          <a:xfrm>
-            <a:off x="5845293" y="737632"/>
-            <a:ext cx="2991525" cy="1107996"/>
-          </a:xfrm>
-          <a:prstGeom prst="rect">
-            <a:avLst/>
-          </a:prstGeom>
-          <a:noFill/>
-        </p:spPr>
-        <p:txBody>
-          <a:bodyPr wrap="none" rtlCol="0">
-            <a:spAutoFit/>
-          </a:bodyPr>
-          <a:lstStyle/>
-          <a:p>
-            <a:r>
-              <a:rPr lang="fr-FR" b="1" dirty="0" smtClean="0"/>
-              <a:t>Personnage</a:t>
-            </a:r>
-            <a:endParaRPr lang="fr-FR" sz="1600" b="1" dirty="0" smtClean="0"/>
-          </a:p>
-          <a:p>
-            <a:endParaRPr lang="fr-FR" sz="1600" b="1" dirty="0"/>
-          </a:p>
-          <a:p>
-            <a:r>
-              <a:rPr lang="fr-FR" sz="1600" b="1" dirty="0" smtClean="0"/>
-              <a:t>Il possède une animation de </a:t>
-            </a:r>
-          </a:p>
-          <a:p>
-            <a:r>
-              <a:rPr lang="fr-FR" sz="1600" b="1" dirty="0" smtClean="0"/>
-              <a:t>course utilisé dans le jeu.</a:t>
-            </a:r>
-            <a:endParaRPr lang="fr-CA" sz="1600" b="1" dirty="0" smtClean="0"/>
+              <a:rPr lang="fr-FR" sz="1600" b="1" dirty="0" smtClean="0">
+                <a:solidFill>
+                  <a:schemeClr val="bg1"/>
+                </a:solidFill>
+              </a:rPr>
+              <a:t>Le modèle est une étoile/soleil</a:t>
+            </a:r>
+          </a:p>
+          <a:p>
+            <a:r>
+              <a:rPr lang="fr-FR" sz="1600" b="1" dirty="0">
+                <a:solidFill>
+                  <a:schemeClr val="bg1"/>
+                </a:solidFill>
+              </a:rPr>
+              <a:t>q</a:t>
+            </a:r>
+            <a:r>
+              <a:rPr lang="fr-FR" sz="1600" b="1" dirty="0" smtClean="0">
+                <a:solidFill>
+                  <a:schemeClr val="bg1"/>
+                </a:solidFill>
+              </a:rPr>
+              <a:t>ue le joueur doit collecter pour </a:t>
+            </a:r>
+          </a:p>
+          <a:p>
+            <a:r>
+              <a:rPr lang="fr-FR" sz="1600" b="1" dirty="0" smtClean="0">
+                <a:solidFill>
+                  <a:schemeClr val="bg1"/>
+                </a:solidFill>
+              </a:rPr>
+              <a:t>terminer la partie.</a:t>
+            </a:r>
+          </a:p>
+          <a:p>
+            <a:endParaRPr lang="fr-FR" sz="1600" b="1" dirty="0">
+              <a:solidFill>
+                <a:schemeClr val="bg1"/>
+              </a:solidFill>
+            </a:endParaRPr>
+          </a:p>
+          <a:p>
+            <a:r>
+              <a:rPr lang="fr-FR" sz="1600" b="1" dirty="0" smtClean="0">
+                <a:solidFill>
+                  <a:schemeClr val="bg1"/>
+                </a:solidFill>
+              </a:rPr>
+              <a:t>L’animation est une rotation </a:t>
+            </a:r>
+          </a:p>
+          <a:p>
+            <a:r>
+              <a:rPr lang="fr-FR" sz="1600" b="1" dirty="0" smtClean="0">
+                <a:solidFill>
+                  <a:schemeClr val="bg1"/>
+                </a:solidFill>
+              </a:rPr>
+              <a:t>sur lui </a:t>
+            </a:r>
+            <a:r>
+              <a:rPr lang="fr-CA" sz="1600" b="1" dirty="0" smtClean="0">
+                <a:solidFill>
+                  <a:schemeClr val="bg1"/>
+                </a:solidFill>
+              </a:rPr>
+              <a:t>même.</a:t>
+            </a:r>
+            <a:endParaRPr lang="fr-FR" sz="1600" dirty="0">
+              <a:solidFill>
+                <a:schemeClr val="bg1"/>
+              </a:solidFill>
+            </a:endParaRPr>
           </a:p>
         </p:txBody>
       </p:sp>
@@ -6909,38 +5855,8 @@
         </p:blipFill>
         <p:spPr>
           <a:xfrm>
-            <a:off x="2750161" y="368300"/>
-            <a:ext cx="2883972" cy="2997200"/>
-          </a:xfrm>
-          <a:prstGeom prst="rect">
-            <a:avLst/>
-          </a:prstGeom>
-        </p:spPr>
-      </p:pic>
-      <p:pic>
-        <p:nvPicPr>
-          <p:cNvPr id="5" name="Picture 4"/>
-          <p:cNvPicPr>
-            <a:picLocks noChangeAspect="1"/>
-          </p:cNvPicPr>
-          <p:nvPr/>
-        </p:nvPicPr>
-        <p:blipFill>
-          <a:blip r:embed="rId4">
-            <a:extLst>
-              <a:ext uri="{28A0092B-C50C-407E-A947-70E740481C1C}">
-                <a14:useLocalDpi xmlns:a14="http://schemas.microsoft.com/office/drawing/2010/main" val="0"/>
-              </a:ext>
-            </a:extLst>
-          </a:blip>
-          <a:stretch>
-            <a:fillRect/>
-          </a:stretch>
-        </p:blipFill>
-        <p:spPr>
-          <a:xfrm>
-            <a:off x="236932" y="368300"/>
-            <a:ext cx="2222500" cy="3025647"/>
+            <a:off x="446271" y="923892"/>
+            <a:ext cx="5269824" cy="3416300"/>
           </a:xfrm>
           <a:prstGeom prst="rect">
             <a:avLst/>
@@ -6950,7 +5866,7 @@
     </p:spTree>
     <p:extLst>
       <p:ext uri="{BB962C8B-B14F-4D97-AF65-F5344CB8AC3E}">
-        <p14:creationId xmlns:p14="http://schemas.microsoft.com/office/powerpoint/2010/main" val="1039974383"/>
+        <p14:creationId xmlns:p14="http://schemas.microsoft.com/office/powerpoint/2010/main" val="1802959383"/>
       </p:ext>
     </p:extLst>
   </p:cSld>
@@ -6986,20 +5902,20 @@
       </p:grpSpPr>
       <p:sp>
         <p:nvSpPr>
-          <p:cNvPr id="9" name="Rectangle 8"/>
+          <p:cNvPr id="8" name="Rectangle 7"/>
           <p:cNvSpPr/>
           <p:nvPr/>
         </p:nvSpPr>
         <p:spPr>
           <a:xfrm>
-            <a:off x="8978613" y="0"/>
-            <a:ext cx="256394" cy="5264085"/>
+            <a:off x="-109818" y="0"/>
+            <a:ext cx="9426389" cy="5754903"/>
           </a:xfrm>
           <a:prstGeom prst="rect">
             <a:avLst/>
           </a:prstGeom>
           <a:solidFill>
-            <a:schemeClr val="bg1"/>
+            <a:srgbClr val="DBEEF4"/>
           </a:solidFill>
           <a:ln>
             <a:noFill/>
@@ -7026,26 +5942,181 @@
           <a:lstStyle/>
           <a:p>
             <a:pPr algn="ctr"/>
-            <a:endParaRPr lang="fr-FR"/>
-          </a:p>
-        </p:txBody>
-      </p:sp>
-      <p:sp>
-        <p:nvSpPr>
-          <p:cNvPr id="5" name="Rectangle 4"/>
+            <a:endParaRPr lang="fr-FR" dirty="0">
+              <a:solidFill>
+                <a:schemeClr val="accent2"/>
+              </a:solidFill>
+            </a:endParaRPr>
+          </a:p>
+        </p:txBody>
+      </p:sp>
+      <p:sp>
+        <p:nvSpPr>
+          <p:cNvPr id="7" name="ZoneTexte 3"/>
+          <p:cNvSpPr txBox="1"/>
+          <p:nvPr/>
+        </p:nvSpPr>
+        <p:spPr>
+          <a:xfrm>
+            <a:off x="5979589" y="2051025"/>
+            <a:ext cx="2991525" cy="1107996"/>
+          </a:xfrm>
+          <a:prstGeom prst="rect">
+            <a:avLst/>
+          </a:prstGeom>
+          <a:noFill/>
+        </p:spPr>
+        <p:txBody>
+          <a:bodyPr wrap="none" rtlCol="0">
+            <a:spAutoFit/>
+          </a:bodyPr>
+          <a:lstStyle/>
+          <a:p>
+            <a:r>
+              <a:rPr lang="fr-FR" sz="1600" b="1" dirty="0" smtClean="0"/>
+              <a:t>Le personnage du jeu</a:t>
+            </a:r>
+            <a:endParaRPr lang="fr-FR" sz="1600" b="1" dirty="0" smtClean="0"/>
+          </a:p>
+          <a:p>
+            <a:endParaRPr lang="fr-FR" sz="1600" b="1" dirty="0"/>
+          </a:p>
+          <a:p>
+            <a:r>
+              <a:rPr lang="fr-FR" sz="1600" b="1" dirty="0" smtClean="0"/>
+              <a:t>Il possède une animation de </a:t>
+            </a:r>
+          </a:p>
+          <a:p>
+            <a:r>
+              <a:rPr lang="fr-FR" sz="1600" b="1" dirty="0" smtClean="0"/>
+              <a:t>course </a:t>
+            </a:r>
+            <a:r>
+              <a:rPr lang="fr-FR" sz="1600" b="1" dirty="0" smtClean="0"/>
+              <a:t>utilisée dans </a:t>
+            </a:r>
+            <a:r>
+              <a:rPr lang="fr-FR" sz="1600" b="1" dirty="0" smtClean="0"/>
+              <a:t>le jeu.</a:t>
+            </a:r>
+            <a:endParaRPr lang="fr-CA" sz="1600" b="1" dirty="0" smtClean="0"/>
+          </a:p>
+        </p:txBody>
+      </p:sp>
+      <p:pic>
+        <p:nvPicPr>
+          <p:cNvPr id="2" name="Picture 1"/>
+          <p:cNvPicPr>
+            <a:picLocks noChangeAspect="1"/>
+          </p:cNvPicPr>
+          <p:nvPr/>
+        </p:nvPicPr>
+        <p:blipFill>
+          <a:blip r:embed="rId3">
+            <a:extLst>
+              <a:ext uri="{28A0092B-C50C-407E-A947-70E740481C1C}">
+                <a14:useLocalDpi xmlns:a14="http://schemas.microsoft.com/office/drawing/2010/main" val="0"/>
+              </a:ext>
+            </a:extLst>
+          </a:blip>
+          <a:stretch>
+            <a:fillRect/>
+          </a:stretch>
+        </p:blipFill>
+        <p:spPr>
+          <a:xfrm>
+            <a:off x="2750161" y="1320800"/>
+            <a:ext cx="2883972" cy="2997200"/>
+          </a:xfrm>
+          <a:prstGeom prst="rect">
+            <a:avLst/>
+          </a:prstGeom>
+        </p:spPr>
+      </p:pic>
+      <p:pic>
+        <p:nvPicPr>
+          <p:cNvPr id="5" name="Picture 4"/>
+          <p:cNvPicPr>
+            <a:picLocks noChangeAspect="1"/>
+          </p:cNvPicPr>
+          <p:nvPr/>
+        </p:nvPicPr>
+        <p:blipFill>
+          <a:blip r:embed="rId4">
+            <a:extLst>
+              <a:ext uri="{28A0092B-C50C-407E-A947-70E740481C1C}">
+                <a14:useLocalDpi xmlns:a14="http://schemas.microsoft.com/office/drawing/2010/main" val="0"/>
+              </a:ext>
+            </a:extLst>
+          </a:blip>
+          <a:stretch>
+            <a:fillRect/>
+          </a:stretch>
+        </p:blipFill>
+        <p:spPr>
+          <a:xfrm>
+            <a:off x="236932" y="1320800"/>
+            <a:ext cx="2222500" cy="3025647"/>
+          </a:xfrm>
+          <a:prstGeom prst="rect">
+            <a:avLst/>
+          </a:prstGeom>
+        </p:spPr>
+      </p:pic>
+    </p:spTree>
+    <p:extLst>
+      <p:ext uri="{BB962C8B-B14F-4D97-AF65-F5344CB8AC3E}">
+        <p14:creationId xmlns:p14="http://schemas.microsoft.com/office/powerpoint/2010/main" val="1039974383"/>
+      </p:ext>
+    </p:extLst>
+  </p:cSld>
+  <p:clrMapOvr>
+    <a:masterClrMapping/>
+  </p:clrMapOvr>
+  <p:timing>
+    <p:tnLst>
+      <p:par>
+        <p:cTn id="1" dur="indefinite" restart="never" nodeType="tmRoot"/>
+      </p:par>
+    </p:tnLst>
+  </p:timing>
+</p:sld>
+</file>
+
+<file path=ppt/slides/slide12.xml><?xml version="1.0" encoding="utf-8"?>
+<p:sld xmlns:a="http://schemas.openxmlformats.org/drawingml/2006/main" xmlns:r="http://schemas.openxmlformats.org/officeDocument/2006/relationships" xmlns:p="http://schemas.openxmlformats.org/presentationml/2006/main">
+  <p:cSld>
+    <p:spTree>
+      <p:nvGrpSpPr>
+        <p:cNvPr id="1" name=""/>
+        <p:cNvGrpSpPr/>
+        <p:nvPr/>
+      </p:nvGrpSpPr>
+      <p:grpSpPr>
+        <a:xfrm>
+          <a:off x="0" y="0"/>
+          <a:ext cx="0" cy="0"/>
+          <a:chOff x="0" y="0"/>
+          <a:chExt cx="0" cy="0"/>
+        </a:xfrm>
+      </p:grpSpPr>
+      <p:sp>
+        <p:nvSpPr>
+          <p:cNvPr id="9" name="Rectangle 8"/>
           <p:cNvSpPr/>
           <p:nvPr/>
         </p:nvSpPr>
         <p:spPr>
           <a:xfrm>
-            <a:off x="-159493" y="-336176"/>
-            <a:ext cx="9426389" cy="5701551"/>
+            <a:off x="8978613" y="0"/>
+            <a:ext cx="256394" cy="5264085"/>
           </a:xfrm>
           <a:prstGeom prst="rect">
             <a:avLst/>
           </a:prstGeom>
           <a:solidFill>
-            <a:schemeClr val="accent2"/>
+            <a:schemeClr val="bg1"/>
           </a:solidFill>
           <a:ln>
             <a:noFill/>
@@ -7072,6 +6143,52 @@
           <a:lstStyle/>
           <a:p>
             <a:pPr algn="ctr"/>
+            <a:endParaRPr lang="fr-FR"/>
+          </a:p>
+        </p:txBody>
+      </p:sp>
+      <p:sp>
+        <p:nvSpPr>
+          <p:cNvPr id="5" name="Rectangle 4"/>
+          <p:cNvSpPr/>
+          <p:nvPr/>
+        </p:nvSpPr>
+        <p:spPr>
+          <a:xfrm>
+            <a:off x="-159493" y="-336176"/>
+            <a:ext cx="9426389" cy="5701551"/>
+          </a:xfrm>
+          <a:prstGeom prst="rect">
+            <a:avLst/>
+          </a:prstGeom>
+          <a:solidFill>
+            <a:schemeClr val="accent2"/>
+          </a:solidFill>
+          <a:ln>
+            <a:noFill/>
+          </a:ln>
+        </p:spPr>
+        <p:style>
+          <a:lnRef idx="2">
+            <a:schemeClr val="accent1">
+              <a:shade val="50000"/>
+            </a:schemeClr>
+          </a:lnRef>
+          <a:fillRef idx="1">
+            <a:schemeClr val="accent1"/>
+          </a:fillRef>
+          <a:effectRef idx="0">
+            <a:schemeClr val="accent1"/>
+          </a:effectRef>
+          <a:fontRef idx="minor">
+            <a:schemeClr val="lt1"/>
+          </a:fontRef>
+        </p:style>
+        <p:txBody>
+          <a:bodyPr rtlCol="0" anchor="ctr"/>
+          <a:lstStyle/>
+          <a:p>
+            <a:pPr algn="ctr"/>
             <a:endParaRPr lang="fr-FR" dirty="0">
               <a:solidFill>
                 <a:schemeClr val="accent2"/>
@@ -7092,7 +6209,7 @@
         </p:nvSpPr>
         <p:spPr>
           <a:xfrm>
-            <a:off x="1434749" y="2000662"/>
+            <a:off x="1434749" y="2285241"/>
             <a:ext cx="6429738" cy="693602"/>
           </a:xfrm>
         </p:spPr>
@@ -7104,14 +6221,14 @@
           <a:p>
             <a:pPr algn="ctr"/>
             <a:r>
-              <a:rPr lang="fr-FR" sz="3200" dirty="0" smtClean="0">
+              <a:rPr lang="fr-FR" sz="3200" cap="all" dirty="0" smtClean="0">
                 <a:solidFill>
                   <a:schemeClr val="bg1"/>
                 </a:solidFill>
               </a:rPr>
               <a:t>La lumière</a:t>
             </a:r>
-            <a:endParaRPr lang="fr-FR" sz="3200" dirty="0">
+            <a:endParaRPr lang="fr-FR" sz="3200" cap="all" dirty="0">
               <a:solidFill>
                 <a:schemeClr val="bg1"/>
               </a:solidFill>
@@ -7217,189 +6334,6 @@
 </p:sld>
 </file>
 
-<file path=ppt/slides/slide12.xml><?xml version="1.0" encoding="utf-8"?>
-<p:sld xmlns:a="http://schemas.openxmlformats.org/drawingml/2006/main" xmlns:r="http://schemas.openxmlformats.org/officeDocument/2006/relationships" xmlns:p="http://schemas.openxmlformats.org/presentationml/2006/main">
-  <p:cSld>
-    <p:spTree>
-      <p:nvGrpSpPr>
-        <p:cNvPr id="1" name=""/>
-        <p:cNvGrpSpPr/>
-        <p:nvPr/>
-      </p:nvGrpSpPr>
-      <p:grpSpPr>
-        <a:xfrm>
-          <a:off x="0" y="0"/>
-          <a:ext cx="0" cy="0"/>
-          <a:chOff x="0" y="0"/>
-          <a:chExt cx="0" cy="0"/>
-        </a:xfrm>
-      </p:grpSpPr>
-      <p:sp>
-        <p:nvSpPr>
-          <p:cNvPr id="5" name="Rectangle 4"/>
-          <p:cNvSpPr/>
-          <p:nvPr/>
-        </p:nvSpPr>
-        <p:spPr>
-          <a:xfrm>
-            <a:off x="-159493" y="-109071"/>
-            <a:ext cx="9426389" cy="5419165"/>
-          </a:xfrm>
-          <a:prstGeom prst="rect">
-            <a:avLst/>
-          </a:prstGeom>
-          <a:solidFill>
-            <a:schemeClr val="accent5">
-              <a:lumMod val="20000"/>
-              <a:lumOff val="80000"/>
-            </a:schemeClr>
-          </a:solidFill>
-          <a:ln>
-            <a:noFill/>
-          </a:ln>
-        </p:spPr>
-        <p:style>
-          <a:lnRef idx="2">
-            <a:schemeClr val="accent1">
-              <a:shade val="50000"/>
-            </a:schemeClr>
-          </a:lnRef>
-          <a:fillRef idx="1">
-            <a:schemeClr val="accent1"/>
-          </a:fillRef>
-          <a:effectRef idx="0">
-            <a:schemeClr val="accent1"/>
-          </a:effectRef>
-          <a:fontRef idx="minor">
-            <a:schemeClr val="lt1"/>
-          </a:fontRef>
-        </p:style>
-        <p:txBody>
-          <a:bodyPr rtlCol="0" anchor="ctr"/>
-          <a:lstStyle/>
-          <a:p>
-            <a:pPr algn="ctr"/>
-            <a:endParaRPr lang="fr-FR" dirty="0"/>
-          </a:p>
-        </p:txBody>
-      </p:sp>
-      <p:sp>
-        <p:nvSpPr>
-          <p:cNvPr id="3" name="Espace réservé du contenu 2"/>
-          <p:cNvSpPr>
-            <a:spLocks noGrp="1"/>
-          </p:cNvSpPr>
-          <p:nvPr>
-            <p:ph idx="1"/>
-          </p:nvPr>
-        </p:nvSpPr>
-        <p:spPr>
-          <a:xfrm>
-            <a:off x="3587981" y="637894"/>
-            <a:ext cx="5192950" cy="3182524"/>
-          </a:xfrm>
-        </p:spPr>
-        <p:txBody>
-          <a:bodyPr>
-            <a:noAutofit/>
-          </a:bodyPr>
-          <a:lstStyle/>
-          <a:p>
-            <a:pPr>
-              <a:lnSpc>
-                <a:spcPct val="150000"/>
-              </a:lnSpc>
-            </a:pPr>
-            <a:r>
-              <a:rPr lang="fr-CA" b="0" dirty="0" smtClean="0">
-                <a:solidFill>
-                  <a:schemeClr val="accent2"/>
-                </a:solidFill>
-              </a:rPr>
-              <a:t>Les types de lumières utilisés dans le jeu:</a:t>
-            </a:r>
-          </a:p>
-          <a:p>
-            <a:pPr>
-              <a:lnSpc>
-                <a:spcPct val="150000"/>
-              </a:lnSpc>
-            </a:pPr>
-            <a:r>
-              <a:rPr lang="fr-CA" b="0" dirty="0" smtClean="0">
-                <a:solidFill>
-                  <a:schemeClr val="accent2"/>
-                </a:solidFill>
-              </a:rPr>
-              <a:t>Lumière </a:t>
-            </a:r>
-            <a:r>
-              <a:rPr lang="fr-CA" b="0" dirty="0" smtClean="0">
-                <a:solidFill>
-                  <a:schemeClr val="accent2"/>
-                </a:solidFill>
-              </a:rPr>
-              <a:t>émise (Halo): </a:t>
-            </a:r>
-            <a:r>
-              <a:rPr lang="fr-CA" b="0" dirty="0" smtClean="0">
-                <a:solidFill>
-                  <a:schemeClr val="accent2"/>
-                </a:solidFill>
-              </a:rPr>
-              <a:t>J’ai appliqué une source de lumière sur les pilules pour les rendre plus visibles. </a:t>
-            </a:r>
-          </a:p>
-          <a:p>
-            <a:pPr>
-              <a:lnSpc>
-                <a:spcPct val="150000"/>
-              </a:lnSpc>
-            </a:pPr>
-            <a:r>
-              <a:rPr lang="fr-CA" b="0" dirty="0" smtClean="0">
-                <a:solidFill>
-                  <a:schemeClr val="accent2"/>
-                </a:solidFill>
-              </a:rPr>
-              <a:t>Lumière soleil: Le jeu est éclairé par une lumière directe pour permettre un effet d’ombrage et pour que le jeu ne soit pas trop lumineux.</a:t>
-            </a:r>
-            <a:endParaRPr lang="fr-CA" b="0" dirty="0">
-              <a:solidFill>
-                <a:schemeClr val="accent2"/>
-              </a:solidFill>
-            </a:endParaRPr>
-          </a:p>
-        </p:txBody>
-      </p:sp>
-    </p:spTree>
-    <p:extLst>
-      <p:ext uri="{BB962C8B-B14F-4D97-AF65-F5344CB8AC3E}">
-        <p14:creationId xmlns:p14="http://schemas.microsoft.com/office/powerpoint/2010/main" val="2011050945"/>
-      </p:ext>
-    </p:extLst>
-  </p:cSld>
-  <p:clrMapOvr>
-    <a:masterClrMapping/>
-  </p:clrMapOvr>
-  <mc:AlternateContent xmlns:mc="http://schemas.openxmlformats.org/markup-compatibility/2006" xmlns:p14="http://schemas.microsoft.com/office/powerpoint/2010/main">
-    <mc:Choice Requires="p14">
-      <p:transition spd="slow" p14:dur="2000"/>
-    </mc:Choice>
-    <mc:Fallback xmlns="">
-      <p:transition spd="slow"/>
-    </mc:Fallback>
-  </mc:AlternateContent>
-  <p:timing>
-    <p:tnLst>
-      <p:par>
-        <p:cTn id="1" dur="indefinite" restart="never" nodeType="tmRoot"/>
-      </p:par>
-    </p:tnLst>
-  </p:timing>
-</p:sld>
-</file>
-
 <file path=ppt/slides/slide13.xml><?xml version="1.0" encoding="utf-8"?>
 <p:sld xmlns:a="http://schemas.openxmlformats.org/drawingml/2006/main" xmlns:r="http://schemas.openxmlformats.org/officeDocument/2006/relationships" xmlns:p="http://schemas.openxmlformats.org/presentationml/2006/main">
   <p:cSld>
@@ -7419,20 +6353,23 @@
       </p:grpSpPr>
       <p:sp>
         <p:nvSpPr>
-          <p:cNvPr id="9" name="Rectangle 8"/>
+          <p:cNvPr id="5" name="Rectangle 4"/>
           <p:cNvSpPr/>
           <p:nvPr/>
         </p:nvSpPr>
         <p:spPr>
           <a:xfrm>
-            <a:off x="8978613" y="0"/>
-            <a:ext cx="256394" cy="5264085"/>
+            <a:off x="-159493" y="-109071"/>
+            <a:ext cx="9426389" cy="5419165"/>
           </a:xfrm>
           <a:prstGeom prst="rect">
             <a:avLst/>
           </a:prstGeom>
           <a:solidFill>
-            <a:schemeClr val="bg1"/>
+            <a:schemeClr val="accent5">
+              <a:lumMod val="20000"/>
+              <a:lumOff val="80000"/>
+            </a:schemeClr>
           </a:solidFill>
           <a:ln>
             <a:noFill/>
@@ -7459,79 +6396,71 @@
           <a:lstStyle/>
           <a:p>
             <a:pPr algn="ctr"/>
-            <a:endParaRPr lang="fr-FR"/>
-          </a:p>
-        </p:txBody>
-      </p:sp>
-      <p:sp>
-        <p:nvSpPr>
-          <p:cNvPr id="2" name="TextBox 1"/>
-          <p:cNvSpPr txBox="1"/>
-          <p:nvPr/>
-        </p:nvSpPr>
-        <p:spPr>
-          <a:xfrm>
-            <a:off x="2705946" y="361354"/>
-            <a:ext cx="4025900" cy="523220"/>
-          </a:xfrm>
-          <a:prstGeom prst="rect">
-            <a:avLst/>
-          </a:prstGeom>
-          <a:noFill/>
-        </p:spPr>
-        <p:txBody>
-          <a:bodyPr wrap="square" rtlCol="0">
-            <a:spAutoFit/>
+            <a:endParaRPr lang="fr-FR" dirty="0"/>
+          </a:p>
+        </p:txBody>
+      </p:sp>
+      <p:sp>
+        <p:nvSpPr>
+          <p:cNvPr id="3" name="Espace réservé du contenu 2"/>
+          <p:cNvSpPr>
+            <a:spLocks noGrp="1"/>
+          </p:cNvSpPr>
+          <p:nvPr>
+            <p:ph idx="1"/>
+          </p:nvPr>
+        </p:nvSpPr>
+        <p:spPr>
+          <a:xfrm>
+            <a:off x="3587981" y="637894"/>
+            <a:ext cx="5192950" cy="3182524"/>
+          </a:xfrm>
+        </p:spPr>
+        <p:txBody>
+          <a:bodyPr>
+            <a:noAutofit/>
           </a:bodyPr>
           <a:lstStyle/>
           <a:p>
-            <a:pPr algn="ctr"/>
-            <a:r>
-              <a:rPr lang="en-US" sz="2800" dirty="0" smtClean="0"/>
-              <a:t>Carte de </a:t>
-            </a:r>
-            <a:r>
-              <a:rPr lang="en-US" sz="2800" dirty="0" err="1" smtClean="0"/>
-              <a:t>normales</a:t>
-            </a:r>
-            <a:endParaRPr lang="en-US" sz="2800" dirty="0"/>
-          </a:p>
-        </p:txBody>
-      </p:sp>
-      <p:pic>
-        <p:nvPicPr>
-          <p:cNvPr id="4" name="Picture 3"/>
-          <p:cNvPicPr>
-            <a:picLocks noChangeAspect="1"/>
-          </p:cNvPicPr>
-          <p:nvPr/>
-        </p:nvPicPr>
-        <p:blipFill>
-          <a:blip r:embed="rId3">
-            <a:extLst>
-              <a:ext uri="{28A0092B-C50C-407E-A947-70E740481C1C}">
-                <a14:useLocalDpi xmlns:a14="http://schemas.microsoft.com/office/drawing/2010/main" val="0"/>
-              </a:ext>
-            </a:extLst>
-          </a:blip>
-          <a:stretch>
-            <a:fillRect/>
-          </a:stretch>
-        </p:blipFill>
-        <p:spPr>
-          <a:xfrm>
-            <a:off x="2978430" y="1235042"/>
-            <a:ext cx="3251200" cy="3251200"/>
-          </a:xfrm>
-          <a:prstGeom prst="rect">
-            <a:avLst/>
-          </a:prstGeom>
-        </p:spPr>
-      </p:pic>
+            <a:pPr>
+              <a:lnSpc>
+                <a:spcPct val="150000"/>
+              </a:lnSpc>
+            </a:pPr>
+            <a:r>
+              <a:rPr lang="fr-CA" b="0" dirty="0" smtClean="0"/>
+              <a:t>Les types de lumières utilisés dans le jeu:</a:t>
+            </a:r>
+          </a:p>
+          <a:p>
+            <a:pPr>
+              <a:lnSpc>
+                <a:spcPct val="150000"/>
+              </a:lnSpc>
+            </a:pPr>
+            <a:r>
+              <a:rPr lang="fr-CA" b="0" dirty="0" smtClean="0"/>
+              <a:t>Lumière émise (Halo): J’ai appliqué une source de lumière sur les pilules pour les rendre plus visibles. </a:t>
+            </a:r>
+          </a:p>
+          <a:p>
+            <a:pPr>
+              <a:lnSpc>
+                <a:spcPct val="150000"/>
+              </a:lnSpc>
+            </a:pPr>
+            <a:r>
+              <a:rPr lang="fr-CA" b="0" dirty="0" smtClean="0"/>
+              <a:t>Lumière soleil: Le jeu est éclairé par une lumière directe pour permettre un effet d’ombrage et pour que le jeu ne soit pas trop lumineux.</a:t>
+            </a:r>
+            <a:endParaRPr lang="fr-CA" b="0" dirty="0"/>
+          </a:p>
+        </p:txBody>
+      </p:sp>
     </p:spTree>
     <p:extLst>
       <p:ext uri="{BB962C8B-B14F-4D97-AF65-F5344CB8AC3E}">
-        <p14:creationId xmlns:p14="http://schemas.microsoft.com/office/powerpoint/2010/main" val="1529383709"/>
+        <p14:creationId xmlns:p14="http://schemas.microsoft.com/office/powerpoint/2010/main" val="2011050945"/>
       </p:ext>
     </p:extLst>
   </p:cSld>
@@ -7575,71 +6504,20 @@
       </p:grpSpPr>
       <p:sp>
         <p:nvSpPr>
-          <p:cNvPr id="3" name="Espace réservé du contenu 2"/>
-          <p:cNvSpPr>
-            <a:spLocks noGrp="1"/>
-          </p:cNvSpPr>
-          <p:nvPr>
-            <p:ph idx="1"/>
-          </p:nvPr>
-        </p:nvSpPr>
-        <p:spPr>
-          <a:xfrm>
-            <a:off x="457199" y="832031"/>
-            <a:ext cx="8119641" cy="645668"/>
-          </a:xfrm>
-        </p:spPr>
-        <p:txBody>
-          <a:bodyPr>
-            <a:noAutofit/>
-          </a:bodyPr>
-          <a:lstStyle/>
-          <a:p>
-            <a:pPr algn="ctr">
-              <a:lnSpc>
-                <a:spcPct val="150000"/>
-              </a:lnSpc>
-            </a:pPr>
-            <a:r>
-              <a:rPr lang="en-US" sz="2800" u="sng" dirty="0" err="1" smtClean="0"/>
-              <a:t>Résalisation</a:t>
-            </a:r>
-            <a:r>
-              <a:rPr lang="en-US" sz="2800" u="sng" dirty="0" smtClean="0"/>
-              <a:t> </a:t>
-            </a:r>
-            <a:r>
-              <a:rPr lang="en-US" sz="2800" u="sng" dirty="0" err="1" smtClean="0"/>
-              <a:t>tecniques</a:t>
-            </a:r>
-            <a:r>
-              <a:rPr lang="en-US" sz="2800" u="sng" dirty="0" smtClean="0"/>
-              <a:t> et </a:t>
-            </a:r>
-            <a:r>
-              <a:rPr lang="en-US" sz="2800" u="sng" dirty="0" err="1" smtClean="0"/>
-              <a:t>artistiques</a:t>
-            </a:r>
-            <a:endParaRPr lang="en-US" sz="2800" u="sng" dirty="0"/>
-          </a:p>
-        </p:txBody>
-      </p:sp>
-      <p:sp>
-        <p:nvSpPr>
-          <p:cNvPr id="4" name="Rectangle 3"/>
+          <p:cNvPr id="5" name="Rectangle 4"/>
           <p:cNvSpPr/>
           <p:nvPr/>
         </p:nvSpPr>
         <p:spPr>
           <a:xfrm>
-            <a:off x="8843059" y="-120585"/>
-            <a:ext cx="440713" cy="5264085"/>
+            <a:off x="-159493" y="-336176"/>
+            <a:ext cx="9426389" cy="5701551"/>
           </a:xfrm>
           <a:prstGeom prst="rect">
             <a:avLst/>
           </a:prstGeom>
           <a:solidFill>
-            <a:schemeClr val="bg1"/>
+            <a:schemeClr val="accent2"/>
           </a:solidFill>
           <a:ln>
             <a:noFill/>
@@ -7666,29 +6544,152 @@
           <a:lstStyle/>
           <a:p>
             <a:pPr algn="ctr"/>
-            <a:endParaRPr lang="fr-FR"/>
-          </a:p>
-        </p:txBody>
-      </p:sp>
-      <p:sp>
-        <p:nvSpPr>
-          <p:cNvPr id="5" name="Rectangle 4"/>
+            <a:endParaRPr lang="fr-FR" dirty="0">
+              <a:solidFill>
+                <a:schemeClr val="accent2"/>
+              </a:solidFill>
+            </a:endParaRPr>
+          </a:p>
+        </p:txBody>
+      </p:sp>
+      <p:sp>
+        <p:nvSpPr>
+          <p:cNvPr id="2" name="TextBox 1"/>
+          <p:cNvSpPr txBox="1"/>
+          <p:nvPr/>
+        </p:nvSpPr>
+        <p:spPr>
+          <a:xfrm>
+            <a:off x="2006457" y="355909"/>
+            <a:ext cx="5195146" cy="523220"/>
+          </a:xfrm>
+          <a:prstGeom prst="rect">
+            <a:avLst/>
+          </a:prstGeom>
+          <a:noFill/>
+        </p:spPr>
+        <p:txBody>
+          <a:bodyPr wrap="square" rtlCol="0">
+            <a:spAutoFit/>
+          </a:bodyPr>
+          <a:lstStyle/>
+          <a:p>
+            <a:pPr algn="ctr"/>
+            <a:r>
+              <a:rPr lang="en-US" sz="2800" u="sng" cap="all" dirty="0" smtClean="0">
+                <a:solidFill>
+                  <a:schemeClr val="bg1"/>
+                </a:solidFill>
+              </a:rPr>
+              <a:t>Carte de </a:t>
+            </a:r>
+            <a:r>
+              <a:rPr lang="en-US" sz="2800" u="sng" cap="all" dirty="0" err="1" smtClean="0">
+                <a:solidFill>
+                  <a:schemeClr val="bg1"/>
+                </a:solidFill>
+              </a:rPr>
+              <a:t>normales</a:t>
+            </a:r>
+            <a:endParaRPr lang="en-US" sz="2800" u="sng" cap="all" dirty="0">
+              <a:solidFill>
+                <a:schemeClr val="bg1"/>
+              </a:solidFill>
+            </a:endParaRPr>
+          </a:p>
+        </p:txBody>
+      </p:sp>
+      <p:pic>
+        <p:nvPicPr>
+          <p:cNvPr id="4" name="Picture 3"/>
+          <p:cNvPicPr>
+            <a:picLocks noChangeAspect="1"/>
+          </p:cNvPicPr>
+          <p:nvPr/>
+        </p:nvPicPr>
+        <p:blipFill>
+          <a:blip r:embed="rId3">
+            <a:extLst>
+              <a:ext uri="{28A0092B-C50C-407E-A947-70E740481C1C}">
+                <a14:useLocalDpi xmlns:a14="http://schemas.microsoft.com/office/drawing/2010/main" val="0"/>
+              </a:ext>
+            </a:extLst>
+          </a:blip>
+          <a:stretch>
+            <a:fillRect/>
+          </a:stretch>
+        </p:blipFill>
+        <p:spPr>
+          <a:xfrm>
+            <a:off x="2978430" y="1235042"/>
+            <a:ext cx="3251200" cy="3251200"/>
+          </a:xfrm>
+          <a:prstGeom prst="rect">
+            <a:avLst/>
+          </a:prstGeom>
+        </p:spPr>
+      </p:pic>
+    </p:spTree>
+    <p:extLst>
+      <p:ext uri="{BB962C8B-B14F-4D97-AF65-F5344CB8AC3E}">
+        <p14:creationId xmlns:p14="http://schemas.microsoft.com/office/powerpoint/2010/main" val="1529383709"/>
+      </p:ext>
+    </p:extLst>
+  </p:cSld>
+  <p:clrMapOvr>
+    <a:masterClrMapping/>
+  </p:clrMapOvr>
+  <mc:AlternateContent xmlns:mc="http://schemas.openxmlformats.org/markup-compatibility/2006" xmlns:p14="http://schemas.microsoft.com/office/powerpoint/2010/main">
+    <mc:Choice Requires="p14">
+      <p:transition spd="slow" p14:dur="2000"/>
+    </mc:Choice>
+    <mc:Fallback xmlns="">
+      <p:transition spd="slow"/>
+    </mc:Fallback>
+  </mc:AlternateContent>
+  <p:timing>
+    <p:tnLst>
+      <p:par>
+        <p:cTn id="1" dur="indefinite" restart="never" nodeType="tmRoot"/>
+      </p:par>
+    </p:tnLst>
+  </p:timing>
+</p:sld>
+</file>
+
+<file path=ppt/slides/slide15.xml><?xml version="1.0" encoding="utf-8"?>
+<p:sld xmlns:a="http://schemas.openxmlformats.org/drawingml/2006/main" xmlns:r="http://schemas.openxmlformats.org/officeDocument/2006/relationships" xmlns:p="http://schemas.openxmlformats.org/presentationml/2006/main">
+  <p:cSld>
+    <p:spTree>
+      <p:nvGrpSpPr>
+        <p:cNvPr id="1" name=""/>
+        <p:cNvGrpSpPr/>
+        <p:nvPr/>
+      </p:nvGrpSpPr>
+      <p:grpSpPr>
+        <a:xfrm>
+          <a:off x="0" y="0"/>
+          <a:ext cx="0" cy="0"/>
+          <a:chOff x="0" y="0"/>
+          <a:chExt cx="0" cy="0"/>
+        </a:xfrm>
+      </p:grpSpPr>
+      <p:sp>
+        <p:nvSpPr>
+          <p:cNvPr id="9" name="Rectangle 8"/>
           <p:cNvSpPr/>
           <p:nvPr/>
         </p:nvSpPr>
         <p:spPr>
           <a:xfrm>
-            <a:off x="0" y="1864633"/>
-            <a:ext cx="4485078" cy="2770866"/>
+            <a:off x="-147918" y="-134471"/>
+            <a:ext cx="9426389" cy="5419165"/>
           </a:xfrm>
           <a:prstGeom prst="rect">
             <a:avLst/>
           </a:prstGeom>
           <a:solidFill>
-            <a:schemeClr val="accent5">
-              <a:lumMod val="40000"/>
-              <a:lumOff val="60000"/>
-            </a:schemeClr>
+            <a:schemeClr val="tx2"/>
           </a:solidFill>
           <a:ln>
             <a:noFill/>
@@ -7715,6 +6716,122 @@
           <a:lstStyle/>
           <a:p>
             <a:pPr algn="ctr"/>
+            <a:endParaRPr lang="fr-FR" dirty="0"/>
+          </a:p>
+        </p:txBody>
+      </p:sp>
+      <p:sp>
+        <p:nvSpPr>
+          <p:cNvPr id="3" name="Espace réservé du contenu 2"/>
+          <p:cNvSpPr>
+            <a:spLocks noGrp="1"/>
+          </p:cNvSpPr>
+          <p:nvPr>
+            <p:ph idx="1"/>
+          </p:nvPr>
+        </p:nvSpPr>
+        <p:spPr>
+          <a:xfrm>
+            <a:off x="505455" y="349431"/>
+            <a:ext cx="8119641" cy="645668"/>
+          </a:xfrm>
+        </p:spPr>
+        <p:txBody>
+          <a:bodyPr>
+            <a:noAutofit/>
+          </a:bodyPr>
+          <a:lstStyle/>
+          <a:p>
+            <a:pPr algn="ctr">
+              <a:lnSpc>
+                <a:spcPct val="150000"/>
+              </a:lnSpc>
+            </a:pPr>
+            <a:r>
+              <a:rPr lang="en-US" sz="2800" u="sng" cap="all" dirty="0" err="1" smtClean="0">
+                <a:solidFill>
+                  <a:schemeClr val="bg1"/>
+                </a:solidFill>
+              </a:rPr>
+              <a:t>Réalisations</a:t>
+            </a:r>
+            <a:r>
+              <a:rPr lang="en-US" sz="2800" u="sng" cap="all" dirty="0" smtClean="0">
+                <a:solidFill>
+                  <a:schemeClr val="bg1"/>
+                </a:solidFill>
+              </a:rPr>
+              <a:t> techniques </a:t>
+            </a:r>
+            <a:r>
+              <a:rPr lang="en-US" sz="2800" u="sng" cap="all" dirty="0" smtClean="0">
+                <a:solidFill>
+                  <a:schemeClr val="bg1"/>
+                </a:solidFill>
+              </a:rPr>
+              <a:t>et </a:t>
+            </a:r>
+            <a:r>
+              <a:rPr lang="en-US" sz="2800" u="sng" cap="all" dirty="0" err="1" smtClean="0">
+                <a:solidFill>
+                  <a:schemeClr val="bg1"/>
+                </a:solidFill>
+              </a:rPr>
+              <a:t>artistiques</a:t>
+            </a:r>
+            <a:endParaRPr lang="en-US" sz="2800" u="sng" cap="all" dirty="0">
+              <a:solidFill>
+                <a:schemeClr val="bg1"/>
+              </a:solidFill>
+            </a:endParaRPr>
+          </a:p>
+        </p:txBody>
+      </p:sp>
+      <p:sp>
+        <p:nvSpPr>
+          <p:cNvPr id="5" name="Rectangle 4"/>
+          <p:cNvSpPr/>
+          <p:nvPr/>
+        </p:nvSpPr>
+        <p:spPr>
+          <a:xfrm>
+            <a:off x="0" y="1864633"/>
+            <a:ext cx="4485078" cy="2770866"/>
+          </a:xfrm>
+          <a:prstGeom prst="rect">
+            <a:avLst/>
+          </a:prstGeom>
+          <a:solidFill>
+            <a:schemeClr val="accent5">
+              <a:lumMod val="40000"/>
+              <a:lumOff val="60000"/>
+            </a:schemeClr>
+          </a:solidFill>
+          <a:ln>
+            <a:noFill/>
+          </a:ln>
+        </p:spPr>
+        <p:style>
+          <a:lnRef idx="2">
+            <a:schemeClr val="accent1">
+              <a:shade val="50000"/>
+            </a:schemeClr>
+          </a:lnRef>
+          <a:fillRef idx="1">
+            <a:schemeClr val="accent1"/>
+          </a:fillRef>
+          <a:effectRef idx="0">
+            <a:schemeClr val="accent1"/>
+          </a:effectRef>
+          <a:fontRef idx="minor">
+            <a:schemeClr val="lt1"/>
+          </a:fontRef>
+        </p:style>
+        <p:txBody>
+          <a:bodyPr rtlCol="0" anchor="ctr"/>
+          <a:lstStyle/>
+          <a:p>
+            <a:pPr algn="ctr"/>
             <a:endParaRPr lang="fr-FR"/>
           </a:p>
         </p:txBody>
@@ -7728,7 +6845,7 @@
         <p:spPr>
           <a:xfrm>
             <a:off x="688185" y="1992834"/>
-            <a:ext cx="3593940" cy="1708160"/>
+            <a:ext cx="3593940" cy="1938992"/>
           </a:xfrm>
           <a:prstGeom prst="rect">
             <a:avLst/>
@@ -7749,26 +6866,9 @@
               <a:buChar char="•"/>
             </a:pPr>
             <a:r>
-              <a:rPr lang="fr-CA" sz="1400" b="1" dirty="0" smtClean="0">
-                <a:solidFill>
-                  <a:schemeClr val="tx2"/>
-                </a:solidFill>
-              </a:rPr>
-              <a:t>Armature et animation du </a:t>
-            </a:r>
-            <a:r>
-              <a:rPr lang="fr-CA" sz="1400" b="1" dirty="0" smtClean="0">
-                <a:solidFill>
-                  <a:schemeClr val="tx2"/>
-                </a:solidFill>
-              </a:rPr>
-              <a:t>personnage.</a:t>
-            </a:r>
-            <a:endParaRPr lang="fr-CA" sz="1400" b="1" dirty="0" smtClean="0">
-              <a:solidFill>
-                <a:schemeClr val="tx2"/>
-              </a:solidFill>
-            </a:endParaRPr>
+              <a:rPr lang="fr-CA" sz="1600" b="1" dirty="0" smtClean="0"/>
+              <a:t>Armature et animation du personnage.</a:t>
+            </a:r>
           </a:p>
           <a:p>
             <a:pPr marL="285750" indent="-285750">
@@ -7779,18 +6879,9 @@
               <a:buChar char="•"/>
             </a:pPr>
             <a:r>
-              <a:rPr lang="fr-CA" sz="1400" b="1" dirty="0" smtClean="0">
-                <a:solidFill>
-                  <a:schemeClr val="tx2"/>
-                </a:solidFill>
-              </a:rPr>
+              <a:rPr lang="fr-CA" sz="1600" b="1" dirty="0" smtClean="0"/>
               <a:t>L’étoile/soleil</a:t>
             </a:r>
-            <a:endParaRPr lang="fr-CA" sz="1400" b="1" dirty="0" smtClean="0">
-              <a:solidFill>
-                <a:schemeClr val="tx2"/>
-              </a:solidFill>
-            </a:endParaRPr>
           </a:p>
           <a:p>
             <a:pPr marL="285750" indent="-285750">
@@ -7801,14 +6892,18 @@
               <a:buChar char="•"/>
             </a:pPr>
             <a:r>
-              <a:rPr lang="fr-CA" sz="1400" b="1" dirty="0" smtClean="0">
-                <a:solidFill>
-                  <a:schemeClr val="tx2"/>
-                </a:solidFill>
-              </a:rPr>
-              <a:t>Le fait d’avoir fait presque tout les modèles et les textures.</a:t>
-            </a:r>
-            <a:endParaRPr lang="fr-FR" sz="1400" dirty="0"/>
+              <a:rPr lang="fr-CA" sz="1600" b="1" dirty="0" smtClean="0"/>
+              <a:t>Le fait d’avoir fait presque </a:t>
+            </a:r>
+            <a:r>
+              <a:rPr lang="fr-CA" sz="1600" b="1" dirty="0" smtClean="0"/>
+              <a:t>tout les </a:t>
+            </a:r>
+            <a:r>
+              <a:rPr lang="fr-CA" sz="1600" b="1" dirty="0" smtClean="0"/>
+              <a:t>modèles et les textures.</a:t>
+            </a:r>
+            <a:endParaRPr lang="fr-FR" sz="1600" dirty="0"/>
           </a:p>
         </p:txBody>
       </p:sp>
@@ -8057,7 +7152,23 @@
                   <a:schemeClr val="bg1"/>
                 </a:solidFill>
               </a:rPr>
-              <a:t>Les scripts utilisés pour le control de la caméra et du personnage</a:t>
+              <a:t>Les scripts utilisés pour le </a:t>
+            </a:r>
+            <a:r>
+              <a:rPr lang="fr-CA" sz="1400" dirty="0" smtClean="0">
+                <a:solidFill>
+                  <a:schemeClr val="bg1"/>
+                </a:solidFill>
+              </a:rPr>
+              <a:t>contrôle </a:t>
+            </a:r>
+            <a:r>
+              <a:rPr lang="fr-CA" sz="1400" dirty="0" smtClean="0">
+                <a:solidFill>
+                  <a:schemeClr val="bg1"/>
+                </a:solidFill>
+              </a:rPr>
+              <a:t>de la caméra et du personnage</a:t>
             </a:r>
             <a:r>
               <a:rPr lang="fr-CA" sz="1400" dirty="0">
@@ -8104,7 +7215,23 @@
                   <a:schemeClr val="bg1"/>
                 </a:solidFill>
               </a:rPr>
-              <a:t>Avoir apprit Blender, </a:t>
+              <a:t>Avoir </a:t>
+            </a:r>
+            <a:r>
+              <a:rPr lang="fr-CA" sz="1400" dirty="0" smtClean="0">
+                <a:solidFill>
+                  <a:schemeClr val="bg1"/>
+                </a:solidFill>
+              </a:rPr>
+              <a:t>appris </a:t>
+            </a:r>
+            <a:r>
+              <a:rPr lang="fr-CA" sz="1400" dirty="0" smtClean="0">
+                <a:solidFill>
+                  <a:schemeClr val="bg1"/>
+                </a:solidFill>
+              </a:rPr>
+              <a:t>Blender, </a:t>
             </a:r>
             <a:r>
               <a:rPr lang="fr-CA" sz="1400" dirty="0" err="1" smtClean="0">
@@ -8188,7 +7315,7 @@
 </p:sld>
 </file>
 
-<file path=ppt/slides/slide15.xml><?xml version="1.0" encoding="utf-8"?>
+<file path=ppt/slides/slide16.xml><?xml version="1.0" encoding="utf-8"?>
 <p:sld xmlns:a="http://schemas.openxmlformats.org/drawingml/2006/main" xmlns:r="http://schemas.openxmlformats.org/officeDocument/2006/relationships" xmlns:p="http://schemas.openxmlformats.org/presentationml/2006/main">
   <p:cSld>
     <p:spTree>
@@ -8313,7 +7440,7 @@
         </p:nvSpPr>
         <p:spPr>
           <a:xfrm>
-            <a:off x="1434749" y="2000662"/>
+            <a:off x="1338832" y="2167798"/>
             <a:ext cx="6429738" cy="693602"/>
           </a:xfrm>
         </p:spPr>
@@ -8325,14 +7452,14 @@
           <a:p>
             <a:pPr algn="ctr"/>
             <a:r>
-              <a:rPr lang="fr-FR" sz="3200" dirty="0" smtClean="0">
+              <a:rPr lang="fr-FR" sz="3200" cap="all" dirty="0" smtClean="0">
                 <a:solidFill>
                   <a:schemeClr val="bg1"/>
                 </a:solidFill>
               </a:rPr>
               <a:t>Éléments empruntés</a:t>
             </a:r>
-            <a:endParaRPr lang="fr-FR" sz="3200" dirty="0">
+            <a:endParaRPr lang="fr-FR" sz="3200" cap="all" dirty="0">
               <a:solidFill>
                 <a:schemeClr val="bg1"/>
               </a:solidFill>
@@ -8438,7 +7565,7 @@
 </p:sld>
 </file>
 
-<file path=ppt/slides/slide16.xml><?xml version="1.0" encoding="utf-8"?>
+<file path=ppt/slides/slide17.xml><?xml version="1.0" encoding="utf-8"?>
 <p:sld xmlns:a="http://schemas.openxmlformats.org/drawingml/2006/main" xmlns:r="http://schemas.openxmlformats.org/officeDocument/2006/relationships" xmlns:p="http://schemas.openxmlformats.org/presentationml/2006/main">
   <p:cSld>
     <p:spTree>
@@ -8457,20 +7584,23 @@
       </p:grpSpPr>
       <p:sp>
         <p:nvSpPr>
-          <p:cNvPr id="14" name="Rectangle 13"/>
+          <p:cNvPr id="5" name="Rectangle 4"/>
           <p:cNvSpPr/>
           <p:nvPr/>
         </p:nvSpPr>
         <p:spPr>
           <a:xfrm>
-            <a:off x="8978613" y="0"/>
-            <a:ext cx="256394" cy="5264085"/>
+            <a:off x="-159493" y="-109071"/>
+            <a:ext cx="9426389" cy="5419165"/>
           </a:xfrm>
           <a:prstGeom prst="rect">
             <a:avLst/>
           </a:prstGeom>
           <a:solidFill>
-            <a:schemeClr val="bg1"/>
+            <a:schemeClr val="accent5">
+              <a:lumMod val="20000"/>
+              <a:lumOff val="80000"/>
+            </a:schemeClr>
           </a:solidFill>
           <a:ln>
             <a:noFill/>
@@ -8497,7 +7627,7 @@
           <a:lstStyle/>
           <a:p>
             <a:pPr algn="ctr"/>
-            <a:endParaRPr lang="fr-FR"/>
+            <a:endParaRPr lang="fr-FR" dirty="0"/>
           </a:p>
         </p:txBody>
       </p:sp>
@@ -8509,8 +7639,8 @@
         </p:nvSpPr>
         <p:spPr>
           <a:xfrm>
-            <a:off x="2378193" y="1525032"/>
-            <a:ext cx="5127507" cy="2308324"/>
+            <a:off x="1989947" y="1525032"/>
+            <a:ext cx="5127507" cy="1754326"/>
           </a:xfrm>
           <a:prstGeom prst="rect">
             <a:avLst/>
@@ -8524,6 +7654,9 @@
           <a:lstStyle/>
           <a:p>
             <a:pPr marL="285750" indent="-285750">
+              <a:lnSpc>
+                <a:spcPct val="150000"/>
+              </a:lnSpc>
               <a:buFont typeface="Arial" charset="0"/>
               <a:buChar char="•"/>
             </a:pPr>
@@ -8543,6 +7676,9 @@
           </a:p>
           <a:p>
             <a:pPr marL="285750" indent="-285750">
+              <a:lnSpc>
+                <a:spcPct val="150000"/>
+              </a:lnSpc>
               <a:buFont typeface="Arial" charset="0"/>
               <a:buChar char="•"/>
             </a:pPr>
@@ -8562,6 +7698,9 @@
           </a:p>
           <a:p>
             <a:pPr marL="285750" indent="-285750">
+              <a:lnSpc>
+                <a:spcPct val="150000"/>
+              </a:lnSpc>
               <a:buFont typeface="Arial" charset="0"/>
               <a:buChar char="•"/>
             </a:pPr>
@@ -8577,6 +7716,9 @@
           </a:p>
           <a:p>
             <a:pPr marL="285750" indent="-285750">
+              <a:lnSpc>
+                <a:spcPct val="150000"/>
+              </a:lnSpc>
               <a:buFont typeface="Arial" charset="0"/>
               <a:buChar char="•"/>
             </a:pPr>
@@ -8590,18 +7732,6 @@
             </a:r>
             <a:endParaRPr lang="fr-CA" b="1" dirty="0" smtClean="0"/>
           </a:p>
-          <a:p>
-            <a:endParaRPr lang="fr-CA" b="1" dirty="0"/>
-          </a:p>
-          <a:p>
-            <a:endParaRPr lang="fr-CA" b="1" dirty="0"/>
-          </a:p>
-          <a:p>
-            <a:endParaRPr lang="fr-CA" b="1" dirty="0" smtClean="0"/>
-          </a:p>
-          <a:p>
-            <a:endParaRPr lang="fr-CA" b="1" dirty="0" smtClean="0"/>
-          </a:p>
         </p:txBody>
       </p:sp>
       <p:sp>
@@ -8612,8 +7742,8 @@
         </p:nvSpPr>
         <p:spPr>
           <a:xfrm>
-            <a:off x="2573396" y="406400"/>
-            <a:ext cx="4102100" cy="461665"/>
+            <a:off x="1989947" y="446371"/>
+            <a:ext cx="4614804" cy="523220"/>
           </a:xfrm>
           <a:prstGeom prst="rect">
             <a:avLst/>
@@ -8628,18 +7758,10 @@
           <a:p>
             <a:pPr algn="ctr"/>
             <a:r>
-              <a:rPr lang="en-US" sz="2400" b="1" dirty="0" smtClean="0"/>
-              <a:t>Elements</a:t>
-            </a:r>
-            <a:r>
-              <a:rPr lang="en-US" sz="2400" b="1" dirty="0" smtClean="0"/>
-              <a:t> </a:t>
-            </a:r>
-            <a:r>
-              <a:rPr lang="en-US" sz="2400" b="1" dirty="0" err="1" smtClean="0"/>
-              <a:t>empruntés</a:t>
-            </a:r>
-            <a:endParaRPr lang="en-US" sz="2400" b="1" dirty="0"/>
+              <a:rPr lang="en-US" sz="2800" b="1" u="sng" dirty="0" smtClean="0"/>
+              <a:t>ÉLÉMENTS EMPRUNTÉS</a:t>
+            </a:r>
+            <a:endParaRPr lang="en-US" sz="2800" b="1" u="sng" dirty="0"/>
           </a:p>
         </p:txBody>
       </p:sp>
@@ -8663,7 +7785,7 @@
 </p:sld>
 </file>
 
-<file path=ppt/slides/slide17.xml><?xml version="1.0" encoding="utf-8"?>
+<file path=ppt/slides/slide18.xml><?xml version="1.0" encoding="utf-8"?>
 <p:sld xmlns:a="http://schemas.openxmlformats.org/drawingml/2006/main" xmlns:r="http://schemas.openxmlformats.org/officeDocument/2006/relationships" xmlns:p="http://schemas.openxmlformats.org/presentationml/2006/main">
   <p:cSld>
     <p:spTree>
@@ -8857,7 +7979,7 @@
 </p:sld>
 </file>
 
-<file path=ppt/slides/slide18.xml><?xml version="1.0" encoding="utf-8"?>
+<file path=ppt/slides/slide19.xml><?xml version="1.0" encoding="utf-8"?>
 <p:sld xmlns:a="http://schemas.openxmlformats.org/drawingml/2006/main" xmlns:r="http://schemas.openxmlformats.org/officeDocument/2006/relationships" xmlns:p="http://schemas.openxmlformats.org/presentationml/2006/main">
   <p:cSld>
     <p:spTree>
@@ -9063,205 +8185,6 @@
 </p:sld>
 </file>
 
-<file path=ppt/slides/slide19.xml><?xml version="1.0" encoding="utf-8"?>
-<p:sld xmlns:a="http://schemas.openxmlformats.org/drawingml/2006/main" xmlns:r="http://schemas.openxmlformats.org/officeDocument/2006/relationships" xmlns:p="http://schemas.openxmlformats.org/presentationml/2006/main">
-  <p:cSld>
-    <p:spTree>
-      <p:nvGrpSpPr>
-        <p:cNvPr id="1" name=""/>
-        <p:cNvGrpSpPr/>
-        <p:nvPr/>
-      </p:nvGrpSpPr>
-      <p:grpSpPr>
-        <a:xfrm>
-          <a:off x="0" y="0"/>
-          <a:ext cx="0" cy="0"/>
-          <a:chOff x="0" y="0"/>
-          <a:chExt cx="0" cy="0"/>
-        </a:xfrm>
-      </p:grpSpPr>
-      <p:sp>
-        <p:nvSpPr>
-          <p:cNvPr id="2" name="Titre 1"/>
-          <p:cNvSpPr>
-            <a:spLocks noGrp="1"/>
-          </p:cNvSpPr>
-          <p:nvPr>
-            <p:ph type="title"/>
-          </p:nvPr>
-        </p:nvSpPr>
-        <p:spPr>
-          <a:xfrm>
-            <a:off x="457199" y="114539"/>
-            <a:ext cx="8119641" cy="1028700"/>
-          </a:xfrm>
-        </p:spPr>
-        <p:txBody>
-          <a:bodyPr/>
-          <a:lstStyle/>
-          <a:p>
-            <a:pPr algn="ctr"/>
-            <a:r>
-              <a:rPr lang="fr-FR" dirty="0" smtClean="0"/>
-              <a:t>Bibliographie</a:t>
-            </a:r>
-            <a:endParaRPr lang="fr-FR" dirty="0"/>
-          </a:p>
-        </p:txBody>
-      </p:sp>
-      <p:sp>
-        <p:nvSpPr>
-          <p:cNvPr id="3" name="Espace réservé du contenu 2"/>
-          <p:cNvSpPr>
-            <a:spLocks noGrp="1"/>
-          </p:cNvSpPr>
-          <p:nvPr>
-            <p:ph idx="1"/>
-          </p:nvPr>
-        </p:nvSpPr>
-        <p:spPr>
-          <a:xfrm>
-            <a:off x="1545336" y="1529603"/>
-            <a:ext cx="6391656" cy="2827243"/>
-          </a:xfrm>
-        </p:spPr>
-        <p:txBody>
-          <a:bodyPr>
-            <a:normAutofit/>
-          </a:bodyPr>
-          <a:lstStyle/>
-          <a:p>
-            <a:pPr>
-              <a:lnSpc>
-                <a:spcPct val="120000"/>
-              </a:lnSpc>
-            </a:pPr>
-            <a:r>
-              <a:rPr lang="fr-FR" b="0" dirty="0" smtClean="0"/>
-              <a:t>Textures:</a:t>
-            </a:r>
-          </a:p>
-          <a:p>
-            <a:pPr>
-              <a:lnSpc>
-                <a:spcPct val="120000"/>
-              </a:lnSpc>
-            </a:pPr>
-            <a:r>
-              <a:rPr lang="fr-FR" b="0" dirty="0" smtClean="0">
-                <a:hlinkClick r:id="rId2"/>
-              </a:rPr>
-              <a:t>www.textures.com</a:t>
-            </a:r>
-            <a:endParaRPr lang="fr-FR" b="0" dirty="0" smtClean="0"/>
-          </a:p>
-          <a:p>
-            <a:pPr>
-              <a:lnSpc>
-                <a:spcPct val="120000"/>
-              </a:lnSpc>
-            </a:pPr>
-            <a:r>
-              <a:rPr lang="fr-FR" b="0" dirty="0" err="1" smtClean="0"/>
-              <a:t>AssetStore</a:t>
-            </a:r>
-            <a:r>
-              <a:rPr lang="fr-FR" b="0" dirty="0" smtClean="0"/>
-              <a:t>/</a:t>
-            </a:r>
-            <a:r>
-              <a:rPr lang="fr-FR" b="0" dirty="0" err="1"/>
-              <a:t>U</a:t>
-            </a:r>
-            <a:r>
-              <a:rPr lang="fr-FR" b="0" dirty="0" err="1" smtClean="0"/>
-              <a:t>nity</a:t>
-            </a:r>
-            <a:endParaRPr lang="fr-FR" b="0" dirty="0" smtClean="0"/>
-          </a:p>
-          <a:p>
-            <a:pPr>
-              <a:lnSpc>
-                <a:spcPct val="120000"/>
-              </a:lnSpc>
-            </a:pPr>
-            <a:r>
-              <a:rPr lang="fr-FR" b="0" dirty="0" err="1" smtClean="0"/>
-              <a:t>CrazyBump</a:t>
-            </a:r>
-            <a:endParaRPr lang="fr-FR" b="0" dirty="0"/>
-          </a:p>
-          <a:p>
-            <a:endParaRPr lang="fr-FR" dirty="0"/>
-          </a:p>
-        </p:txBody>
-      </p:sp>
-      <p:sp>
-        <p:nvSpPr>
-          <p:cNvPr id="4" name="Rectangle 3"/>
-          <p:cNvSpPr/>
-          <p:nvPr/>
-        </p:nvSpPr>
-        <p:spPr>
-          <a:xfrm>
-            <a:off x="8978613" y="0"/>
-            <a:ext cx="256394" cy="5264085"/>
-          </a:xfrm>
-          <a:prstGeom prst="rect">
-            <a:avLst/>
-          </a:prstGeom>
-          <a:solidFill>
-            <a:schemeClr val="bg1"/>
-          </a:solidFill>
-          <a:ln>
-            <a:noFill/>
-          </a:ln>
-        </p:spPr>
-        <p:style>
-          <a:lnRef idx="2">
-            <a:schemeClr val="accent1">
-              <a:shade val="50000"/>
-            </a:schemeClr>
-          </a:lnRef>
-          <a:fillRef idx="1">
-            <a:schemeClr val="accent1"/>
-          </a:fillRef>
-          <a:effectRef idx="0">
-            <a:schemeClr val="accent1"/>
-          </a:effectRef>
-          <a:fontRef idx="minor">
-            <a:schemeClr val="lt1"/>
-          </a:fontRef>
-        </p:style>
-        <p:txBody>
-          <a:bodyPr rtlCol="0" anchor="ctr"/>
-          <a:lstStyle/>
-          <a:p>
-            <a:pPr algn="ctr"/>
-            <a:endParaRPr lang="fr-FR"/>
-          </a:p>
-        </p:txBody>
-      </p:sp>
-    </p:spTree>
-    <p:extLst>
-      <p:ext uri="{BB962C8B-B14F-4D97-AF65-F5344CB8AC3E}">
-        <p14:creationId xmlns:p14="http://schemas.microsoft.com/office/powerpoint/2010/main" val="81220596"/>
-      </p:ext>
-    </p:extLst>
-  </p:cSld>
-  <p:clrMapOvr>
-    <a:masterClrMapping/>
-  </p:clrMapOvr>
-  <p:timing>
-    <p:tnLst>
-      <p:par>
-        <p:cTn id="1" dur="indefinite" restart="never" nodeType="tmRoot"/>
-      </p:par>
-    </p:tnLst>
-  </p:timing>
-</p:sld>
-</file>
-
 <file path=ppt/slides/slide2.xml><?xml version="1.0" encoding="utf-8"?>
 <p:sld xmlns:a="http://schemas.openxmlformats.org/drawingml/2006/main" xmlns:r="http://schemas.openxmlformats.org/officeDocument/2006/relationships" xmlns:p="http://schemas.openxmlformats.org/presentationml/2006/main">
   <p:cSld>
@@ -9402,9 +8325,42 @@
               <a:buChar char="•"/>
             </a:pPr>
             <a:r>
-              <a:rPr lang="fr-FR" sz="1400" dirty="0" smtClean="0"/>
-              <a:t>Rappel de la présentation 1</a:t>
-            </a:r>
+              <a:rPr lang="fr-FR" sz="1400" dirty="0" smtClean="0">
+                <a:solidFill>
+                  <a:schemeClr val="bg1"/>
+                </a:solidFill>
+              </a:rPr>
+              <a:t>Division </a:t>
+            </a:r>
+            <a:r>
+              <a:rPr lang="fr-FR" sz="1400" dirty="0" smtClean="0">
+                <a:solidFill>
+                  <a:schemeClr val="bg1"/>
+                </a:solidFill>
+              </a:rPr>
+              <a:t>des </a:t>
+            </a:r>
+            <a:r>
+              <a:rPr lang="fr-FR" sz="1400" dirty="0" err="1" smtClean="0">
+                <a:solidFill>
+                  <a:schemeClr val="bg1"/>
+                </a:solidFill>
+              </a:rPr>
+              <a:t>t</a:t>
+            </a:r>
+            <a:r>
+              <a:rPr lang="fr-CA" sz="1400" dirty="0" err="1" smtClean="0">
+                <a:solidFill>
+                  <a:schemeClr val="bg1"/>
+                </a:solidFill>
+              </a:rPr>
+              <a:t>âches</a:t>
+            </a:r>
+            <a:endParaRPr lang="fr-FR" sz="1400" dirty="0" smtClean="0">
+              <a:solidFill>
+                <a:schemeClr val="bg1"/>
+              </a:solidFill>
+            </a:endParaRPr>
           </a:p>
           <a:p>
             <a:pPr marL="342900" indent="-342900">
@@ -9412,18 +8368,13 @@
               <a:buChar char="•"/>
             </a:pPr>
             <a:r>
-              <a:rPr lang="fr-FR" sz="1400" dirty="0" smtClean="0"/>
-              <a:t>Division des </a:t>
-            </a:r>
-            <a:r>
-              <a:rPr lang="fr-FR" sz="1400" dirty="0" err="1" smtClean="0"/>
-              <a:t>t</a:t>
-            </a:r>
-            <a:r>
-              <a:rPr lang="fr-CA" sz="1400" dirty="0" err="1" smtClean="0"/>
-              <a:t>âches</a:t>
-            </a:r>
-            <a:endParaRPr lang="fr-FR" sz="1400" dirty="0" smtClean="0"/>
+              <a:rPr lang="fr-FR" sz="1400" dirty="0" smtClean="0">
+                <a:solidFill>
+                  <a:schemeClr val="bg1"/>
+                </a:solidFill>
+              </a:rPr>
+              <a:t>Style du jeu</a:t>
+            </a:r>
           </a:p>
           <a:p>
             <a:pPr marL="342900" indent="-342900">
@@ -9431,12 +8382,12 @@
               <a:buChar char="•"/>
             </a:pPr>
             <a:r>
-              <a:rPr lang="fr-FR" sz="1400" dirty="0" smtClean="0"/>
-              <a:t>Style </a:t>
-            </a:r>
-            <a:r>
-              <a:rPr lang="fr-FR" sz="1400" dirty="0" smtClean="0"/>
-              <a:t>du jeu</a:t>
+              <a:rPr lang="fr-FR" sz="1400" dirty="0" smtClean="0">
+                <a:solidFill>
+                  <a:schemeClr val="bg1"/>
+                </a:solidFill>
+              </a:rPr>
+              <a:t>Inspiration</a:t>
             </a:r>
           </a:p>
           <a:p>
@@ -9445,8 +8396,12 @@
               <a:buChar char="•"/>
             </a:pPr>
             <a:r>
-              <a:rPr lang="fr-FR" sz="1400" dirty="0" smtClean="0"/>
-              <a:t>Inspiration</a:t>
+              <a:rPr lang="fr-FR" sz="1400" dirty="0" smtClean="0">
+                <a:solidFill>
+                  <a:schemeClr val="bg1"/>
+                </a:solidFill>
+              </a:rPr>
+              <a:t>Technologies</a:t>
             </a:r>
           </a:p>
           <a:p>
@@ -9455,9 +8410,18 @@
               <a:buChar char="•"/>
             </a:pPr>
             <a:r>
-              <a:rPr lang="fr-FR" sz="1400" dirty="0" smtClean="0"/>
-              <a:t>Technologies</a:t>
-            </a:r>
+              <a:rPr lang="fr-FR" sz="1400" dirty="0" smtClean="0">
+                <a:solidFill>
+                  <a:schemeClr val="bg1"/>
+                </a:solidFill>
+              </a:rPr>
+              <a:t>Modèle</a:t>
+            </a:r>
+            <a:endParaRPr lang="fr-FR" sz="1400" dirty="0" smtClean="0">
+              <a:solidFill>
+                <a:schemeClr val="bg1"/>
+              </a:solidFill>
+            </a:endParaRPr>
           </a:p>
           <a:p>
             <a:pPr marL="342900" indent="-342900">
@@ -9465,8 +8429,12 @@
               <a:buChar char="•"/>
             </a:pPr>
             <a:r>
-              <a:rPr lang="fr-FR" sz="1400" dirty="0" smtClean="0"/>
-              <a:t>Modèle</a:t>
+              <a:rPr lang="fr-FR" sz="1400" dirty="0" smtClean="0">
+                <a:solidFill>
+                  <a:schemeClr val="bg1"/>
+                </a:solidFill>
+              </a:rPr>
+              <a:t>Lumière</a:t>
             </a:r>
           </a:p>
           <a:p>
@@ -9475,10 +8443,13 @@
               <a:buChar char="•"/>
             </a:pPr>
             <a:r>
-              <a:rPr lang="fr-FR" sz="1400" dirty="0" smtClean="0"/>
-              <a:t>Modèle avec armature</a:t>
-            </a:r>
-            <a:endParaRPr lang="fr-FR" sz="1400" dirty="0" smtClean="0"/>
+              <a:rPr lang="fr-FR" sz="1400" dirty="0" smtClean="0">
+                <a:solidFill>
+                  <a:schemeClr val="bg1"/>
+                </a:solidFill>
+              </a:rPr>
+              <a:t>Carte de normales</a:t>
+            </a:r>
           </a:p>
           <a:p>
             <a:pPr marL="342900" indent="-342900">
@@ -9486,8 +8457,12 @@
               <a:buChar char="•"/>
             </a:pPr>
             <a:r>
-              <a:rPr lang="fr-FR" sz="1400" dirty="0" smtClean="0"/>
-              <a:t>Lumière</a:t>
+              <a:rPr lang="fr-FR" sz="1400" dirty="0" smtClean="0">
+                <a:solidFill>
+                  <a:schemeClr val="bg1"/>
+                </a:solidFill>
+              </a:rPr>
+              <a:t>Réalisations techniques et artistiques</a:t>
             </a:r>
           </a:p>
           <a:p>
@@ -9496,32 +8471,13 @@
               <a:buChar char="•"/>
             </a:pPr>
             <a:r>
-              <a:rPr lang="fr-FR" sz="1400" dirty="0" smtClean="0"/>
-              <a:t>Carte de normales</a:t>
-            </a:r>
-            <a:endParaRPr lang="fr-FR" sz="1400" dirty="0" smtClean="0"/>
-          </a:p>
-          <a:p>
-            <a:pPr marL="342900" indent="-342900">
-              <a:buFont typeface="Arial" charset="0"/>
-              <a:buChar char="•"/>
-            </a:pPr>
-            <a:r>
-              <a:rPr lang="fr-FR" sz="1400" dirty="0" smtClean="0"/>
-              <a:t>Réalisations techniques et artistiques</a:t>
-            </a:r>
-            <a:endParaRPr lang="fr-FR" sz="1400" dirty="0" smtClean="0"/>
-          </a:p>
-          <a:p>
-            <a:pPr marL="342900" indent="-342900">
-              <a:buFont typeface="Arial" charset="0"/>
-              <a:buChar char="•"/>
-            </a:pPr>
-            <a:r>
-              <a:rPr lang="fr-FR" sz="1400" dirty="0" smtClean="0"/>
+              <a:rPr lang="fr-FR" sz="1400" dirty="0" smtClean="0">
+                <a:solidFill>
+                  <a:schemeClr val="bg1"/>
+                </a:solidFill>
+              </a:rPr>
               <a:t>Points forts et faibles</a:t>
             </a:r>
-            <a:endParaRPr lang="fr-FR" sz="1400" dirty="0" smtClean="0"/>
           </a:p>
         </p:txBody>
       </p:sp>
@@ -9549,14 +8505,29 @@
           <a:p>
             <a:pPr algn="ctr"/>
             <a:r>
-              <a:rPr lang="en-US" sz="2800" dirty="0" smtClean="0"/>
+              <a:rPr lang="en-US" sz="2800" u="sng" cap="all" dirty="0" smtClean="0">
+                <a:solidFill>
+                  <a:schemeClr val="bg1"/>
+                </a:solidFill>
+                <a:latin typeface="+mj-lt"/>
+              </a:rPr>
               <a:t>Table des </a:t>
             </a:r>
             <a:r>
-              <a:rPr lang="en-US" sz="2800" dirty="0" err="1" smtClean="0"/>
-              <a:t>matière</a:t>
-            </a:r>
-            <a:endParaRPr lang="en-US" sz="2800" dirty="0"/>
+              <a:rPr lang="en-US" sz="2800" u="sng" cap="all" dirty="0" err="1" smtClean="0">
+                <a:solidFill>
+                  <a:schemeClr val="bg1"/>
+                </a:solidFill>
+                <a:latin typeface="+mj-lt"/>
+              </a:rPr>
+              <a:t>matières</a:t>
+            </a:r>
+            <a:endParaRPr lang="en-US" sz="2800" u="sng" cap="all" dirty="0">
+              <a:solidFill>
+                <a:schemeClr val="bg1"/>
+              </a:solidFill>
+              <a:latin typeface="+mj-lt"/>
+            </a:endParaRPr>
           </a:p>
         </p:txBody>
       </p:sp>
@@ -9588,6 +8559,213 @@
 </p:sld>
 </file>
 
+<file path=ppt/slides/slide20.xml><?xml version="1.0" encoding="utf-8"?>
+<p:sld xmlns:a="http://schemas.openxmlformats.org/drawingml/2006/main" xmlns:r="http://schemas.openxmlformats.org/officeDocument/2006/relationships" xmlns:p="http://schemas.openxmlformats.org/presentationml/2006/main">
+  <p:cSld>
+    <p:spTree>
+      <p:nvGrpSpPr>
+        <p:cNvPr id="1" name=""/>
+        <p:cNvGrpSpPr/>
+        <p:nvPr/>
+      </p:nvGrpSpPr>
+      <p:grpSpPr>
+        <a:xfrm>
+          <a:off x="0" y="0"/>
+          <a:ext cx="0" cy="0"/>
+          <a:chOff x="0" y="0"/>
+          <a:chExt cx="0" cy="0"/>
+        </a:xfrm>
+      </p:grpSpPr>
+      <p:sp>
+        <p:nvSpPr>
+          <p:cNvPr id="5" name="Rectangle 4"/>
+          <p:cNvSpPr/>
+          <p:nvPr/>
+        </p:nvSpPr>
+        <p:spPr>
+          <a:xfrm>
+            <a:off x="-159493" y="-109071"/>
+            <a:ext cx="9426389" cy="5419165"/>
+          </a:xfrm>
+          <a:prstGeom prst="rect">
+            <a:avLst/>
+          </a:prstGeom>
+          <a:solidFill>
+            <a:schemeClr val="accent5">
+              <a:lumMod val="20000"/>
+              <a:lumOff val="80000"/>
+            </a:schemeClr>
+          </a:solidFill>
+          <a:ln>
+            <a:noFill/>
+          </a:ln>
+        </p:spPr>
+        <p:style>
+          <a:lnRef idx="2">
+            <a:schemeClr val="accent1">
+              <a:shade val="50000"/>
+            </a:schemeClr>
+          </a:lnRef>
+          <a:fillRef idx="1">
+            <a:schemeClr val="accent1"/>
+          </a:fillRef>
+          <a:effectRef idx="0">
+            <a:schemeClr val="accent1"/>
+          </a:effectRef>
+          <a:fontRef idx="minor">
+            <a:schemeClr val="lt1"/>
+          </a:fontRef>
+        </p:style>
+        <p:txBody>
+          <a:bodyPr rtlCol="0" anchor="ctr"/>
+          <a:lstStyle/>
+          <a:p>
+            <a:pPr algn="ctr"/>
+            <a:endParaRPr lang="fr-FR" dirty="0"/>
+          </a:p>
+        </p:txBody>
+      </p:sp>
+      <p:sp>
+        <p:nvSpPr>
+          <p:cNvPr id="2" name="Titre 1"/>
+          <p:cNvSpPr>
+            <a:spLocks noGrp="1"/>
+          </p:cNvSpPr>
+          <p:nvPr>
+            <p:ph type="title"/>
+          </p:nvPr>
+        </p:nvSpPr>
+        <p:spPr>
+          <a:xfrm>
+            <a:off x="457198" y="546339"/>
+            <a:ext cx="8119641" cy="660161"/>
+          </a:xfrm>
+        </p:spPr>
+        <p:txBody>
+          <a:bodyPr>
+            <a:normAutofit/>
+          </a:bodyPr>
+          <a:lstStyle/>
+          <a:p>
+            <a:pPr algn="ctr"/>
+            <a:r>
+              <a:rPr lang="fr-FR" sz="2800" dirty="0" smtClean="0">
+                <a:solidFill>
+                  <a:schemeClr val="tx1"/>
+                </a:solidFill>
+              </a:rPr>
+              <a:t>Ressources</a:t>
+            </a:r>
+            <a:endParaRPr lang="fr-FR" sz="2800" dirty="0">
+              <a:solidFill>
+                <a:schemeClr val="tx1"/>
+              </a:solidFill>
+            </a:endParaRPr>
+          </a:p>
+        </p:txBody>
+      </p:sp>
+      <p:sp>
+        <p:nvSpPr>
+          <p:cNvPr id="3" name="Espace réservé du contenu 2"/>
+          <p:cNvSpPr>
+            <a:spLocks noGrp="1"/>
+          </p:cNvSpPr>
+          <p:nvPr>
+            <p:ph idx="1"/>
+          </p:nvPr>
+        </p:nvSpPr>
+        <p:spPr>
+          <a:xfrm>
+            <a:off x="1085987" y="1600199"/>
+            <a:ext cx="3001264" cy="1658097"/>
+          </a:xfrm>
+        </p:spPr>
+        <p:txBody>
+          <a:bodyPr>
+            <a:normAutofit/>
+          </a:bodyPr>
+          <a:lstStyle/>
+          <a:p>
+            <a:pPr marL="285750" indent="-285750">
+              <a:lnSpc>
+                <a:spcPct val="120000"/>
+              </a:lnSpc>
+              <a:buFont typeface="Arial" charset="0"/>
+              <a:buChar char="•"/>
+            </a:pPr>
+            <a:r>
+              <a:rPr lang="fr-FR" sz="1600" b="0" dirty="0" smtClean="0">
+                <a:hlinkClick r:id="rId2"/>
+              </a:rPr>
+              <a:t>www.textures.com</a:t>
+            </a:r>
+            <a:endParaRPr lang="fr-FR" sz="1600" b="0" dirty="0" smtClean="0"/>
+          </a:p>
+          <a:p>
+            <a:pPr marL="285750" indent="-285750">
+              <a:lnSpc>
+                <a:spcPct val="120000"/>
+              </a:lnSpc>
+              <a:buFont typeface="Arial" charset="0"/>
+              <a:buChar char="•"/>
+            </a:pPr>
+            <a:r>
+              <a:rPr lang="fr-FR" sz="1600" b="0" dirty="0" err="1" smtClean="0"/>
+              <a:t>AssetStore</a:t>
+            </a:r>
+            <a:r>
+              <a:rPr lang="fr-FR" sz="1600" b="0" dirty="0" smtClean="0"/>
+              <a:t>/</a:t>
+            </a:r>
+            <a:r>
+              <a:rPr lang="fr-FR" sz="1600" b="0" dirty="0" err="1"/>
+              <a:t>U</a:t>
+            </a:r>
+            <a:r>
+              <a:rPr lang="fr-FR" sz="1600" b="0" dirty="0" err="1" smtClean="0"/>
+              <a:t>nity</a:t>
+            </a:r>
+            <a:endParaRPr lang="fr-FR" sz="1600" b="0" dirty="0" smtClean="0"/>
+          </a:p>
+          <a:p>
+            <a:pPr marL="285750" indent="-285750">
+              <a:lnSpc>
+                <a:spcPct val="120000"/>
+              </a:lnSpc>
+              <a:buFont typeface="Arial" charset="0"/>
+              <a:buChar char="•"/>
+            </a:pPr>
+            <a:r>
+              <a:rPr lang="fr-FR" sz="1600" b="0" dirty="0" err="1" smtClean="0"/>
+              <a:t>CrazyBump</a:t>
+            </a:r>
+            <a:endParaRPr lang="fr-FR" sz="1600" b="0" dirty="0"/>
+          </a:p>
+          <a:p>
+            <a:endParaRPr lang="fr-FR" dirty="0"/>
+          </a:p>
+        </p:txBody>
+      </p:sp>
+    </p:spTree>
+    <p:extLst>
+      <p:ext uri="{BB962C8B-B14F-4D97-AF65-F5344CB8AC3E}">
+        <p14:creationId xmlns:p14="http://schemas.microsoft.com/office/powerpoint/2010/main" val="81220596"/>
+      </p:ext>
+    </p:extLst>
+  </p:cSld>
+  <p:clrMapOvr>
+    <a:masterClrMapping/>
+  </p:clrMapOvr>
+  <p:timing>
+    <p:tnLst>
+      <p:par>
+        <p:cTn id="1" dur="indefinite" restart="never" nodeType="tmRoot"/>
+      </p:par>
+    </p:tnLst>
+  </p:timing>
+</p:sld>
+</file>
+
 <file path=ppt/slides/slide3.xml><?xml version="1.0" encoding="utf-8"?>
 <p:sld xmlns:a="http://schemas.openxmlformats.org/drawingml/2006/main" xmlns:r="http://schemas.openxmlformats.org/officeDocument/2006/relationships" xmlns:p="http://schemas.openxmlformats.org/presentationml/2006/main">
   <p:cSld>
@@ -9607,20 +8785,20 @@
       </p:grpSpPr>
       <p:sp>
         <p:nvSpPr>
-          <p:cNvPr id="4" name="Rectangle 3"/>
+          <p:cNvPr id="5" name="Rectangle 4"/>
           <p:cNvSpPr/>
           <p:nvPr/>
         </p:nvSpPr>
         <p:spPr>
           <a:xfrm>
-            <a:off x="8992653" y="-120585"/>
-            <a:ext cx="256394" cy="5264085"/>
+            <a:off x="-109819" y="-81500"/>
+            <a:ext cx="9426389" cy="5754903"/>
           </a:xfrm>
           <a:prstGeom prst="rect">
             <a:avLst/>
           </a:prstGeom>
           <a:solidFill>
-            <a:schemeClr val="bg1"/>
+            <a:schemeClr val="accent2"/>
           </a:solidFill>
           <a:ln>
             <a:noFill/>
@@ -9647,52 +8825,6 @@
           <a:lstStyle/>
           <a:p>
             <a:pPr algn="ctr"/>
-            <a:endParaRPr lang="fr-FR"/>
-          </a:p>
-        </p:txBody>
-      </p:sp>
-      <p:sp>
-        <p:nvSpPr>
-          <p:cNvPr id="5" name="Rectangle 4"/>
-          <p:cNvSpPr/>
-          <p:nvPr/>
-        </p:nvSpPr>
-        <p:spPr>
-          <a:xfrm>
-            <a:off x="-109818" y="0"/>
-            <a:ext cx="9426389" cy="5754903"/>
-          </a:xfrm>
-          <a:prstGeom prst="rect">
-            <a:avLst/>
-          </a:prstGeom>
-          <a:solidFill>
-            <a:schemeClr val="accent2"/>
-          </a:solidFill>
-          <a:ln>
-            <a:noFill/>
-          </a:ln>
-        </p:spPr>
-        <p:style>
-          <a:lnRef idx="2">
-            <a:schemeClr val="accent1">
-              <a:shade val="50000"/>
-            </a:schemeClr>
-          </a:lnRef>
-          <a:fillRef idx="1">
-            <a:schemeClr val="accent1"/>
-          </a:fillRef>
-          <a:effectRef idx="0">
-            <a:schemeClr val="accent1"/>
-          </a:effectRef>
-          <a:fontRef idx="minor">
-            <a:schemeClr val="lt1"/>
-          </a:fontRef>
-        </p:style>
-        <p:txBody>
-          <a:bodyPr rtlCol="0" anchor="ctr"/>
-          <a:lstStyle/>
-          <a:p>
-            <a:pPr algn="ctr"/>
             <a:endParaRPr lang="fr-FR" dirty="0">
               <a:solidFill>
                 <a:schemeClr val="accent2"/>
@@ -9723,31 +8855,75 @@
           </a:bodyPr>
           <a:lstStyle/>
           <a:p>
-            <a:r>
-              <a:rPr lang="fr-FR" dirty="0" smtClean="0"/>
+            <a:pPr marL="342900" indent="-342900">
+              <a:buFont typeface="Arial" charset="0"/>
+              <a:buChar char="•"/>
+            </a:pPr>
+            <a:r>
+              <a:rPr lang="fr-FR" dirty="0" smtClean="0">
+                <a:solidFill>
+                  <a:schemeClr val="bg1"/>
+                </a:solidFill>
+              </a:rPr>
               <a:t>Modélisation: Moi</a:t>
             </a:r>
           </a:p>
           <a:p>
-            <a:r>
-              <a:rPr lang="fr-FR" dirty="0" err="1" smtClean="0"/>
+            <a:pPr marL="342900" indent="-342900">
+              <a:buFont typeface="Arial" charset="0"/>
+              <a:buChar char="•"/>
+            </a:pPr>
+            <a:r>
+              <a:rPr lang="fr-FR" dirty="0" err="1" smtClean="0">
+                <a:solidFill>
+                  <a:schemeClr val="bg1"/>
+                </a:solidFill>
+              </a:rPr>
               <a:t>Animation:Moi</a:t>
             </a:r>
-            <a:endParaRPr lang="fr-FR" dirty="0" smtClean="0"/>
-          </a:p>
-          <a:p>
-            <a:r>
-              <a:rPr lang="fr-FR" dirty="0" err="1" smtClean="0"/>
+            <a:endParaRPr lang="fr-FR" dirty="0" smtClean="0">
+              <a:solidFill>
+                <a:schemeClr val="bg1"/>
+              </a:solidFill>
+            </a:endParaRPr>
+          </a:p>
+          <a:p>
+            <a:pPr marL="342900" indent="-342900">
+              <a:buFont typeface="Arial" charset="0"/>
+              <a:buChar char="•"/>
+            </a:pPr>
+            <a:r>
+              <a:rPr lang="fr-FR" dirty="0" err="1" smtClean="0">
+                <a:solidFill>
+                  <a:schemeClr val="bg1"/>
+                </a:solidFill>
+              </a:rPr>
               <a:t>Textures:Moi</a:t>
             </a:r>
-            <a:endParaRPr lang="fr-FR" dirty="0" smtClean="0"/>
-          </a:p>
-          <a:p>
-            <a:r>
-              <a:rPr lang="fr-FR" dirty="0" err="1" smtClean="0"/>
+            <a:endParaRPr lang="fr-FR" dirty="0" smtClean="0">
+              <a:solidFill>
+                <a:schemeClr val="bg1"/>
+              </a:solidFill>
+            </a:endParaRPr>
+          </a:p>
+          <a:p>
+            <a:pPr marL="342900" indent="-342900">
+              <a:buFont typeface="Arial" charset="0"/>
+              <a:buChar char="•"/>
+            </a:pPr>
+            <a:r>
+              <a:rPr lang="fr-FR" dirty="0" err="1" smtClean="0">
+                <a:solidFill>
+                  <a:schemeClr val="bg1"/>
+                </a:solidFill>
+              </a:rPr>
               <a:t>Programmation:Moi</a:t>
             </a:r>
-            <a:endParaRPr lang="fr-FR" dirty="0"/>
+            <a:endParaRPr lang="fr-FR" dirty="0">
+              <a:solidFill>
+                <a:schemeClr val="bg1"/>
+              </a:solidFill>
+            </a:endParaRPr>
           </a:p>
         </p:txBody>
       </p:sp>
@@ -9775,14 +8951,29 @@
           <a:p>
             <a:pPr algn="ctr"/>
             <a:r>
-              <a:rPr lang="en-US" sz="2800" dirty="0" smtClean="0"/>
+              <a:rPr lang="en-US" sz="2800" u="sng" cap="all" dirty="0" smtClean="0">
+                <a:solidFill>
+                  <a:schemeClr val="bg1"/>
+                </a:solidFill>
+                <a:latin typeface="+mj-lt"/>
+              </a:rPr>
               <a:t>Division des t</a:t>
             </a:r>
             <a:r>
-              <a:rPr lang="fr-CA" sz="2800" dirty="0" err="1" smtClean="0"/>
+              <a:rPr lang="fr-CA" sz="2800" u="sng" cap="all" dirty="0" err="1" smtClean="0">
+                <a:solidFill>
+                  <a:schemeClr val="bg1"/>
+                </a:solidFill>
+                <a:latin typeface="+mj-lt"/>
+              </a:rPr>
               <a:t>âches</a:t>
             </a:r>
-            <a:endParaRPr lang="en-US" sz="2800" dirty="0"/>
+            <a:endParaRPr lang="en-US" sz="2800" u="sng" cap="all" dirty="0">
+              <a:solidFill>
+                <a:schemeClr val="bg1"/>
+              </a:solidFill>
+              <a:latin typeface="+mj-lt"/>
+            </a:endParaRPr>
           </a:p>
         </p:txBody>
       </p:sp>
@@ -9955,8 +9146,8 @@
         </p:nvSpPr>
         <p:spPr>
           <a:xfrm>
-            <a:off x="2379515" y="710231"/>
-            <a:ext cx="4152099" cy="1077218"/>
+            <a:off x="2042972" y="595023"/>
+            <a:ext cx="4775666" cy="800219"/>
           </a:xfrm>
           <a:prstGeom prst="rect">
             <a:avLst/>
@@ -9970,13 +9161,18 @@
           <a:lstStyle/>
           <a:p>
             <a:r>
-              <a:rPr lang="fr-CA" sz="2800" dirty="0" smtClean="0"/>
-              <a:t>STYLE DE JEU UTILISÉ</a:t>
-            </a:r>
-            <a:endParaRPr lang="fr-CA" sz="2800" dirty="0"/>
-          </a:p>
-          <a:p>
-            <a:endParaRPr lang="fr-CA" b="1" dirty="0"/>
+              <a:rPr lang="fr-CA" sz="2800" u="sng" dirty="0" smtClean="0">
+                <a:latin typeface="+mj-lt"/>
+              </a:rPr>
+              <a:t>STYLE DE JEU </a:t>
+            </a:r>
+            <a:r>
+              <a:rPr lang="fr-CA" sz="2800" u="sng" dirty="0" smtClean="0">
+                <a:latin typeface="+mj-lt"/>
+              </a:rPr>
+              <a:t>UTILISÉ</a:t>
+            </a:r>
+            <a:endParaRPr lang="fr-CA" b="1" u="sng" dirty="0"/>
           </a:p>
           <a:p>
             <a:endParaRPr lang="fr-FR" b="1" dirty="0"/>
@@ -9998,6 +9194,11 @@
             <a:avLst/>
           </a:prstGeom>
           <a:noFill/>
+          <a:ln>
+            <a:solidFill>
+              <a:schemeClr val="tx1"/>
+            </a:solidFill>
+          </a:ln>
         </p:spPr>
         <p:txBody>
           <a:bodyPr wrap="square" rtlCol="0">
@@ -10006,18 +9207,10 @@
           <a:lstStyle/>
           <a:p>
             <a:r>
-              <a:rPr lang="fr-FR" sz="3200" dirty="0" smtClean="0">
-                <a:solidFill>
-                  <a:schemeClr val="bg1"/>
-                </a:solidFill>
-              </a:rPr>
+              <a:rPr lang="fr-FR" sz="3200" dirty="0" smtClean="0"/>
               <a:t>X</a:t>
             </a:r>
-            <a:endParaRPr lang="fr-FR" sz="3200" dirty="0">
-              <a:solidFill>
-                <a:schemeClr val="bg1"/>
-              </a:solidFill>
-            </a:endParaRPr>
+            <a:endParaRPr lang="fr-FR" sz="3200" dirty="0"/>
           </a:p>
         </p:txBody>
       </p:sp>
@@ -10112,7 +9305,7 @@
         </p:nvSpPr>
         <p:spPr>
           <a:xfrm>
-            <a:off x="-177342" y="114300"/>
+            <a:off x="-109819" y="70900"/>
             <a:ext cx="9426389" cy="5754903"/>
           </a:xfrm>
           <a:prstGeom prst="rect">
@@ -10166,7 +9359,7 @@
         </p:nvSpPr>
         <p:spPr>
           <a:xfrm>
-            <a:off x="2298700" y="1747212"/>
+            <a:off x="5577210" y="1583590"/>
             <a:ext cx="2006600" cy="932487"/>
           </a:xfrm>
         </p:spPr>
@@ -10220,7 +9413,7 @@
         </p:nvSpPr>
         <p:spPr>
           <a:xfrm>
-            <a:off x="2133226" y="642400"/>
+            <a:off x="2133225" y="610158"/>
             <a:ext cx="4940300" cy="523220"/>
           </a:xfrm>
           <a:prstGeom prst="rect">
@@ -10236,13 +9429,20 @@
           <a:p>
             <a:pPr algn="ctr"/>
             <a:r>
-              <a:rPr lang="en-US" sz="2800" b="1" dirty="0">
+              <a:rPr lang="en-US" sz="2800" b="1" u="sng" cap="all" dirty="0" smtClean="0">
                 <a:solidFill>
                   <a:schemeClr val="bg1"/>
                 </a:solidFill>
+                <a:latin typeface="+mj-lt"/>
               </a:rPr>
               <a:t>Inspiration</a:t>
             </a:r>
+            <a:endParaRPr lang="en-US" sz="2800" b="1" u="sng" cap="all" dirty="0">
+              <a:solidFill>
+                <a:schemeClr val="bg1"/>
+              </a:solidFill>
+              <a:latin typeface="+mj-lt"/>
+            </a:endParaRPr>
           </a:p>
         </p:txBody>
       </p:sp>
@@ -10268,7 +9468,7 @@
         </p:blipFill>
         <p:spPr>
           <a:xfrm>
-            <a:off x="5310850" y="1382167"/>
+            <a:off x="371067" y="1229120"/>
             <a:ext cx="3797300" cy="2133600"/>
           </a:xfrm>
           <a:prstGeom prst="rect">
@@ -10298,7 +9498,7 @@
         </p:blipFill>
         <p:spPr>
           <a:xfrm>
-            <a:off x="5285450" y="3377980"/>
+            <a:off x="345667" y="3224933"/>
             <a:ext cx="3822700" cy="2293620"/>
           </a:xfrm>
           <a:prstGeom prst="rect">
@@ -10456,7 +9656,7 @@
         <p:spPr>
           <a:xfrm>
             <a:off x="0" y="515400"/>
-            <a:ext cx="9316571" cy="523220"/>
+            <a:ext cx="9316571" cy="954107"/>
           </a:xfrm>
           <a:prstGeom prst="rect">
             <a:avLst/>
@@ -10469,11 +9669,16 @@
           </a:bodyPr>
           <a:lstStyle/>
           <a:p>
-            <a:r>
-              <a:rPr lang="fr-CA" sz="2800" dirty="0" smtClean="0"/>
+            <a:pPr algn="ctr"/>
+            <a:r>
+              <a:rPr lang="fr-CA" sz="2800" u="sng" dirty="0" smtClean="0">
+                <a:latin typeface="+mj-lt"/>
+              </a:rPr>
               <a:t>LANGAGE DE PROGRAMMATION ET TECHNOLOGIES</a:t>
             </a:r>
-            <a:endParaRPr lang="fr-CA" sz="2800" dirty="0"/>
+            <a:endParaRPr lang="fr-CA" sz="2800" u="sng" dirty="0">
+              <a:latin typeface="+mj-lt"/>
+            </a:endParaRPr>
           </a:p>
         </p:txBody>
       </p:sp>
@@ -10487,11 +9692,20 @@
             <p:ph idx="1"/>
           </p:nvPr>
         </p:nvSpPr>
-        <p:spPr/>
+        <p:spPr>
+          <a:xfrm>
+            <a:off x="482600" y="1797795"/>
+            <a:ext cx="7620000" cy="1508708"/>
+          </a:xfrm>
+        </p:spPr>
         <p:txBody>
           <a:bodyPr/>
           <a:lstStyle/>
           <a:p>
+            <a:pPr marL="342900" indent="-342900">
+              <a:buFont typeface="Arial" charset="0"/>
+              <a:buChar char="•"/>
+            </a:pPr>
             <a:r>
               <a:rPr lang="en-US" dirty="0" err="1" smtClean="0"/>
               <a:t>Moteur</a:t>
@@ -10510,6 +9724,10 @@
             </a:r>
           </a:p>
           <a:p>
+            <a:pPr marL="342900" indent="-342900">
+              <a:buFont typeface="Arial" charset="0"/>
+              <a:buChar char="•"/>
+            </a:pPr>
             <a:r>
               <a:rPr lang="en-US" dirty="0" err="1" smtClean="0"/>
               <a:t>Modélisation</a:t>
@@ -10520,6 +9738,10 @@
             </a:r>
           </a:p>
           <a:p>
+            <a:pPr marL="342900" indent="-342900">
+              <a:buFont typeface="Arial" charset="0"/>
+              <a:buChar char="•"/>
+            </a:pPr>
             <a:r>
               <a:rPr lang="en-US" dirty="0" smtClean="0"/>
               <a:t>Texture: </a:t>
@@ -10579,7 +9801,7 @@
       </p:grpSpPr>
       <p:sp>
         <p:nvSpPr>
-          <p:cNvPr id="14" name="Rectangle 13"/>
+          <p:cNvPr id="9" name="Rectangle 8"/>
           <p:cNvSpPr/>
           <p:nvPr/>
         </p:nvSpPr>
@@ -10625,118 +9847,181 @@
       </p:sp>
       <p:sp>
         <p:nvSpPr>
-          <p:cNvPr id="4" name="ZoneTexte 3"/>
-          <p:cNvSpPr txBox="1"/>
+          <p:cNvPr id="5" name="Rectangle 4"/>
+          <p:cNvSpPr/>
           <p:nvPr/>
         </p:nvSpPr>
         <p:spPr>
           <a:xfrm>
-            <a:off x="6175493" y="368300"/>
-            <a:ext cx="2411814" cy="369332"/>
+            <a:off x="-159493" y="-336176"/>
+            <a:ext cx="9426389" cy="5701551"/>
           </a:xfrm>
           <a:prstGeom prst="rect">
             <a:avLst/>
           </a:prstGeom>
-          <a:noFill/>
-        </p:spPr>
-        <p:txBody>
-          <a:bodyPr wrap="none" rtlCol="0">
-            <a:spAutoFit/>
+          <a:solidFill>
+            <a:schemeClr val="accent2"/>
+          </a:solidFill>
+          <a:ln>
+            <a:noFill/>
+          </a:ln>
+        </p:spPr>
+        <p:style>
+          <a:lnRef idx="2">
+            <a:schemeClr val="accent1">
+              <a:shade val="50000"/>
+            </a:schemeClr>
+          </a:lnRef>
+          <a:fillRef idx="1">
+            <a:schemeClr val="accent1"/>
+          </a:fillRef>
+          <a:effectRef idx="0">
+            <a:schemeClr val="accent1"/>
+          </a:effectRef>
+          <a:fontRef idx="minor">
+            <a:schemeClr val="lt1"/>
+          </a:fontRef>
+        </p:style>
+        <p:txBody>
+          <a:bodyPr rtlCol="0" anchor="ctr"/>
+          <a:lstStyle/>
+          <a:p>
+            <a:pPr algn="ctr"/>
+            <a:endParaRPr lang="fr-FR" dirty="0">
+              <a:solidFill>
+                <a:schemeClr val="accent2"/>
+              </a:solidFill>
+            </a:endParaRPr>
+          </a:p>
+        </p:txBody>
+      </p:sp>
+      <p:sp>
+        <p:nvSpPr>
+          <p:cNvPr id="6" name="Content Placeholder 2"/>
+          <p:cNvSpPr>
+            <a:spLocks noGrp="1"/>
+          </p:cNvSpPr>
+          <p:nvPr>
+            <p:ph idx="1"/>
+          </p:nvPr>
+        </p:nvSpPr>
+        <p:spPr>
+          <a:xfrm>
+            <a:off x="1434749" y="2285241"/>
+            <a:ext cx="6429738" cy="693602"/>
+          </a:xfrm>
+        </p:spPr>
+        <p:txBody>
+          <a:bodyPr>
+            <a:noAutofit/>
           </a:bodyPr>
           <a:lstStyle/>
           <a:p>
-            <a:r>
-              <a:rPr lang="fr-FR" b="1" dirty="0" smtClean="0"/>
-              <a:t>Modèle avec texture</a:t>
-            </a:r>
-            <a:endParaRPr lang="fr-FR" sz="1600" dirty="0"/>
-          </a:p>
-        </p:txBody>
-      </p:sp>
-      <p:pic>
-        <p:nvPicPr>
-          <p:cNvPr id="2" name="Picture 1"/>
-          <p:cNvPicPr>
-            <a:picLocks noChangeAspect="1"/>
-          </p:cNvPicPr>
+            <a:pPr algn="ctr"/>
+            <a:r>
+              <a:rPr lang="fr-FR" sz="3200" dirty="0" smtClean="0">
+                <a:solidFill>
+                  <a:schemeClr val="bg1"/>
+                </a:solidFill>
+              </a:rPr>
+              <a:t>MODÈLE</a:t>
+            </a:r>
+            <a:endParaRPr lang="fr-FR" sz="3200" dirty="0">
+              <a:solidFill>
+                <a:schemeClr val="bg1"/>
+              </a:solidFill>
+            </a:endParaRPr>
+          </a:p>
+        </p:txBody>
+      </p:sp>
+      <p:cxnSp>
+        <p:nvCxnSpPr>
+          <p:cNvPr id="7" name="Connecteur droit 6"/>
+          <p:cNvCxnSpPr/>
           <p:nvPr/>
-        </p:nvPicPr>
-        <p:blipFill>
-          <a:blip r:embed="rId3">
-            <a:extLst>
-              <a:ext uri="{28A0092B-C50C-407E-A947-70E740481C1C}">
-                <a14:useLocalDpi xmlns:a14="http://schemas.microsoft.com/office/drawing/2010/main" val="0"/>
-              </a:ext>
-            </a:extLst>
-          </a:blip>
-          <a:stretch>
-            <a:fillRect/>
-          </a:stretch>
-        </p:blipFill>
-        <p:spPr>
-          <a:xfrm>
-            <a:off x="1054100" y="368300"/>
-            <a:ext cx="4025900" cy="4356100"/>
-          </a:xfrm>
-          <a:prstGeom prst="rect">
+        </p:nvCxnSpPr>
+        <p:spPr>
+          <a:xfrm>
+            <a:off x="1620456" y="1574157"/>
+            <a:ext cx="5729468" cy="0"/>
+          </a:xfrm>
+          <a:prstGeom prst="line">
             <a:avLst/>
           </a:prstGeom>
-        </p:spPr>
-      </p:pic>
-      <p:sp>
-        <p:nvSpPr>
-          <p:cNvPr id="6" name="ZoneTexte 3"/>
-          <p:cNvSpPr txBox="1"/>
+          <a:ln>
+            <a:solidFill>
+              <a:schemeClr val="bg1"/>
+            </a:solidFill>
+          </a:ln>
+        </p:spPr>
+        <p:style>
+          <a:lnRef idx="1">
+            <a:schemeClr val="accent1"/>
+          </a:lnRef>
+          <a:fillRef idx="0">
+            <a:schemeClr val="accent1"/>
+          </a:fillRef>
+          <a:effectRef idx="0">
+            <a:schemeClr val="accent1"/>
+          </a:effectRef>
+          <a:fontRef idx="minor">
+            <a:schemeClr val="tx1"/>
+          </a:fontRef>
+        </p:style>
+      </p:cxnSp>
+      <p:cxnSp>
+        <p:nvCxnSpPr>
+          <p:cNvPr id="8" name="Connecteur droit 7"/>
+          <p:cNvCxnSpPr/>
           <p:nvPr/>
-        </p:nvSpPr>
-        <p:spPr>
-          <a:xfrm>
-            <a:off x="6175493" y="850900"/>
-            <a:ext cx="2749471" cy="646331"/>
-          </a:xfrm>
-          <a:prstGeom prst="rect">
+        </p:nvCxnSpPr>
+        <p:spPr>
+          <a:xfrm>
+            <a:off x="1620456" y="3634452"/>
+            <a:ext cx="5729468" cy="0"/>
+          </a:xfrm>
+          <a:prstGeom prst="line">
             <a:avLst/>
           </a:prstGeom>
-          <a:noFill/>
-        </p:spPr>
-        <p:txBody>
-          <a:bodyPr wrap="none" rtlCol="0">
-            <a:spAutoFit/>
-          </a:bodyPr>
-          <a:lstStyle/>
-          <a:p>
-            <a:r>
-              <a:rPr lang="fr-FR" b="1" dirty="0" smtClean="0"/>
-              <a:t>Arbre avec une texture </a:t>
-            </a:r>
-          </a:p>
-          <a:p>
-            <a:r>
-              <a:rPr lang="fr-FR" b="1" dirty="0" err="1"/>
-              <a:t>T</a:t>
-            </a:r>
-            <a:r>
-              <a:rPr lang="fr-FR" b="1" dirty="0" err="1" smtClean="0"/>
-              <a:t>ye</a:t>
-            </a:r>
-            <a:r>
-              <a:rPr lang="fr-FR" b="1" dirty="0" smtClean="0"/>
-              <a:t> Die</a:t>
-            </a:r>
-            <a:endParaRPr lang="fr-FR" sz="1600" dirty="0"/>
-          </a:p>
-        </p:txBody>
-      </p:sp>
+          <a:ln>
+            <a:solidFill>
+              <a:schemeClr val="bg1"/>
+            </a:solidFill>
+          </a:ln>
+        </p:spPr>
+        <p:style>
+          <a:lnRef idx="1">
+            <a:schemeClr val="accent1"/>
+          </a:lnRef>
+          <a:fillRef idx="0">
+            <a:schemeClr val="accent1"/>
+          </a:fillRef>
+          <a:effectRef idx="0">
+            <a:schemeClr val="accent1"/>
+          </a:effectRef>
+          <a:fontRef idx="minor">
+            <a:schemeClr val="tx1"/>
+          </a:fontRef>
+        </p:style>
+      </p:cxnSp>
     </p:spTree>
     <p:extLst>
       <p:ext uri="{BB962C8B-B14F-4D97-AF65-F5344CB8AC3E}">
-        <p14:creationId xmlns:p14="http://schemas.microsoft.com/office/powerpoint/2010/main" val="1103423491"/>
+        <p14:creationId xmlns:p14="http://schemas.microsoft.com/office/powerpoint/2010/main" val="1127127736"/>
       </p:ext>
     </p:extLst>
   </p:cSld>
   <p:clrMapOvr>
     <a:masterClrMapping/>
   </p:clrMapOvr>
+  <mc:AlternateContent xmlns:mc="http://schemas.openxmlformats.org/markup-compatibility/2006" xmlns:p14="http://schemas.microsoft.com/office/powerpoint/2010/main">
+    <mc:Choice Requires="p14">
+      <p:transition spd="slow" p14:dur="2000"/>
+    </mc:Choice>
+    <mc:Fallback xmlns="">
+      <p:transition spd="slow"/>
+    </mc:Fallback>
+  </mc:AlternateContent>
   <p:timing>
     <p:tnLst>
       <p:par>
@@ -10766,24 +10051,21 @@
       </p:grpSpPr>
       <p:sp>
         <p:nvSpPr>
-          <p:cNvPr id="14" name="Rectangle 13"/>
+          <p:cNvPr id="5" name="Rectangle 4"/>
           <p:cNvSpPr/>
           <p:nvPr/>
         </p:nvSpPr>
         <p:spPr>
           <a:xfrm>
-            <a:off x="8978613" y="0"/>
-            <a:ext cx="256394" cy="5264085"/>
+            <a:off x="0" y="0"/>
+            <a:ext cx="9235007" cy="5264085"/>
           </a:xfrm>
           <a:prstGeom prst="rect">
             <a:avLst/>
           </a:prstGeom>
           <a:solidFill>
-            <a:schemeClr val="bg1"/>
+            <a:schemeClr val="accent2"/>
           </a:solidFill>
-          <a:ln>
-            <a:noFill/>
-          </a:ln>
         </p:spPr>
         <p:style>
           <a:lnRef idx="2">
@@ -10806,43 +10088,13 @@
           <a:lstStyle/>
           <a:p>
             <a:pPr algn="ctr"/>
-            <a:endParaRPr lang="fr-FR"/>
-          </a:p>
-        </p:txBody>
-      </p:sp>
-      <p:sp>
-        <p:nvSpPr>
-          <p:cNvPr id="4" name="ZoneTexte 3"/>
-          <p:cNvSpPr txBox="1"/>
-          <p:nvPr/>
-        </p:nvSpPr>
-        <p:spPr>
-          <a:xfrm>
-            <a:off x="5845293" y="368300"/>
-            <a:ext cx="2710999" cy="369332"/>
-          </a:xfrm>
-          <a:prstGeom prst="rect">
-            <a:avLst/>
-          </a:prstGeom>
-          <a:noFill/>
-        </p:spPr>
-        <p:txBody>
-          <a:bodyPr wrap="none" rtlCol="0">
-            <a:spAutoFit/>
-          </a:bodyPr>
-          <a:lstStyle/>
-          <a:p>
-            <a:r>
-              <a:rPr lang="fr-FR" b="1" dirty="0" smtClean="0"/>
-              <a:t>Modèle avec animation</a:t>
-            </a:r>
-            <a:endParaRPr lang="fr-FR" sz="1600" dirty="0"/>
+            <a:endParaRPr lang="en-US"/>
           </a:p>
         </p:txBody>
       </p:sp>
       <p:pic>
         <p:nvPicPr>
-          <p:cNvPr id="3" name="Picture 2"/>
+          <p:cNvPr id="2" name="Picture 1"/>
           <p:cNvPicPr>
             <a:picLocks noChangeAspect="1"/>
           </p:cNvPicPr>
@@ -10862,8 +10114,8 @@
         </p:blipFill>
         <p:spPr>
           <a:xfrm>
-            <a:off x="762000" y="552966"/>
-            <a:ext cx="4553972" cy="3498334"/>
+            <a:off x="1054100" y="368300"/>
+            <a:ext cx="4025900" cy="4356100"/>
           </a:xfrm>
           <a:prstGeom prst="rect">
             <a:avLst/>
@@ -10872,14 +10124,14 @@
       </p:pic>
       <p:sp>
         <p:nvSpPr>
-          <p:cNvPr id="7" name="ZoneTexte 3"/>
+          <p:cNvPr id="6" name="ZoneTexte 3"/>
           <p:cNvSpPr txBox="1"/>
           <p:nvPr/>
         </p:nvSpPr>
         <p:spPr>
           <a:xfrm>
-            <a:off x="5845293" y="737632"/>
-            <a:ext cx="3369833" cy="1846659"/>
+            <a:off x="5438893" y="825500"/>
+            <a:ext cx="3179909" cy="338554"/>
           </a:xfrm>
           <a:prstGeom prst="rect">
             <a:avLst/>
@@ -10893,66 +10145,57 @@
           <a:lstStyle/>
           <a:p>
             <a:r>
-              <a:rPr lang="fr-FR" b="1" dirty="0" smtClean="0"/>
-              <a:t>Le modèle est une pilule</a:t>
-            </a:r>
-          </a:p>
-          <a:p>
-            <a:r>
-              <a:rPr lang="fr-FR" sz="1600" b="1" dirty="0"/>
-              <a:t>q</a:t>
-            </a:r>
-            <a:r>
-              <a:rPr lang="fr-FR" sz="1600" b="1" dirty="0" smtClean="0"/>
-              <a:t>ue le joueur doit collecter dans</a:t>
-            </a:r>
-          </a:p>
-          <a:p>
-            <a:r>
-              <a:rPr lang="fr-FR" sz="1600" b="1" dirty="0" smtClean="0"/>
-              <a:t>le jeu.</a:t>
-            </a:r>
-          </a:p>
-          <a:p>
-            <a:endParaRPr lang="fr-FR" sz="1600" b="1" dirty="0"/>
-          </a:p>
-          <a:p>
-            <a:r>
-              <a:rPr lang="fr-FR" sz="1600" b="1" dirty="0" smtClean="0"/>
-              <a:t>L’animation consiste à le faire</a:t>
-            </a:r>
-          </a:p>
-          <a:p>
-            <a:r>
-              <a:rPr lang="fr-FR" sz="1600" b="1" dirty="0"/>
-              <a:t>m</a:t>
-            </a:r>
-            <a:r>
-              <a:rPr lang="fr-FR" sz="1600" b="1" dirty="0" smtClean="0"/>
-              <a:t>onter et descendre, ainsi que </a:t>
-            </a:r>
-          </a:p>
-          <a:p>
-            <a:r>
-              <a:rPr lang="fr-FR" sz="1600" b="1" dirty="0"/>
-              <a:t>p</a:t>
-            </a:r>
-            <a:r>
-              <a:rPr lang="fr-FR" sz="1600" b="1" dirty="0" smtClean="0"/>
-              <a:t>ivoter sur lui </a:t>
-            </a:r>
-            <a:r>
-              <a:rPr lang="fr-CA" sz="1600" b="1" dirty="0" smtClean="0"/>
-              <a:t>même.</a:t>
-            </a:r>
-            <a:endParaRPr lang="fr-FR" sz="1600" dirty="0"/>
+              <a:rPr lang="fr-FR" sz="1600" b="1" dirty="0" smtClean="0">
+                <a:solidFill>
+                  <a:schemeClr val="bg1"/>
+                </a:solidFill>
+              </a:rPr>
+              <a:t>Arbre </a:t>
+            </a:r>
+            <a:r>
+              <a:rPr lang="fr-FR" sz="1600" b="1" dirty="0" smtClean="0">
+                <a:solidFill>
+                  <a:schemeClr val="bg1"/>
+                </a:solidFill>
+              </a:rPr>
+              <a:t>avec une texture </a:t>
+            </a:r>
+            <a:r>
+              <a:rPr lang="fr-FR" sz="1600" b="1" dirty="0" err="1" smtClean="0">
+                <a:solidFill>
+                  <a:schemeClr val="bg1"/>
+                </a:solidFill>
+              </a:rPr>
+              <a:t>Tye</a:t>
+            </a:r>
+            <a:r>
+              <a:rPr lang="fr-FR" sz="1600" b="1" dirty="0" smtClean="0">
+                <a:solidFill>
+                  <a:schemeClr val="bg1"/>
+                </a:solidFill>
+              </a:rPr>
+              <a:t> </a:t>
+            </a:r>
+            <a:r>
+              <a:rPr lang="fr-FR" sz="1600" b="1" dirty="0" smtClean="0">
+                <a:solidFill>
+                  <a:schemeClr val="bg1"/>
+                </a:solidFill>
+              </a:rPr>
+              <a:t>Die</a:t>
+            </a:r>
+            <a:endParaRPr lang="fr-FR" sz="1600" dirty="0">
+              <a:solidFill>
+                <a:schemeClr val="bg1"/>
+              </a:solidFill>
+            </a:endParaRPr>
           </a:p>
         </p:txBody>
       </p:sp>
     </p:spTree>
     <p:extLst>
       <p:ext uri="{BB962C8B-B14F-4D97-AF65-F5344CB8AC3E}">
-        <p14:creationId xmlns:p14="http://schemas.microsoft.com/office/powerpoint/2010/main" val="730598537"/>
+        <p14:creationId xmlns:p14="http://schemas.microsoft.com/office/powerpoint/2010/main" val="1103423491"/>
       </p:ext>
     </p:extLst>
   </p:cSld>
@@ -10988,20 +10231,20 @@
       </p:grpSpPr>
       <p:sp>
         <p:nvSpPr>
-          <p:cNvPr id="14" name="Rectangle 13"/>
+          <p:cNvPr id="9" name="Rectangle 8"/>
           <p:cNvSpPr/>
           <p:nvPr/>
         </p:nvSpPr>
         <p:spPr>
           <a:xfrm>
-            <a:off x="8978613" y="0"/>
-            <a:ext cx="256394" cy="5264085"/>
+            <a:off x="-109818" y="0"/>
+            <a:ext cx="9426389" cy="5754903"/>
           </a:xfrm>
           <a:prstGeom prst="rect">
             <a:avLst/>
           </a:prstGeom>
           <a:solidFill>
-            <a:schemeClr val="bg1"/>
+            <a:srgbClr val="DBEEF4"/>
           </a:solidFill>
           <a:ln>
             <a:noFill/>
@@ -11028,125 +10271,17 @@
           <a:lstStyle/>
           <a:p>
             <a:pPr algn="ctr"/>
-            <a:endParaRPr lang="fr-FR"/>
-          </a:p>
-        </p:txBody>
-      </p:sp>
-      <p:sp>
-        <p:nvSpPr>
-          <p:cNvPr id="4" name="ZoneTexte 3"/>
-          <p:cNvSpPr txBox="1"/>
-          <p:nvPr/>
-        </p:nvSpPr>
-        <p:spPr>
-          <a:xfrm>
-            <a:off x="5845293" y="368300"/>
-            <a:ext cx="2710999" cy="369332"/>
-          </a:xfrm>
-          <a:prstGeom prst="rect">
-            <a:avLst/>
-          </a:prstGeom>
-          <a:noFill/>
-        </p:spPr>
-        <p:txBody>
-          <a:bodyPr wrap="none" rtlCol="0">
-            <a:spAutoFit/>
-          </a:bodyPr>
-          <a:lstStyle/>
-          <a:p>
-            <a:r>
-              <a:rPr lang="fr-FR" b="1" dirty="0" smtClean="0"/>
-              <a:t>Modèle avec animation</a:t>
-            </a:r>
-            <a:endParaRPr lang="fr-FR" sz="1600" dirty="0"/>
-          </a:p>
-        </p:txBody>
-      </p:sp>
-      <p:sp>
-        <p:nvSpPr>
-          <p:cNvPr id="7" name="ZoneTexte 3"/>
-          <p:cNvSpPr txBox="1"/>
-          <p:nvPr/>
-        </p:nvSpPr>
-        <p:spPr>
-          <a:xfrm>
-            <a:off x="5732088" y="737632"/>
-            <a:ext cx="3518912" cy="1600438"/>
-          </a:xfrm>
-          <a:prstGeom prst="rect">
-            <a:avLst/>
-          </a:prstGeom>
-          <a:noFill/>
-        </p:spPr>
-        <p:txBody>
-          <a:bodyPr wrap="none" rtlCol="0">
-            <a:spAutoFit/>
-          </a:bodyPr>
-          <a:lstStyle/>
-          <a:p>
-            <a:r>
-              <a:rPr lang="fr-FR" b="1" dirty="0" smtClean="0"/>
-              <a:t>Le modèle est </a:t>
-            </a:r>
-            <a:r>
-              <a:rPr lang="fr-FR" b="1" dirty="0" smtClean="0"/>
-              <a:t>une étoile/soleil</a:t>
-            </a:r>
-            <a:endParaRPr lang="fr-FR" b="1" dirty="0" smtClean="0"/>
-          </a:p>
-          <a:p>
-            <a:r>
-              <a:rPr lang="fr-FR" sz="1600" b="1" dirty="0"/>
-              <a:t>q</a:t>
-            </a:r>
-            <a:r>
-              <a:rPr lang="fr-FR" sz="1600" b="1" dirty="0" smtClean="0"/>
-              <a:t>ue le joueur doit </a:t>
-            </a:r>
-            <a:r>
-              <a:rPr lang="fr-FR" sz="1600" b="1" dirty="0" smtClean="0"/>
-              <a:t>collecter pour </a:t>
-            </a:r>
-          </a:p>
-          <a:p>
-            <a:r>
-              <a:rPr lang="fr-FR" sz="1600" b="1" dirty="0" smtClean="0"/>
-              <a:t>terminer la partie.</a:t>
-            </a:r>
-          </a:p>
-          <a:p>
-            <a:endParaRPr lang="fr-FR" sz="1600" b="1" dirty="0"/>
-          </a:p>
-          <a:p>
-            <a:r>
-              <a:rPr lang="fr-FR" sz="1600" b="1" dirty="0" smtClean="0"/>
-              <a:t>L’animation </a:t>
-            </a:r>
-            <a:r>
-              <a:rPr lang="fr-FR" sz="1600" b="1" dirty="0" smtClean="0"/>
-              <a:t>est une rotation </a:t>
-            </a:r>
-          </a:p>
-          <a:p>
-            <a:r>
-              <a:rPr lang="fr-FR" sz="1600" b="1" dirty="0" smtClean="0"/>
-              <a:t>sur </a:t>
-            </a:r>
-            <a:r>
-              <a:rPr lang="fr-FR" sz="1600" b="1" dirty="0" smtClean="0"/>
-              <a:t>lui </a:t>
-            </a:r>
-            <a:r>
-              <a:rPr lang="fr-CA" sz="1600" b="1" dirty="0" smtClean="0"/>
-              <a:t>même.</a:t>
-            </a:r>
-            <a:endParaRPr lang="fr-FR" sz="1600" dirty="0"/>
+            <a:endParaRPr lang="fr-FR" dirty="0">
+              <a:solidFill>
+                <a:schemeClr val="accent2"/>
+              </a:solidFill>
+            </a:endParaRPr>
           </a:p>
         </p:txBody>
       </p:sp>
       <p:pic>
         <p:nvPicPr>
-          <p:cNvPr id="2" name="Picture 1"/>
+          <p:cNvPr id="3" name="Picture 2"/>
           <p:cNvPicPr>
             <a:picLocks noChangeAspect="1"/>
           </p:cNvPicPr>
@@ -11166,18 +10301,97 @@
         </p:blipFill>
         <p:spPr>
           <a:xfrm>
-            <a:off x="364309" y="368300"/>
-            <a:ext cx="5269824" cy="3416300"/>
+            <a:off x="762000" y="552966"/>
+            <a:ext cx="4553972" cy="3498334"/>
           </a:xfrm>
           <a:prstGeom prst="rect">
             <a:avLst/>
           </a:prstGeom>
         </p:spPr>
       </p:pic>
+      <p:sp>
+        <p:nvSpPr>
+          <p:cNvPr id="7" name="ZoneTexte 3"/>
+          <p:cNvSpPr txBox="1"/>
+          <p:nvPr/>
+        </p:nvSpPr>
+        <p:spPr>
+          <a:xfrm>
+            <a:off x="5631355" y="1283732"/>
+            <a:ext cx="3369833" cy="1846659"/>
+          </a:xfrm>
+          <a:prstGeom prst="rect">
+            <a:avLst/>
+          </a:prstGeom>
+          <a:noFill/>
+        </p:spPr>
+        <p:txBody>
+          <a:bodyPr wrap="none" rtlCol="0">
+            <a:spAutoFit/>
+          </a:bodyPr>
+          <a:lstStyle/>
+          <a:p>
+            <a:r>
+              <a:rPr lang="fr-FR" sz="1600" b="1" dirty="0" smtClean="0"/>
+              <a:t>Le modèle est une pilule</a:t>
+            </a:r>
+          </a:p>
+          <a:p>
+            <a:r>
+              <a:rPr lang="fr-FR" sz="1600" b="1" dirty="0"/>
+              <a:t>q</a:t>
+            </a:r>
+            <a:r>
+              <a:rPr lang="fr-FR" sz="1600" b="1" dirty="0" smtClean="0"/>
+              <a:t>ue le joueur doit collecter dans</a:t>
+            </a:r>
+          </a:p>
+          <a:p>
+            <a:r>
+              <a:rPr lang="fr-FR" sz="1600" b="1" dirty="0" smtClean="0"/>
+              <a:t>le jeu.</a:t>
+            </a:r>
+          </a:p>
+          <a:p>
+            <a:endParaRPr lang="fr-FR" sz="1600" b="1" dirty="0"/>
+          </a:p>
+          <a:p>
+            <a:r>
+              <a:rPr lang="fr-FR" sz="1600" b="1" dirty="0" smtClean="0"/>
+              <a:t>L’animation consiste à le faire</a:t>
+            </a:r>
+          </a:p>
+          <a:p>
+            <a:r>
+              <a:rPr lang="fr-FR" sz="1600" b="1" dirty="0"/>
+              <a:t>m</a:t>
+            </a:r>
+            <a:r>
+              <a:rPr lang="fr-FR" sz="1600" b="1" dirty="0" smtClean="0"/>
+              <a:t>onter et descendre, ainsi que </a:t>
+            </a:r>
+          </a:p>
+          <a:p>
+            <a:r>
+              <a:rPr lang="fr-FR" sz="1600" b="1" dirty="0"/>
+              <a:t>p</a:t>
+            </a:r>
+            <a:r>
+              <a:rPr lang="fr-FR" sz="1600" b="1" dirty="0" smtClean="0"/>
+              <a:t>ivoter sur lui </a:t>
+            </a:r>
+            <a:r>
+              <a:rPr lang="fr-CA" sz="1600" b="1" dirty="0" smtClean="0"/>
+              <a:t>même.</a:t>
+            </a:r>
+            <a:endParaRPr lang="fr-FR" sz="1600" dirty="0"/>
+          </a:p>
+        </p:txBody>
+      </p:sp>
     </p:spTree>
     <p:extLst>
       <p:ext uri="{BB962C8B-B14F-4D97-AF65-F5344CB8AC3E}">
-        <p14:creationId xmlns:p14="http://schemas.microsoft.com/office/powerpoint/2010/main" val="1802959383"/>
+        <p14:creationId xmlns:p14="http://schemas.microsoft.com/office/powerpoint/2010/main" val="730598537"/>
       </p:ext>
     </p:extLst>
   </p:cSld>

--- a/presentation2.pptx
+++ b/presentation2.pptx
@@ -25,9 +25,9 @@
     <p:sldId id="349" r:id="rId16"/>
     <p:sldId id="380" r:id="rId17"/>
     <p:sldId id="381" r:id="rId18"/>
-    <p:sldId id="341" r:id="rId19"/>
-    <p:sldId id="342" r:id="rId20"/>
-    <p:sldId id="336" r:id="rId21"/>
+    <p:sldId id="386" r:id="rId19"/>
+    <p:sldId id="336" r:id="rId20"/>
+    <p:sldId id="341" r:id="rId21"/>
   </p:sldIdLst>
   <p:sldSz cx="9144000" cy="5143500" type="screen16x9"/>
   <p:notesSz cx="6858000" cy="9144000"/>
@@ -227,7 +227,7 @@
           <a:p>
             <a:fld id="{BD909028-EDE8-7244-8C0C-B621A4B8742D}" type="datetimeFigureOut">
               <a:rPr lang="en-US" smtClean="0"/>
-              <a:t>4/16/18</a:t>
+              <a:t>4/17/18</a:t>
             </a:fld>
             <a:endParaRPr lang="en-US"/>
           </a:p>
@@ -1270,7 +1270,7 @@
       </p:grpSpPr>
       <p:sp>
         <p:nvSpPr>
-          <p:cNvPr id="2" name="Slide Image Placeholder 1"/>
+          <p:cNvPr id="2" name="Espace réservé de l’image des diapositives 1"/>
           <p:cNvSpPr>
             <a:spLocks noGrp="1" noRot="1" noChangeAspect="1"/>
           </p:cNvSpPr>
@@ -1282,7 +1282,7 @@
       </p:sp>
       <p:sp>
         <p:nvSpPr>
-          <p:cNvPr id="3" name="Notes Placeholder 2"/>
+          <p:cNvPr id="3" name="Espace réservé des commentaires 2"/>
           <p:cNvSpPr>
             <a:spLocks noGrp="1"/>
           </p:cNvSpPr>
@@ -1295,13 +1295,13 @@
           <a:bodyPr/>
           <a:lstStyle/>
           <a:p>
-            <a:endParaRPr lang="en-US" baseline="0" dirty="0" smtClean="0"/>
-          </a:p>
-        </p:txBody>
-      </p:sp>
-      <p:sp>
-        <p:nvSpPr>
-          <p:cNvPr id="4" name="Slide Number Placeholder 3"/>
+            <a:endParaRPr lang="fr-FR" dirty="0"/>
+          </a:p>
+        </p:txBody>
+      </p:sp>
+      <p:sp>
+        <p:nvSpPr>
+          <p:cNvPr id="4" name="Espace réservé du numéro de diapositive 3"/>
           <p:cNvSpPr>
             <a:spLocks noGrp="1"/>
           </p:cNvSpPr>
@@ -1325,7 +1325,7 @@
     </p:spTree>
     <p:extLst>
       <p:ext uri="{BB962C8B-B14F-4D97-AF65-F5344CB8AC3E}">
-        <p14:creationId xmlns:p14="http://schemas.microsoft.com/office/powerpoint/2010/main" val="1855005561"/>
+        <p14:creationId xmlns:p14="http://schemas.microsoft.com/office/powerpoint/2010/main" val="923414698"/>
       </p:ext>
     </p:extLst>
   </p:cSld>
@@ -1400,7 +1400,7 @@
           <a:p>
             <a:fld id="{1A6D72BF-5085-C747-8DC0-69846DE0A0D5}" type="slidenum">
               <a:rPr lang="en-US" smtClean="0"/>
-              <a:t>19</a:t>
+              <a:t>20</a:t>
             </a:fld>
             <a:endParaRPr lang="en-US"/>
           </a:p>
@@ -1409,7 +1409,7 @@
     </p:spTree>
     <p:extLst>
       <p:ext uri="{BB962C8B-B14F-4D97-AF65-F5344CB8AC3E}">
-        <p14:creationId xmlns:p14="http://schemas.microsoft.com/office/powerpoint/2010/main" val="581200916"/>
+        <p14:creationId xmlns:p14="http://schemas.microsoft.com/office/powerpoint/2010/main" val="1855005561"/>
       </p:ext>
     </p:extLst>
   </p:cSld>
@@ -2312,7 +2312,7 @@
           <a:p>
             <a:fld id="{F1050F85-94B7-F249-B231-5B809826353C}" type="datetimeFigureOut">
               <a:rPr lang="en-US" smtClean="0"/>
-              <a:t>4/16/18</a:t>
+              <a:t>4/17/18</a:t>
             </a:fld>
             <a:endParaRPr lang="en-US"/>
           </a:p>
@@ -2577,7 +2577,7 @@
           <a:p>
             <a:fld id="{F1050F85-94B7-F249-B231-5B809826353C}" type="datetimeFigureOut">
               <a:rPr lang="en-US" smtClean="0"/>
-              <a:t>4/16/18</a:t>
+              <a:t>4/17/18</a:t>
             </a:fld>
             <a:endParaRPr lang="en-US"/>
           </a:p>
@@ -2752,7 +2752,7 @@
           <a:p>
             <a:fld id="{F1050F85-94B7-F249-B231-5B809826353C}" type="datetimeFigureOut">
               <a:rPr lang="en-US" smtClean="0"/>
-              <a:t>4/16/18</a:t>
+              <a:t>4/17/18</a:t>
             </a:fld>
             <a:endParaRPr lang="en-US"/>
           </a:p>
@@ -2917,7 +2917,7 @@
           <a:p>
             <a:fld id="{F1050F85-94B7-F249-B231-5B809826353C}" type="datetimeFigureOut">
               <a:rPr lang="en-US" smtClean="0"/>
-              <a:t>4/16/18</a:t>
+              <a:t>4/17/18</a:t>
             </a:fld>
             <a:endParaRPr lang="en-US"/>
           </a:p>
@@ -3166,7 +3166,7 @@
           <a:p>
             <a:fld id="{F1050F85-94B7-F249-B231-5B809826353C}" type="datetimeFigureOut">
               <a:rPr lang="en-US" smtClean="0"/>
-              <a:t>4/16/18</a:t>
+              <a:t>4/17/18</a:t>
             </a:fld>
             <a:endParaRPr lang="en-US"/>
           </a:p>
@@ -3449,7 +3449,7 @@
           <a:p>
             <a:fld id="{F1050F85-94B7-F249-B231-5B809826353C}" type="datetimeFigureOut">
               <a:rPr lang="en-US" smtClean="0"/>
-              <a:t>4/16/18</a:t>
+              <a:t>4/17/18</a:t>
             </a:fld>
             <a:endParaRPr lang="en-US"/>
           </a:p>
@@ -3888,7 +3888,7 @@
           <a:p>
             <a:fld id="{F1050F85-94B7-F249-B231-5B809826353C}" type="datetimeFigureOut">
               <a:rPr lang="en-US" smtClean="0"/>
-              <a:t>4/16/18</a:t>
+              <a:t>4/17/18</a:t>
             </a:fld>
             <a:endParaRPr lang="en-US"/>
           </a:p>
@@ -4001,7 +4001,7 @@
           <a:p>
             <a:fld id="{F1050F85-94B7-F249-B231-5B809826353C}" type="datetimeFigureOut">
               <a:rPr lang="en-US" smtClean="0"/>
-              <a:t>4/16/18</a:t>
+              <a:t>4/17/18</a:t>
             </a:fld>
             <a:endParaRPr lang="en-US"/>
           </a:p>
@@ -4091,7 +4091,7 @@
           <a:p>
             <a:fld id="{F1050F85-94B7-F249-B231-5B809826353C}" type="datetimeFigureOut">
               <a:rPr lang="en-US" smtClean="0"/>
-              <a:t>4/16/18</a:t>
+              <a:t>4/17/18</a:t>
             </a:fld>
             <a:endParaRPr lang="en-US"/>
           </a:p>
@@ -4333,7 +4333,7 @@
           <a:p>
             <a:fld id="{F1050F85-94B7-F249-B231-5B809826353C}" type="datetimeFigureOut">
               <a:rPr lang="en-US" smtClean="0"/>
-              <a:t>4/16/18</a:t>
+              <a:t>4/17/18</a:t>
             </a:fld>
             <a:endParaRPr lang="en-US"/>
           </a:p>
@@ -4627,7 +4627,7 @@
           <a:p>
             <a:fld id="{F1050F85-94B7-F249-B231-5B809826353C}" type="datetimeFigureOut">
               <a:rPr lang="en-US" smtClean="0"/>
-              <a:t>4/16/18</a:t>
+              <a:t>4/17/18</a:t>
             </a:fld>
             <a:endParaRPr lang="en-US"/>
           </a:p>
@@ -4921,7 +4921,7 @@
           <a:p>
             <a:fld id="{F1050F85-94B7-F249-B231-5B809826353C}" type="datetimeFigureOut">
               <a:rPr lang="en-US" smtClean="0"/>
-              <a:t>4/16/18</a:t>
+              <a:t>4/17/18</a:t>
             </a:fld>
             <a:endParaRPr lang="en-US"/>
           </a:p>
@@ -5976,7 +5976,6 @@
               <a:rPr lang="fr-FR" sz="1600" b="1" dirty="0" smtClean="0"/>
               <a:t>Le personnage du jeu</a:t>
             </a:r>
-            <a:endParaRPr lang="fr-FR" sz="1600" b="1" dirty="0" smtClean="0"/>
           </a:p>
           <a:p>
             <a:endParaRPr lang="fr-FR" sz="1600" b="1" dirty="0"/>
@@ -5990,15 +5989,7 @@
           <a:p>
             <a:r>
               <a:rPr lang="fr-FR" sz="1600" b="1" dirty="0" smtClean="0"/>
-              <a:t>course </a:t>
-            </a:r>
-            <a:r>
-              <a:rPr lang="fr-FR" sz="1600" b="1" dirty="0" smtClean="0"/>
-              <a:t>utilisée dans </a:t>
-            </a:r>
-            <a:r>
-              <a:rPr lang="fr-FR" sz="1600" b="1" dirty="0" smtClean="0"/>
-              <a:t>le jeu.</a:t>
+              <a:t>course utilisée dans le jeu.</a:t>
             </a:r>
             <a:endParaRPr lang="fr-CA" sz="1600" b="1" dirty="0" smtClean="0"/>
           </a:p>
@@ -6761,15 +6752,7 @@
                   <a:schemeClr val="bg1"/>
                 </a:solidFill>
               </a:rPr>
-              <a:t> techniques </a:t>
-            </a:r>
-            <a:r>
-              <a:rPr lang="en-US" sz="2800" u="sng" cap="all" dirty="0" smtClean="0">
-                <a:solidFill>
-                  <a:schemeClr val="bg1"/>
-                </a:solidFill>
-              </a:rPr>
-              <a:t>et </a:t>
+              <a:t> techniques et </a:t>
             </a:r>
             <a:r>
               <a:rPr lang="en-US" sz="2800" u="sng" cap="all" dirty="0" err="1" smtClean="0">
@@ -6893,15 +6876,7 @@
             </a:pPr>
             <a:r>
               <a:rPr lang="fr-CA" sz="1600" b="1" dirty="0" smtClean="0"/>
-              <a:t>Le fait d’avoir fait presque </a:t>
-            </a:r>
-            <a:r>
-              <a:rPr lang="fr-CA" sz="1600" b="1" dirty="0" smtClean="0"/>
-              <a:t>tout les </a:t>
-            </a:r>
-            <a:r>
-              <a:rPr lang="fr-CA" sz="1600" b="1" dirty="0" smtClean="0"/>
-              <a:t>modèles et les textures.</a:t>
+              <a:t>Le fait d’avoir fait presque tout les modèles et les textures.</a:t>
             </a:r>
             <a:endParaRPr lang="fr-FR" sz="1600" dirty="0"/>
           </a:p>
@@ -7152,23 +7127,7 @@
                   <a:schemeClr val="bg1"/>
                 </a:solidFill>
               </a:rPr>
-              <a:t>Les scripts utilisés pour le </a:t>
-            </a:r>
-            <a:r>
-              <a:rPr lang="fr-CA" sz="1400" dirty="0" smtClean="0">
-                <a:solidFill>
-                  <a:schemeClr val="bg1"/>
-                </a:solidFill>
-              </a:rPr>
-              <a:t>contrôle </a:t>
-            </a:r>
-            <a:r>
-              <a:rPr lang="fr-CA" sz="1400" dirty="0" smtClean="0">
-                <a:solidFill>
-                  <a:schemeClr val="bg1"/>
-                </a:solidFill>
-              </a:rPr>
-              <a:t>de la caméra et du personnage</a:t>
+              <a:t>Les scripts utilisés pour le contrôle de la caméra et du personnage</a:t>
             </a:r>
             <a:r>
               <a:rPr lang="fr-CA" sz="1400" dirty="0">
@@ -7215,23 +7174,7 @@
                   <a:schemeClr val="bg1"/>
                 </a:solidFill>
               </a:rPr>
-              <a:t>Avoir </a:t>
-            </a:r>
-            <a:r>
-              <a:rPr lang="fr-CA" sz="1400" dirty="0" smtClean="0">
-                <a:solidFill>
-                  <a:schemeClr val="bg1"/>
-                </a:solidFill>
-              </a:rPr>
-              <a:t>appris </a:t>
-            </a:r>
-            <a:r>
-              <a:rPr lang="fr-CA" sz="1400" dirty="0" smtClean="0">
-                <a:solidFill>
-                  <a:schemeClr val="bg1"/>
-                </a:solidFill>
-              </a:rPr>
-              <a:t>Blender, </a:t>
+              <a:t>Avoir appris Blender, </a:t>
             </a:r>
             <a:r>
               <a:rPr lang="fr-CA" sz="1400" dirty="0" err="1" smtClean="0">
@@ -7804,7 +7747,7 @@
       </p:grpSpPr>
       <p:sp>
         <p:nvSpPr>
-          <p:cNvPr id="5" name="Rectangle 4"/>
+          <p:cNvPr id="9" name="Rectangle 8"/>
           <p:cNvSpPr/>
           <p:nvPr/>
         </p:nvSpPr>
@@ -7850,125 +7793,709 @@
       </p:sp>
       <p:sp>
         <p:nvSpPr>
-          <p:cNvPr id="3" name="TextBox 2"/>
-          <p:cNvSpPr txBox="1"/>
+          <p:cNvPr id="3" name="Espace réservé du contenu 2"/>
+          <p:cNvSpPr>
+            <a:spLocks noGrp="1"/>
+          </p:cNvSpPr>
+          <p:nvPr>
+            <p:ph idx="1"/>
+          </p:nvPr>
+        </p:nvSpPr>
+        <p:spPr>
+          <a:xfrm>
+            <a:off x="505455" y="349431"/>
+            <a:ext cx="3304545" cy="645668"/>
+          </a:xfrm>
+        </p:spPr>
+        <p:txBody>
+          <a:bodyPr>
+            <a:noAutofit/>
+          </a:bodyPr>
+          <a:lstStyle/>
+          <a:p>
+            <a:pPr algn="ctr">
+              <a:lnSpc>
+                <a:spcPct val="150000"/>
+              </a:lnSpc>
+            </a:pPr>
+            <a:r>
+              <a:rPr lang="en-US" sz="2800" u="sng" cap="all" dirty="0" smtClean="0">
+                <a:solidFill>
+                  <a:schemeClr val="bg1"/>
+                </a:solidFill>
+              </a:rPr>
+              <a:t>Points forts</a:t>
+            </a:r>
+            <a:endParaRPr lang="en-US" sz="2800" u="sng" cap="all" dirty="0">
+              <a:solidFill>
+                <a:schemeClr val="bg1"/>
+              </a:solidFill>
+            </a:endParaRPr>
+          </a:p>
+        </p:txBody>
+      </p:sp>
+      <p:sp>
+        <p:nvSpPr>
+          <p:cNvPr id="5" name="Rectangle 4"/>
+          <p:cNvSpPr/>
           <p:nvPr/>
         </p:nvSpPr>
         <p:spPr>
           <a:xfrm>
-            <a:off x="3667113" y="2311917"/>
-            <a:ext cx="1796326" cy="584775"/>
+            <a:off x="0" y="1864633"/>
+            <a:ext cx="4485078" cy="2770866"/>
           </a:xfrm>
           <a:prstGeom prst="rect">
             <a:avLst/>
           </a:prstGeom>
-          <a:noFill/>
-        </p:spPr>
-        <p:txBody>
-          <a:bodyPr wrap="none" rtlCol="0">
-            <a:spAutoFit/>
-          </a:bodyPr>
-          <a:lstStyle/>
-          <a:p>
-            <a:pPr algn="ctr"/>
-            <a:r>
-              <a:rPr lang="fr-CA" sz="3200" dirty="0" smtClean="0">
-                <a:solidFill>
-                  <a:schemeClr val="bg1"/>
-                </a:solidFill>
-                <a:latin typeface="+mj-lt"/>
-              </a:rPr>
-              <a:t>MERCI!</a:t>
-            </a:r>
-            <a:endParaRPr lang="fr-CA" sz="3200" dirty="0">
-              <a:solidFill>
-                <a:schemeClr val="bg1"/>
-              </a:solidFill>
-              <a:latin typeface="+mj-lt"/>
-            </a:endParaRPr>
-          </a:p>
-        </p:txBody>
-      </p:sp>
-      <p:cxnSp>
-        <p:nvCxnSpPr>
-          <p:cNvPr id="7" name="Connecteur droit 6"/>
-          <p:cNvCxnSpPr/>
-          <p:nvPr/>
-        </p:nvCxnSpPr>
-        <p:spPr>
-          <a:xfrm>
-            <a:off x="1620456" y="1574157"/>
-            <a:ext cx="5729468" cy="0"/>
-          </a:xfrm>
-          <a:prstGeom prst="line">
-            <a:avLst/>
-          </a:prstGeom>
+          <a:solidFill>
+            <a:schemeClr val="accent5">
+              <a:lumMod val="40000"/>
+              <a:lumOff val="60000"/>
+            </a:schemeClr>
+          </a:solidFill>
           <a:ln>
-            <a:solidFill>
-              <a:schemeClr val="bg1"/>
-            </a:solidFill>
+            <a:noFill/>
           </a:ln>
         </p:spPr>
         <p:style>
-          <a:lnRef idx="1">
-            <a:schemeClr val="accent1"/>
+          <a:lnRef idx="2">
+            <a:schemeClr val="accent1">
+              <a:shade val="50000"/>
+            </a:schemeClr>
           </a:lnRef>
-          <a:fillRef idx="0">
+          <a:fillRef idx="1">
             <a:schemeClr val="accent1"/>
           </a:fillRef>
           <a:effectRef idx="0">
             <a:schemeClr val="accent1"/>
           </a:effectRef>
           <a:fontRef idx="minor">
-            <a:schemeClr val="tx1"/>
+            <a:schemeClr val="lt1"/>
           </a:fontRef>
         </p:style>
-      </p:cxnSp>
-      <p:cxnSp>
-        <p:nvCxnSpPr>
-          <p:cNvPr id="8" name="Connecteur droit 7"/>
-          <p:cNvCxnSpPr/>
+        <p:txBody>
+          <a:bodyPr rtlCol="0" anchor="ctr"/>
+          <a:lstStyle/>
+          <a:p>
+            <a:pPr algn="ctr"/>
+            <a:endParaRPr lang="fr-FR"/>
+          </a:p>
+        </p:txBody>
+      </p:sp>
+      <p:sp>
+        <p:nvSpPr>
+          <p:cNvPr id="6" name="ZoneTexte 5"/>
+          <p:cNvSpPr txBox="1"/>
           <p:nvPr/>
-        </p:nvCxnSpPr>
-        <p:spPr>
-          <a:xfrm>
-            <a:off x="1620456" y="3634452"/>
-            <a:ext cx="5729468" cy="0"/>
-          </a:xfrm>
-          <a:prstGeom prst="line">
+        </p:nvSpPr>
+        <p:spPr>
+          <a:xfrm>
+            <a:off x="688185" y="1992834"/>
+            <a:ext cx="3593940" cy="1938992"/>
+          </a:xfrm>
+          <a:prstGeom prst="rect">
             <a:avLst/>
           </a:prstGeom>
+          <a:noFill/>
+        </p:spPr>
+        <p:txBody>
+          <a:bodyPr wrap="square" rtlCol="0">
+            <a:spAutoFit/>
+          </a:bodyPr>
+          <a:lstStyle/>
+          <a:p>
+            <a:pPr marL="285750" indent="-285750">
+              <a:lnSpc>
+                <a:spcPct val="150000"/>
+              </a:lnSpc>
+              <a:buFont typeface="Arial" charset="0"/>
+              <a:buChar char="•"/>
+            </a:pPr>
+            <a:r>
+              <a:rPr lang="fr-CA" sz="1600" b="1" dirty="0"/>
+              <a:t>A</a:t>
+            </a:r>
+            <a:r>
+              <a:rPr lang="fr-CA" sz="1600" b="1" dirty="0" smtClean="0"/>
+              <a:t>nimation </a:t>
+            </a:r>
+            <a:r>
+              <a:rPr lang="fr-CA" sz="1600" b="1" dirty="0" smtClean="0"/>
+              <a:t>du personnage.</a:t>
+            </a:r>
+          </a:p>
+          <a:p>
+            <a:pPr marL="285750" indent="-285750">
+              <a:lnSpc>
+                <a:spcPct val="150000"/>
+              </a:lnSpc>
+              <a:buFont typeface="Arial" charset="0"/>
+              <a:buChar char="•"/>
+            </a:pPr>
+            <a:r>
+              <a:rPr lang="fr-CA" sz="1600" b="1" dirty="0" smtClean="0"/>
+              <a:t>Pas assez de modèles différents</a:t>
+            </a:r>
+          </a:p>
+          <a:p>
+            <a:pPr marL="285750" indent="-285750">
+              <a:lnSpc>
+                <a:spcPct val="150000"/>
+              </a:lnSpc>
+              <a:buFont typeface="Arial" charset="0"/>
+              <a:buChar char="•"/>
+            </a:pPr>
+            <a:r>
+              <a:rPr lang="fr-CA" sz="1600" b="1" dirty="0" smtClean="0"/>
+              <a:t>Mécanique simple</a:t>
+            </a:r>
+          </a:p>
+          <a:p>
+            <a:pPr marL="285750" indent="-285750">
+              <a:lnSpc>
+                <a:spcPct val="150000"/>
+              </a:lnSpc>
+              <a:buFont typeface="Arial" charset="0"/>
+              <a:buChar char="•"/>
+            </a:pPr>
+            <a:endParaRPr lang="fr-FR" sz="1600" dirty="0"/>
+          </a:p>
+        </p:txBody>
+      </p:sp>
+      <p:sp>
+        <p:nvSpPr>
+          <p:cNvPr id="7" name="Rectangle 6"/>
+          <p:cNvSpPr/>
+          <p:nvPr/>
+        </p:nvSpPr>
+        <p:spPr>
+          <a:xfrm>
+            <a:off x="4756036" y="1864632"/>
+            <a:ext cx="4387964" cy="2770867"/>
+          </a:xfrm>
+          <a:prstGeom prst="rect">
+            <a:avLst/>
+          </a:prstGeom>
+          <a:solidFill>
+            <a:schemeClr val="accent2"/>
+          </a:solidFill>
           <a:ln>
-            <a:solidFill>
-              <a:schemeClr val="bg1"/>
-            </a:solidFill>
+            <a:noFill/>
           </a:ln>
         </p:spPr>
         <p:style>
-          <a:lnRef idx="1">
-            <a:schemeClr val="accent1"/>
+          <a:lnRef idx="2">
+            <a:schemeClr val="accent1">
+              <a:shade val="50000"/>
+            </a:schemeClr>
           </a:lnRef>
-          <a:fillRef idx="0">
+          <a:fillRef idx="1">
             <a:schemeClr val="accent1"/>
           </a:fillRef>
           <a:effectRef idx="0">
             <a:schemeClr val="accent1"/>
           </a:effectRef>
           <a:fontRef idx="minor">
-            <a:schemeClr val="tx1"/>
+            <a:schemeClr val="lt1"/>
           </a:fontRef>
         </p:style>
-      </p:cxnSp>
+        <p:txBody>
+          <a:bodyPr rtlCol="0" anchor="ctr"/>
+          <a:lstStyle/>
+          <a:p>
+            <a:pPr algn="ctr"/>
+            <a:endParaRPr lang="fr-FR"/>
+          </a:p>
+        </p:txBody>
+      </p:sp>
+      <p:sp>
+        <p:nvSpPr>
+          <p:cNvPr id="8" name="Content Placeholder 2"/>
+          <p:cNvSpPr txBox="1">
+            <a:spLocks/>
+          </p:cNvSpPr>
+          <p:nvPr/>
+        </p:nvSpPr>
+        <p:spPr>
+          <a:xfrm>
+            <a:off x="5325401" y="1992834"/>
+            <a:ext cx="3547641" cy="2312466"/>
+          </a:xfrm>
+          <a:prstGeom prst="rect">
+            <a:avLst/>
+          </a:prstGeom>
+        </p:spPr>
+        <p:txBody>
+          <a:bodyPr vert="horz" lIns="91440" tIns="45720" rIns="91440" bIns="45720" rtlCol="0">
+            <a:noAutofit/>
+          </a:bodyPr>
+          <a:lstStyle>
+            <a:lvl1pPr marL="0" indent="0" algn="l" defTabSz="914400" rtl="0" eaLnBrk="1" latinLnBrk="0" hangingPunct="1">
+              <a:spcBef>
+                <a:spcPct val="20000"/>
+              </a:spcBef>
+              <a:spcAft>
+                <a:spcPts val="600"/>
+              </a:spcAft>
+              <a:buFont typeface="Arial" pitchFamily="34" charset="0"/>
+              <a:buNone/>
+              <a:defRPr sz="2000" b="1" kern="1200">
+                <a:solidFill>
+                  <a:schemeClr val="tx1"/>
+                </a:solidFill>
+                <a:latin typeface="+mn-lt"/>
+                <a:ea typeface="+mn-ea"/>
+                <a:cs typeface="+mn-cs"/>
+              </a:defRPr>
+            </a:lvl1pPr>
+            <a:lvl2pPr marL="457200" indent="-182880" algn="l" defTabSz="914400" rtl="0" eaLnBrk="1" latinLnBrk="0" hangingPunct="1">
+              <a:spcBef>
+                <a:spcPct val="20000"/>
+              </a:spcBef>
+              <a:buClr>
+                <a:schemeClr val="tx2"/>
+              </a:buClr>
+              <a:buFont typeface="Arial" pitchFamily="34" charset="0"/>
+              <a:buChar char="•"/>
+              <a:defRPr sz="2000" kern="1200">
+                <a:solidFill>
+                  <a:schemeClr val="tx1"/>
+                </a:solidFill>
+                <a:latin typeface="+mn-lt"/>
+                <a:ea typeface="+mn-ea"/>
+                <a:cs typeface="+mn-cs"/>
+              </a:defRPr>
+            </a:lvl2pPr>
+            <a:lvl3pPr marL="1143000" indent="-228600" algn="l" defTabSz="914400" rtl="0" eaLnBrk="1" latinLnBrk="0" hangingPunct="1">
+              <a:spcBef>
+                <a:spcPct val="20000"/>
+              </a:spcBef>
+              <a:buClr>
+                <a:schemeClr val="tx2"/>
+              </a:buClr>
+              <a:buFont typeface="Arial" pitchFamily="34" charset="0"/>
+              <a:buChar char="•"/>
+              <a:defRPr sz="1800" kern="1200">
+                <a:solidFill>
+                  <a:schemeClr val="tx1"/>
+                </a:solidFill>
+                <a:latin typeface="+mn-lt"/>
+                <a:ea typeface="+mn-ea"/>
+                <a:cs typeface="+mn-cs"/>
+              </a:defRPr>
+            </a:lvl3pPr>
+            <a:lvl4pPr marL="1600200" indent="-228600" algn="l" defTabSz="914400" rtl="0" eaLnBrk="1" latinLnBrk="0" hangingPunct="1">
+              <a:spcBef>
+                <a:spcPct val="20000"/>
+              </a:spcBef>
+              <a:buClr>
+                <a:schemeClr val="tx2"/>
+              </a:buClr>
+              <a:buFont typeface="Arial" pitchFamily="34" charset="0"/>
+              <a:buChar char="•"/>
+              <a:defRPr sz="1800" kern="1200">
+                <a:solidFill>
+                  <a:schemeClr val="tx1"/>
+                </a:solidFill>
+                <a:latin typeface="+mn-lt"/>
+                <a:ea typeface="+mn-ea"/>
+                <a:cs typeface="+mn-cs"/>
+              </a:defRPr>
+            </a:lvl4pPr>
+            <a:lvl5pPr marL="2057400" indent="-228600" algn="l" defTabSz="914400" rtl="0" eaLnBrk="1" latinLnBrk="0" hangingPunct="1">
+              <a:spcBef>
+                <a:spcPct val="20000"/>
+              </a:spcBef>
+              <a:buClr>
+                <a:schemeClr val="tx2"/>
+              </a:buClr>
+              <a:buFont typeface="Arial" pitchFamily="34" charset="0"/>
+              <a:buChar char="•"/>
+              <a:defRPr sz="1800" kern="1200" baseline="0">
+                <a:solidFill>
+                  <a:schemeClr val="tx1"/>
+                </a:solidFill>
+                <a:latin typeface="+mn-lt"/>
+                <a:ea typeface="+mn-ea"/>
+                <a:cs typeface="+mn-cs"/>
+              </a:defRPr>
+            </a:lvl5pPr>
+            <a:lvl6pPr marL="2514600" indent="-228600" algn="l" defTabSz="914400" rtl="0" eaLnBrk="1" latinLnBrk="0" hangingPunct="1">
+              <a:spcBef>
+                <a:spcPct val="20000"/>
+              </a:spcBef>
+              <a:buClr>
+                <a:schemeClr val="tx2"/>
+              </a:buClr>
+              <a:buFont typeface="Arial" pitchFamily="34" charset="0"/>
+              <a:buChar char="•"/>
+              <a:defRPr sz="1600" kern="1200">
+                <a:solidFill>
+                  <a:schemeClr val="tx1"/>
+                </a:solidFill>
+                <a:latin typeface="+mn-lt"/>
+                <a:ea typeface="+mn-ea"/>
+                <a:cs typeface="+mn-cs"/>
+              </a:defRPr>
+            </a:lvl6pPr>
+            <a:lvl7pPr marL="2971800" indent="-228600" algn="l" defTabSz="914400" rtl="0" eaLnBrk="1" latinLnBrk="0" hangingPunct="1">
+              <a:spcBef>
+                <a:spcPct val="20000"/>
+              </a:spcBef>
+              <a:buClr>
+                <a:schemeClr val="tx2"/>
+              </a:buClr>
+              <a:buFont typeface="Arial" pitchFamily="34" charset="0"/>
+              <a:buChar char="•"/>
+              <a:defRPr sz="1600" kern="1200">
+                <a:solidFill>
+                  <a:schemeClr val="tx1"/>
+                </a:solidFill>
+                <a:latin typeface="+mn-lt"/>
+                <a:ea typeface="+mn-ea"/>
+                <a:cs typeface="+mn-cs"/>
+              </a:defRPr>
+            </a:lvl7pPr>
+            <a:lvl8pPr marL="3429000" indent="-228600" algn="l" defTabSz="914400" rtl="0" eaLnBrk="1" latinLnBrk="0" hangingPunct="1">
+              <a:spcBef>
+                <a:spcPct val="20000"/>
+              </a:spcBef>
+              <a:buClr>
+                <a:schemeClr val="tx2"/>
+              </a:buClr>
+              <a:buFont typeface="Arial" pitchFamily="34" charset="0"/>
+              <a:buChar char="•"/>
+              <a:defRPr sz="1600" kern="1200">
+                <a:solidFill>
+                  <a:schemeClr val="tx1"/>
+                </a:solidFill>
+                <a:latin typeface="+mn-lt"/>
+                <a:ea typeface="+mn-ea"/>
+                <a:cs typeface="+mn-cs"/>
+              </a:defRPr>
+            </a:lvl8pPr>
+            <a:lvl9pPr marL="3886200" indent="-228600" algn="l" defTabSz="914400" rtl="0" eaLnBrk="1" latinLnBrk="0" hangingPunct="1">
+              <a:spcBef>
+                <a:spcPct val="20000"/>
+              </a:spcBef>
+              <a:buClr>
+                <a:schemeClr val="tx2"/>
+              </a:buClr>
+              <a:buFont typeface="Arial" pitchFamily="34" charset="0"/>
+              <a:buChar char="•"/>
+              <a:defRPr sz="1600" kern="1200">
+                <a:solidFill>
+                  <a:schemeClr val="tx1"/>
+                </a:solidFill>
+                <a:latin typeface="+mn-lt"/>
+                <a:ea typeface="+mn-ea"/>
+                <a:cs typeface="+mn-cs"/>
+              </a:defRPr>
+            </a:lvl9pPr>
+          </a:lstStyle>
+          <a:p>
+            <a:pPr marL="285750" indent="-285750">
+              <a:lnSpc>
+                <a:spcPct val="150000"/>
+              </a:lnSpc>
+              <a:buFont typeface="Arial" charset="0"/>
+              <a:buChar char="•"/>
+            </a:pPr>
+            <a:r>
+              <a:rPr lang="fr-CA" sz="1600" dirty="0" smtClean="0">
+                <a:solidFill>
+                  <a:schemeClr val="bg1"/>
+                </a:solidFill>
+              </a:rPr>
+              <a:t>Le mouvement du personnage</a:t>
+            </a:r>
+          </a:p>
+          <a:p>
+            <a:pPr marL="285750" indent="-285750">
+              <a:lnSpc>
+                <a:spcPct val="150000"/>
+              </a:lnSpc>
+              <a:buFont typeface="Arial" charset="0"/>
+              <a:buChar char="•"/>
+            </a:pPr>
+            <a:r>
+              <a:rPr lang="fr-CA" sz="1600" dirty="0" smtClean="0">
+                <a:solidFill>
+                  <a:schemeClr val="bg1"/>
+                </a:solidFill>
+              </a:rPr>
+              <a:t>Le mouvement de la caméra</a:t>
+            </a:r>
+          </a:p>
+          <a:p>
+            <a:pPr marL="285750" indent="-285750">
+              <a:lnSpc>
+                <a:spcPct val="150000"/>
+              </a:lnSpc>
+              <a:buFont typeface="Arial" charset="0"/>
+              <a:buChar char="•"/>
+            </a:pPr>
+            <a:r>
+              <a:rPr lang="fr-CA" sz="1600" dirty="0" smtClean="0">
+                <a:solidFill>
+                  <a:schemeClr val="bg1"/>
+                </a:solidFill>
+              </a:rPr>
+              <a:t>La simplicité du jeu</a:t>
+            </a:r>
+            <a:endParaRPr lang="fr-CA" sz="1600" dirty="0" smtClean="0">
+              <a:solidFill>
+                <a:schemeClr val="accent2"/>
+              </a:solidFill>
+            </a:endParaRPr>
+          </a:p>
+          <a:p>
+            <a:pPr marL="342900" indent="-342900">
+              <a:buFont typeface="Arial" charset="0"/>
+              <a:buChar char="•"/>
+            </a:pPr>
+            <a:endParaRPr lang="fr-CA" sz="1400" b="0" dirty="0">
+              <a:solidFill>
+                <a:schemeClr val="accent2"/>
+              </a:solidFill>
+            </a:endParaRPr>
+          </a:p>
+        </p:txBody>
+      </p:sp>
+      <p:sp>
+        <p:nvSpPr>
+          <p:cNvPr id="10" name="Espace réservé du contenu 2"/>
+          <p:cNvSpPr txBox="1">
+            <a:spLocks/>
+          </p:cNvSpPr>
+          <p:nvPr/>
+        </p:nvSpPr>
+        <p:spPr>
+          <a:xfrm>
+            <a:off x="5166355" y="349431"/>
+            <a:ext cx="3304545" cy="645668"/>
+          </a:xfrm>
+          <a:prstGeom prst="rect">
+            <a:avLst/>
+          </a:prstGeom>
+        </p:spPr>
+        <p:txBody>
+          <a:bodyPr vert="horz" lIns="91440" tIns="45720" rIns="91440" bIns="45720" rtlCol="0">
+            <a:noAutofit/>
+          </a:bodyPr>
+          <a:lstStyle>
+            <a:lvl1pPr marL="0" indent="0" algn="l" defTabSz="914400" rtl="0" eaLnBrk="1" latinLnBrk="0" hangingPunct="1">
+              <a:spcBef>
+                <a:spcPct val="20000"/>
+              </a:spcBef>
+              <a:spcAft>
+                <a:spcPts val="600"/>
+              </a:spcAft>
+              <a:buFont typeface="Arial" pitchFamily="34" charset="0"/>
+              <a:buNone/>
+              <a:defRPr sz="2000" b="1" kern="1200">
+                <a:solidFill>
+                  <a:schemeClr val="tx1"/>
+                </a:solidFill>
+                <a:latin typeface="+mn-lt"/>
+                <a:ea typeface="+mn-ea"/>
+                <a:cs typeface="+mn-cs"/>
+              </a:defRPr>
+            </a:lvl1pPr>
+            <a:lvl2pPr marL="457200" indent="-182880" algn="l" defTabSz="914400" rtl="0" eaLnBrk="1" latinLnBrk="0" hangingPunct="1">
+              <a:spcBef>
+                <a:spcPct val="20000"/>
+              </a:spcBef>
+              <a:buClr>
+                <a:schemeClr val="tx2"/>
+              </a:buClr>
+              <a:buFont typeface="Arial" pitchFamily="34" charset="0"/>
+              <a:buChar char="•"/>
+              <a:defRPr sz="2000" kern="1200">
+                <a:solidFill>
+                  <a:schemeClr val="tx1"/>
+                </a:solidFill>
+                <a:latin typeface="+mn-lt"/>
+                <a:ea typeface="+mn-ea"/>
+                <a:cs typeface="+mn-cs"/>
+              </a:defRPr>
+            </a:lvl2pPr>
+            <a:lvl3pPr marL="1143000" indent="-228600" algn="l" defTabSz="914400" rtl="0" eaLnBrk="1" latinLnBrk="0" hangingPunct="1">
+              <a:spcBef>
+                <a:spcPct val="20000"/>
+              </a:spcBef>
+              <a:buClr>
+                <a:schemeClr val="tx2"/>
+              </a:buClr>
+              <a:buFont typeface="Arial" pitchFamily="34" charset="0"/>
+              <a:buChar char="•"/>
+              <a:defRPr sz="1800" kern="1200">
+                <a:solidFill>
+                  <a:schemeClr val="tx1"/>
+                </a:solidFill>
+                <a:latin typeface="+mn-lt"/>
+                <a:ea typeface="+mn-ea"/>
+                <a:cs typeface="+mn-cs"/>
+              </a:defRPr>
+            </a:lvl3pPr>
+            <a:lvl4pPr marL="1600200" indent="-228600" algn="l" defTabSz="914400" rtl="0" eaLnBrk="1" latinLnBrk="0" hangingPunct="1">
+              <a:spcBef>
+                <a:spcPct val="20000"/>
+              </a:spcBef>
+              <a:buClr>
+                <a:schemeClr val="tx2"/>
+              </a:buClr>
+              <a:buFont typeface="Arial" pitchFamily="34" charset="0"/>
+              <a:buChar char="•"/>
+              <a:defRPr sz="1800" kern="1200">
+                <a:solidFill>
+                  <a:schemeClr val="tx1"/>
+                </a:solidFill>
+                <a:latin typeface="+mn-lt"/>
+                <a:ea typeface="+mn-ea"/>
+                <a:cs typeface="+mn-cs"/>
+              </a:defRPr>
+            </a:lvl4pPr>
+            <a:lvl5pPr marL="2057400" indent="-228600" algn="l" defTabSz="914400" rtl="0" eaLnBrk="1" latinLnBrk="0" hangingPunct="1">
+              <a:spcBef>
+                <a:spcPct val="20000"/>
+              </a:spcBef>
+              <a:buClr>
+                <a:schemeClr val="tx2"/>
+              </a:buClr>
+              <a:buFont typeface="Arial" pitchFamily="34" charset="0"/>
+              <a:buChar char="•"/>
+              <a:defRPr sz="1800" kern="1200" baseline="0">
+                <a:solidFill>
+                  <a:schemeClr val="tx1"/>
+                </a:solidFill>
+                <a:latin typeface="+mn-lt"/>
+                <a:ea typeface="+mn-ea"/>
+                <a:cs typeface="+mn-cs"/>
+              </a:defRPr>
+            </a:lvl5pPr>
+            <a:lvl6pPr marL="2514600" indent="-228600" algn="l" defTabSz="914400" rtl="0" eaLnBrk="1" latinLnBrk="0" hangingPunct="1">
+              <a:spcBef>
+                <a:spcPct val="20000"/>
+              </a:spcBef>
+              <a:buClr>
+                <a:schemeClr val="tx2"/>
+              </a:buClr>
+              <a:buFont typeface="Arial" pitchFamily="34" charset="0"/>
+              <a:buChar char="•"/>
+              <a:defRPr sz="1600" kern="1200">
+                <a:solidFill>
+                  <a:schemeClr val="tx1"/>
+                </a:solidFill>
+                <a:latin typeface="+mn-lt"/>
+                <a:ea typeface="+mn-ea"/>
+                <a:cs typeface="+mn-cs"/>
+              </a:defRPr>
+            </a:lvl6pPr>
+            <a:lvl7pPr marL="2971800" indent="-228600" algn="l" defTabSz="914400" rtl="0" eaLnBrk="1" latinLnBrk="0" hangingPunct="1">
+              <a:spcBef>
+                <a:spcPct val="20000"/>
+              </a:spcBef>
+              <a:buClr>
+                <a:schemeClr val="tx2"/>
+              </a:buClr>
+              <a:buFont typeface="Arial" pitchFamily="34" charset="0"/>
+              <a:buChar char="•"/>
+              <a:defRPr sz="1600" kern="1200">
+                <a:solidFill>
+                  <a:schemeClr val="tx1"/>
+                </a:solidFill>
+                <a:latin typeface="+mn-lt"/>
+                <a:ea typeface="+mn-ea"/>
+                <a:cs typeface="+mn-cs"/>
+              </a:defRPr>
+            </a:lvl7pPr>
+            <a:lvl8pPr marL="3429000" indent="-228600" algn="l" defTabSz="914400" rtl="0" eaLnBrk="1" latinLnBrk="0" hangingPunct="1">
+              <a:spcBef>
+                <a:spcPct val="20000"/>
+              </a:spcBef>
+              <a:buClr>
+                <a:schemeClr val="tx2"/>
+              </a:buClr>
+              <a:buFont typeface="Arial" pitchFamily="34" charset="0"/>
+              <a:buChar char="•"/>
+              <a:defRPr sz="1600" kern="1200">
+                <a:solidFill>
+                  <a:schemeClr val="tx1"/>
+                </a:solidFill>
+                <a:latin typeface="+mn-lt"/>
+                <a:ea typeface="+mn-ea"/>
+                <a:cs typeface="+mn-cs"/>
+              </a:defRPr>
+            </a:lvl8pPr>
+            <a:lvl9pPr marL="3886200" indent="-228600" algn="l" defTabSz="914400" rtl="0" eaLnBrk="1" latinLnBrk="0" hangingPunct="1">
+              <a:spcBef>
+                <a:spcPct val="20000"/>
+              </a:spcBef>
+              <a:buClr>
+                <a:schemeClr val="tx2"/>
+              </a:buClr>
+              <a:buFont typeface="Arial" pitchFamily="34" charset="0"/>
+              <a:buChar char="•"/>
+              <a:defRPr sz="1600" kern="1200">
+                <a:solidFill>
+                  <a:schemeClr val="tx1"/>
+                </a:solidFill>
+                <a:latin typeface="+mn-lt"/>
+                <a:ea typeface="+mn-ea"/>
+                <a:cs typeface="+mn-cs"/>
+              </a:defRPr>
+            </a:lvl9pPr>
+          </a:lstStyle>
+          <a:p>
+            <a:pPr algn="ctr">
+              <a:lnSpc>
+                <a:spcPct val="150000"/>
+              </a:lnSpc>
+            </a:pPr>
+            <a:r>
+              <a:rPr lang="en-US" sz="2800" u="sng" cap="all" dirty="0" smtClean="0">
+                <a:solidFill>
+                  <a:schemeClr val="bg1"/>
+                </a:solidFill>
+              </a:rPr>
+              <a:t>Points </a:t>
+            </a:r>
+            <a:r>
+              <a:rPr lang="en-US" sz="2800" u="sng" cap="all" dirty="0" err="1" smtClean="0">
+                <a:solidFill>
+                  <a:schemeClr val="bg1"/>
+                </a:solidFill>
+              </a:rPr>
+              <a:t>faibles</a:t>
+            </a:r>
+            <a:endParaRPr lang="en-US" sz="2800" u="sng" cap="all" dirty="0">
+              <a:solidFill>
+                <a:schemeClr val="bg1"/>
+              </a:solidFill>
+            </a:endParaRPr>
+          </a:p>
+        </p:txBody>
+      </p:sp>
     </p:spTree>
     <p:extLst>
       <p:ext uri="{BB962C8B-B14F-4D97-AF65-F5344CB8AC3E}">
-        <p14:creationId xmlns:p14="http://schemas.microsoft.com/office/powerpoint/2010/main" val="1078388142"/>
+        <p14:creationId xmlns:p14="http://schemas.microsoft.com/office/powerpoint/2010/main" val="805536998"/>
       </p:ext>
     </p:extLst>
   </p:cSld>
   <p:clrMapOvr>
     <a:masterClrMapping/>
   </p:clrMapOvr>
+  <mc:AlternateContent xmlns:mc="http://schemas.openxmlformats.org/markup-compatibility/2006" xmlns:p14="http://schemas.microsoft.com/office/powerpoint/2010/main">
+    <mc:Choice Requires="p14">
+      <p:transition spd="slow" p14:dur="2000"/>
+    </mc:Choice>
+    <mc:Fallback xmlns="">
+      <p:transition spd="slow"/>
+    </mc:Fallback>
+  </mc:AlternateContent>
   <p:timing>
     <p:tnLst>
       <p:par>
@@ -8004,14 +8531,17 @@
         </p:nvSpPr>
         <p:spPr>
           <a:xfrm>
-            <a:off x="-147918" y="-134471"/>
+            <a:off x="-159493" y="-109071"/>
             <a:ext cx="9426389" cy="5419165"/>
           </a:xfrm>
           <a:prstGeom prst="rect">
             <a:avLst/>
           </a:prstGeom>
           <a:solidFill>
-            <a:schemeClr val="tx2"/>
+            <a:schemeClr val="accent5">
+              <a:lumMod val="20000"/>
+              <a:lumOff val="80000"/>
+            </a:schemeClr>
           </a:solidFill>
           <a:ln>
             <a:noFill/>
@@ -8044,131 +8574,129 @@
       </p:sp>
       <p:sp>
         <p:nvSpPr>
-          <p:cNvPr id="3" name="TextBox 2"/>
-          <p:cNvSpPr txBox="1"/>
-          <p:nvPr/>
-        </p:nvSpPr>
-        <p:spPr>
-          <a:xfrm>
-            <a:off x="2605576" y="2065696"/>
-            <a:ext cx="3919406" cy="1077218"/>
-          </a:xfrm>
-          <a:prstGeom prst="rect">
-            <a:avLst/>
-          </a:prstGeom>
-          <a:noFill/>
-        </p:spPr>
-        <p:txBody>
-          <a:bodyPr wrap="none" rtlCol="0">
-            <a:spAutoFit/>
+          <p:cNvPr id="2" name="Titre 1"/>
+          <p:cNvSpPr>
+            <a:spLocks noGrp="1"/>
+          </p:cNvSpPr>
+          <p:nvPr>
+            <p:ph type="title"/>
+          </p:nvPr>
+        </p:nvSpPr>
+        <p:spPr>
+          <a:xfrm>
+            <a:off x="457198" y="546339"/>
+            <a:ext cx="8119641" cy="660161"/>
+          </a:xfrm>
+        </p:spPr>
+        <p:txBody>
+          <a:bodyPr>
+            <a:normAutofit/>
           </a:bodyPr>
           <a:lstStyle/>
           <a:p>
             <a:pPr algn="ctr"/>
             <a:r>
-              <a:rPr lang="fr-CA" sz="3200" dirty="0" smtClean="0">
+              <a:rPr lang="fr-FR" sz="2800" dirty="0" smtClean="0">
                 <a:solidFill>
-                  <a:schemeClr val="bg1"/>
+                  <a:schemeClr val="tx1"/>
                 </a:solidFill>
-                <a:latin typeface="+mj-lt"/>
               </a:rPr>
-              <a:t>QUESTIONS/</a:t>
-            </a:r>
-          </a:p>
-          <a:p>
-            <a:pPr algn="ctr"/>
-            <a:r>
-              <a:rPr lang="fr-CA" sz="3200" dirty="0" smtClean="0">
-                <a:solidFill>
-                  <a:schemeClr val="bg1"/>
-                </a:solidFill>
-                <a:latin typeface="+mj-lt"/>
+              <a:t>Ressources</a:t>
+            </a:r>
+            <a:endParaRPr lang="fr-FR" sz="2800" dirty="0">
+              <a:solidFill>
+                <a:schemeClr val="tx1"/>
+              </a:solidFill>
+            </a:endParaRPr>
+          </a:p>
+        </p:txBody>
+      </p:sp>
+      <p:sp>
+        <p:nvSpPr>
+          <p:cNvPr id="3" name="Espace réservé du contenu 2"/>
+          <p:cNvSpPr>
+            <a:spLocks noGrp="1"/>
+          </p:cNvSpPr>
+          <p:nvPr>
+            <p:ph idx="1"/>
+          </p:nvPr>
+        </p:nvSpPr>
+        <p:spPr>
+          <a:xfrm>
+            <a:off x="1085987" y="1600199"/>
+            <a:ext cx="3001264" cy="1658097"/>
+          </a:xfrm>
+        </p:spPr>
+        <p:txBody>
+          <a:bodyPr>
+            <a:normAutofit/>
+          </a:bodyPr>
+          <a:lstStyle/>
+          <a:p>
+            <a:pPr marL="285750" indent="-285750">
+              <a:lnSpc>
+                <a:spcPct val="120000"/>
+              </a:lnSpc>
+              <a:buFont typeface="Arial" charset="0"/>
+              <a:buChar char="•"/>
+            </a:pPr>
+            <a:r>
+              <a:rPr lang="fr-FR" sz="1600" b="0" dirty="0" smtClean="0">
+                <a:hlinkClick r:id="rId2"/>
               </a:rPr>
-              <a:t>COMMENTAIRES</a:t>
-            </a:r>
-            <a:endParaRPr lang="fr-CA" sz="3200" dirty="0">
-              <a:solidFill>
-                <a:schemeClr val="bg1"/>
-              </a:solidFill>
-              <a:latin typeface="+mj-lt"/>
-            </a:endParaRPr>
-          </a:p>
-        </p:txBody>
-      </p:sp>
-      <p:cxnSp>
-        <p:nvCxnSpPr>
-          <p:cNvPr id="7" name="Connecteur droit 6"/>
-          <p:cNvCxnSpPr/>
-          <p:nvPr/>
-        </p:nvCxnSpPr>
-        <p:spPr>
-          <a:xfrm>
-            <a:off x="1620456" y="1574157"/>
-            <a:ext cx="5729468" cy="0"/>
-          </a:xfrm>
-          <a:prstGeom prst="line">
-            <a:avLst/>
-          </a:prstGeom>
-          <a:ln>
-            <a:solidFill>
-              <a:schemeClr val="bg1"/>
-            </a:solidFill>
-          </a:ln>
-        </p:spPr>
-        <p:style>
-          <a:lnRef idx="1">
-            <a:schemeClr val="accent1"/>
-          </a:lnRef>
-          <a:fillRef idx="0">
-            <a:schemeClr val="accent1"/>
-          </a:fillRef>
-          <a:effectRef idx="0">
-            <a:schemeClr val="accent1"/>
-          </a:effectRef>
-          <a:fontRef idx="minor">
-            <a:schemeClr val="tx1"/>
-          </a:fontRef>
-        </p:style>
-      </p:cxnSp>
-      <p:cxnSp>
-        <p:nvCxnSpPr>
-          <p:cNvPr id="8" name="Connecteur droit 7"/>
-          <p:cNvCxnSpPr/>
-          <p:nvPr/>
-        </p:nvCxnSpPr>
-        <p:spPr>
-          <a:xfrm>
-            <a:off x="1620456" y="3634452"/>
-            <a:ext cx="5729468" cy="0"/>
-          </a:xfrm>
-          <a:prstGeom prst="line">
-            <a:avLst/>
-          </a:prstGeom>
-          <a:ln>
-            <a:solidFill>
-              <a:schemeClr val="bg1"/>
-            </a:solidFill>
-          </a:ln>
-        </p:spPr>
-        <p:style>
-          <a:lnRef idx="1">
-            <a:schemeClr val="accent1"/>
-          </a:lnRef>
-          <a:fillRef idx="0">
-            <a:schemeClr val="accent1"/>
-          </a:fillRef>
-          <a:effectRef idx="0">
-            <a:schemeClr val="accent1"/>
-          </a:effectRef>
-          <a:fontRef idx="minor">
-            <a:schemeClr val="tx1"/>
-          </a:fontRef>
-        </p:style>
-      </p:cxnSp>
+              <a:t>www.textures.com</a:t>
+            </a:r>
+            <a:endParaRPr lang="fr-FR" sz="1600" b="0" dirty="0" smtClean="0"/>
+          </a:p>
+          <a:p>
+            <a:pPr marL="285750" indent="-285750">
+              <a:lnSpc>
+                <a:spcPct val="120000"/>
+              </a:lnSpc>
+              <a:buFont typeface="Arial" charset="0"/>
+              <a:buChar char="•"/>
+            </a:pPr>
+            <a:r>
+              <a:rPr lang="fr-FR" sz="1600" b="0" dirty="0" err="1" smtClean="0"/>
+              <a:t>AssetStore</a:t>
+            </a:r>
+            <a:r>
+              <a:rPr lang="fr-FR" sz="1600" b="0" dirty="0" smtClean="0"/>
+              <a:t>/</a:t>
+            </a:r>
+            <a:r>
+              <a:rPr lang="fr-FR" sz="1600" b="0" dirty="0" err="1"/>
+              <a:t>U</a:t>
+            </a:r>
+            <a:r>
+              <a:rPr lang="fr-FR" sz="1600" b="0" dirty="0" err="1" smtClean="0"/>
+              <a:t>nity</a:t>
+            </a:r>
+            <a:endParaRPr lang="fr-FR" sz="1600" b="0" dirty="0" smtClean="0"/>
+          </a:p>
+          <a:p>
+            <a:pPr marL="285750" indent="-285750">
+              <a:lnSpc>
+                <a:spcPct val="120000"/>
+              </a:lnSpc>
+              <a:buFont typeface="Arial" charset="0"/>
+              <a:buChar char="•"/>
+            </a:pPr>
+            <a:r>
+              <a:rPr lang="fr-FR" sz="1600" b="0" dirty="0" err="1" smtClean="0"/>
+              <a:t>CrazyBump</a:t>
+            </a:r>
+            <a:endParaRPr lang="fr-FR" sz="1600" b="0" dirty="0"/>
+          </a:p>
+          <a:p>
+            <a:endParaRPr lang="fr-FR" dirty="0"/>
+          </a:p>
+        </p:txBody>
+      </p:sp>
     </p:spTree>
     <p:extLst>
       <p:ext uri="{BB962C8B-B14F-4D97-AF65-F5344CB8AC3E}">
-        <p14:creationId xmlns:p14="http://schemas.microsoft.com/office/powerpoint/2010/main" val="253792094"/>
+        <p14:creationId xmlns:p14="http://schemas.microsoft.com/office/powerpoint/2010/main" val="81220596"/>
       </p:ext>
     </p:extLst>
   </p:cSld>
@@ -8330,15 +8858,7 @@
                   <a:schemeClr val="bg1"/>
                 </a:solidFill>
               </a:rPr>
-              <a:t>Division </a:t>
-            </a:r>
-            <a:r>
-              <a:rPr lang="fr-FR" sz="1400" dirty="0" smtClean="0">
-                <a:solidFill>
-                  <a:schemeClr val="bg1"/>
-                </a:solidFill>
-              </a:rPr>
-              <a:t>des </a:t>
+              <a:t>Division des </a:t>
             </a:r>
             <a:r>
               <a:rPr lang="fr-FR" sz="1400" dirty="0" err="1" smtClean="0">
@@ -8417,11 +8937,6 @@
               </a:rPr>
               <a:t>Modèle</a:t>
             </a:r>
-            <a:endParaRPr lang="fr-FR" sz="1400" dirty="0" smtClean="0">
-              <a:solidFill>
-                <a:schemeClr val="bg1"/>
-              </a:solidFill>
-            </a:endParaRPr>
           </a:p>
           <a:p>
             <a:pPr marL="342900" indent="-342900">
@@ -8584,17 +9099,14 @@
         </p:nvSpPr>
         <p:spPr>
           <a:xfrm>
-            <a:off x="-159493" y="-109071"/>
+            <a:off x="-147918" y="-134471"/>
             <a:ext cx="9426389" cy="5419165"/>
           </a:xfrm>
           <a:prstGeom prst="rect">
             <a:avLst/>
           </a:prstGeom>
           <a:solidFill>
-            <a:schemeClr val="accent5">
-              <a:lumMod val="20000"/>
-              <a:lumOff val="80000"/>
-            </a:schemeClr>
+            <a:schemeClr val="tx2"/>
           </a:solidFill>
           <a:ln>
             <a:noFill/>
@@ -8627,129 +9139,119 @@
       </p:sp>
       <p:sp>
         <p:nvSpPr>
-          <p:cNvPr id="2" name="Titre 1"/>
-          <p:cNvSpPr>
-            <a:spLocks noGrp="1"/>
-          </p:cNvSpPr>
-          <p:nvPr>
-            <p:ph type="title"/>
-          </p:nvPr>
-        </p:nvSpPr>
-        <p:spPr>
-          <a:xfrm>
-            <a:off x="457198" y="546339"/>
-            <a:ext cx="8119641" cy="660161"/>
-          </a:xfrm>
-        </p:spPr>
-        <p:txBody>
-          <a:bodyPr>
-            <a:normAutofit/>
+          <p:cNvPr id="3" name="TextBox 2"/>
+          <p:cNvSpPr txBox="1"/>
+          <p:nvPr/>
+        </p:nvSpPr>
+        <p:spPr>
+          <a:xfrm>
+            <a:off x="3667113" y="2311917"/>
+            <a:ext cx="1796326" cy="584775"/>
+          </a:xfrm>
+          <a:prstGeom prst="rect">
+            <a:avLst/>
+          </a:prstGeom>
+          <a:noFill/>
+        </p:spPr>
+        <p:txBody>
+          <a:bodyPr wrap="none" rtlCol="0">
+            <a:spAutoFit/>
           </a:bodyPr>
           <a:lstStyle/>
           <a:p>
             <a:pPr algn="ctr"/>
             <a:r>
-              <a:rPr lang="fr-FR" sz="2800" dirty="0" smtClean="0">
+              <a:rPr lang="fr-CA" sz="3200" dirty="0" smtClean="0">
                 <a:solidFill>
-                  <a:schemeClr val="tx1"/>
+                  <a:schemeClr val="bg1"/>
                 </a:solidFill>
+                <a:latin typeface="+mj-lt"/>
               </a:rPr>
-              <a:t>Ressources</a:t>
-            </a:r>
-            <a:endParaRPr lang="fr-FR" sz="2800" dirty="0">
+              <a:t>MERCI!</a:t>
+            </a:r>
+            <a:endParaRPr lang="fr-CA" sz="3200" dirty="0">
               <a:solidFill>
-                <a:schemeClr val="tx1"/>
+                <a:schemeClr val="bg1"/>
               </a:solidFill>
+              <a:latin typeface="+mj-lt"/>
             </a:endParaRPr>
           </a:p>
         </p:txBody>
       </p:sp>
-      <p:sp>
-        <p:nvSpPr>
-          <p:cNvPr id="3" name="Espace réservé du contenu 2"/>
-          <p:cNvSpPr>
-            <a:spLocks noGrp="1"/>
-          </p:cNvSpPr>
-          <p:nvPr>
-            <p:ph idx="1"/>
-          </p:nvPr>
-        </p:nvSpPr>
-        <p:spPr>
-          <a:xfrm>
-            <a:off x="1085987" y="1600199"/>
-            <a:ext cx="3001264" cy="1658097"/>
-          </a:xfrm>
-        </p:spPr>
-        <p:txBody>
-          <a:bodyPr>
-            <a:normAutofit/>
-          </a:bodyPr>
-          <a:lstStyle/>
-          <a:p>
-            <a:pPr marL="285750" indent="-285750">
-              <a:lnSpc>
-                <a:spcPct val="120000"/>
-              </a:lnSpc>
-              <a:buFont typeface="Arial" charset="0"/>
-              <a:buChar char="•"/>
-            </a:pPr>
-            <a:r>
-              <a:rPr lang="fr-FR" sz="1600" b="0" dirty="0" smtClean="0">
-                <a:hlinkClick r:id="rId2"/>
-              </a:rPr>
-              <a:t>www.textures.com</a:t>
-            </a:r>
-            <a:endParaRPr lang="fr-FR" sz="1600" b="0" dirty="0" smtClean="0"/>
-          </a:p>
-          <a:p>
-            <a:pPr marL="285750" indent="-285750">
-              <a:lnSpc>
-                <a:spcPct val="120000"/>
-              </a:lnSpc>
-              <a:buFont typeface="Arial" charset="0"/>
-              <a:buChar char="•"/>
-            </a:pPr>
-            <a:r>
-              <a:rPr lang="fr-FR" sz="1600" b="0" dirty="0" err="1" smtClean="0"/>
-              <a:t>AssetStore</a:t>
-            </a:r>
-            <a:r>
-              <a:rPr lang="fr-FR" sz="1600" b="0" dirty="0" smtClean="0"/>
-              <a:t>/</a:t>
-            </a:r>
-            <a:r>
-              <a:rPr lang="fr-FR" sz="1600" b="0" dirty="0" err="1"/>
-              <a:t>U</a:t>
-            </a:r>
-            <a:r>
-              <a:rPr lang="fr-FR" sz="1600" b="0" dirty="0" err="1" smtClean="0"/>
-              <a:t>nity</a:t>
-            </a:r>
-            <a:endParaRPr lang="fr-FR" sz="1600" b="0" dirty="0" smtClean="0"/>
-          </a:p>
-          <a:p>
-            <a:pPr marL="285750" indent="-285750">
-              <a:lnSpc>
-                <a:spcPct val="120000"/>
-              </a:lnSpc>
-              <a:buFont typeface="Arial" charset="0"/>
-              <a:buChar char="•"/>
-            </a:pPr>
-            <a:r>
-              <a:rPr lang="fr-FR" sz="1600" b="0" dirty="0" err="1" smtClean="0"/>
-              <a:t>CrazyBump</a:t>
-            </a:r>
-            <a:endParaRPr lang="fr-FR" sz="1600" b="0" dirty="0"/>
-          </a:p>
-          <a:p>
-            <a:endParaRPr lang="fr-FR" dirty="0"/>
-          </a:p>
-        </p:txBody>
-      </p:sp>
+      <p:cxnSp>
+        <p:nvCxnSpPr>
+          <p:cNvPr id="7" name="Connecteur droit 6"/>
+          <p:cNvCxnSpPr/>
+          <p:nvPr/>
+        </p:nvCxnSpPr>
+        <p:spPr>
+          <a:xfrm>
+            <a:off x="1620456" y="1574157"/>
+            <a:ext cx="5729468" cy="0"/>
+          </a:xfrm>
+          <a:prstGeom prst="line">
+            <a:avLst/>
+          </a:prstGeom>
+          <a:ln>
+            <a:solidFill>
+              <a:schemeClr val="bg1"/>
+            </a:solidFill>
+          </a:ln>
+        </p:spPr>
+        <p:style>
+          <a:lnRef idx="1">
+            <a:schemeClr val="accent1"/>
+          </a:lnRef>
+          <a:fillRef idx="0">
+            <a:schemeClr val="accent1"/>
+          </a:fillRef>
+          <a:effectRef idx="0">
+            <a:schemeClr val="accent1"/>
+          </a:effectRef>
+          <a:fontRef idx="minor">
+            <a:schemeClr val="tx1"/>
+          </a:fontRef>
+        </p:style>
+      </p:cxnSp>
+      <p:cxnSp>
+        <p:nvCxnSpPr>
+          <p:cNvPr id="8" name="Connecteur droit 7"/>
+          <p:cNvCxnSpPr/>
+          <p:nvPr/>
+        </p:nvCxnSpPr>
+        <p:spPr>
+          <a:xfrm>
+            <a:off x="1620456" y="3634452"/>
+            <a:ext cx="5729468" cy="0"/>
+          </a:xfrm>
+          <a:prstGeom prst="line">
+            <a:avLst/>
+          </a:prstGeom>
+          <a:ln>
+            <a:solidFill>
+              <a:schemeClr val="bg1"/>
+            </a:solidFill>
+          </a:ln>
+        </p:spPr>
+        <p:style>
+          <a:lnRef idx="1">
+            <a:schemeClr val="accent1"/>
+          </a:lnRef>
+          <a:fillRef idx="0">
+            <a:schemeClr val="accent1"/>
+          </a:fillRef>
+          <a:effectRef idx="0">
+            <a:schemeClr val="accent1"/>
+          </a:effectRef>
+          <a:fontRef idx="minor">
+            <a:schemeClr val="tx1"/>
+          </a:fontRef>
+        </p:style>
+      </p:cxnSp>
     </p:spTree>
     <p:extLst>
       <p:ext uri="{BB962C8B-B14F-4D97-AF65-F5344CB8AC3E}">
-        <p14:creationId xmlns:p14="http://schemas.microsoft.com/office/powerpoint/2010/main" val="81220596"/>
+        <p14:creationId xmlns:p14="http://schemas.microsoft.com/office/powerpoint/2010/main" val="1078388142"/>
       </p:ext>
     </p:extLst>
   </p:cSld>
@@ -9164,13 +9666,7 @@
               <a:rPr lang="fr-CA" sz="2800" u="sng" dirty="0" smtClean="0">
                 <a:latin typeface="+mj-lt"/>
               </a:rPr>
-              <a:t>STYLE DE JEU </a:t>
-            </a:r>
-            <a:r>
-              <a:rPr lang="fr-CA" sz="2800" u="sng" dirty="0" smtClean="0">
-                <a:latin typeface="+mj-lt"/>
-              </a:rPr>
-              <a:t>UTILISÉ</a:t>
+              <a:t>STYLE DE JEU UTILISÉ</a:t>
             </a:r>
             <a:endParaRPr lang="fr-CA" b="1" u="sng" dirty="0"/>
           </a:p>
@@ -10150,15 +10646,7 @@
                   <a:schemeClr val="bg1"/>
                 </a:solidFill>
               </a:rPr>
-              <a:t>Arbre </a:t>
-            </a:r>
-            <a:r>
-              <a:rPr lang="fr-FR" sz="1600" b="1" dirty="0" smtClean="0">
-                <a:solidFill>
-                  <a:schemeClr val="bg1"/>
-                </a:solidFill>
-              </a:rPr>
-              <a:t>avec une texture </a:t>
+              <a:t>Arbre avec une texture </a:t>
             </a:r>
             <a:r>
               <a:rPr lang="fr-FR" sz="1600" b="1" dirty="0" err="1" smtClean="0">
@@ -10174,15 +10662,7 @@
                   <a:schemeClr val="bg1"/>
                 </a:solidFill>
               </a:rPr>
-              <a:t> </a:t>
-            </a:r>
-            <a:r>
-              <a:rPr lang="fr-FR" sz="1600" b="1" dirty="0" smtClean="0">
-                <a:solidFill>
-                  <a:schemeClr val="bg1"/>
-                </a:solidFill>
-              </a:rPr>
-              <a:t>Die</a:t>
+              <a:t> Die</a:t>
             </a:r>
             <a:endParaRPr lang="fr-FR" sz="1600" dirty="0">
               <a:solidFill>
